--- a/site/slides/Future.pptx
+++ b/site/slides/Future.pptx
@@ -17,7 +17,7 @@
     <p:sldId id="602" r:id="rId5"/>
     <p:sldId id="605" r:id="rId6"/>
     <p:sldId id="608" r:id="rId7"/>
-    <p:sldId id="609" r:id="rId8"/>
+    <p:sldId id="613" r:id="rId8"/>
     <p:sldId id="612" r:id="rId9"/>
     <p:sldId id="611" r:id="rId10"/>
     <p:sldId id="604" r:id="rId11"/>
@@ -187,7 +187,7 @@
 <file path=ppt/revisionInfo.xml><?xml version="1.0" encoding="utf-8"?>
 <p1510:revInfo xmlns:a="http://schemas.openxmlformats.org/drawingml/2006/main" xmlns:r="http://schemas.openxmlformats.org/officeDocument/2006/relationships" xmlns:p1510="http://schemas.microsoft.com/office/powerpoint/2015/10/main">
   <p1510:revLst>
-    <p1510:client id="{A051F15A-5AF4-47C5-943B-0A872409E07C}" v="1" dt="2024-02-01T09:48:48.731"/>
+    <p1510:client id="{4F3FAF49-1DF7-4F24-BD45-0FCF078AB041}" v="3" dt="2024-04-09T06:23:21.435"/>
   </p1510:revLst>
 </p1510:revInfo>
 </file>
@@ -195,1646 +195,173 @@
 <file path=ppt/changesInfos/changesInfo1.xml><?xml version="1.0" encoding="utf-8"?>
 <pc:chgInfo xmlns:a="http://schemas.openxmlformats.org/drawingml/2006/main" xmlns:r="http://schemas.openxmlformats.org/officeDocument/2006/relationships" xmlns:ac="http://schemas.microsoft.com/office/drawing/2013/main/command" xmlns:pc="http://schemas.microsoft.com/office/powerpoint/2013/main/command">
   <pc:docChgLst>
-    <pc:chgData name="Zhao Jin" userId="cd05a825-544c-438a-9ba1-08e63db50b47" providerId="ADAL" clId="{6A3951C8-7780-4031-8A2B-7971BC0F9707}"/>
-    <pc:docChg chg="modSld">
-      <pc:chgData name="Zhao Jin" userId="cd05a825-544c-438a-9ba1-08e63db50b47" providerId="ADAL" clId="{6A3951C8-7780-4031-8A2B-7971BC0F9707}" dt="2021-01-27T06:40:05.693" v="157" actId="20577"/>
+    <pc:chgData name="Zhao Jin" userId="cd05a825-544c-438a-9ba1-08e63db50b47" providerId="ADAL" clId="{C328B041-D897-B548-9F0A-DA2B3CC3BF8E}"/>
+    <pc:docChg chg="undo custSel modSld">
+      <pc:chgData name="Zhao Jin" userId="cd05a825-544c-438a-9ba1-08e63db50b47" providerId="ADAL" clId="{C328B041-D897-B548-9F0A-DA2B3CC3BF8E}" dt="2021-03-08T02:30:29.708" v="502" actId="478"/>
       <pc:docMkLst>
         <pc:docMk/>
       </pc:docMkLst>
-      <pc:sldChg chg="addSp modSp mod">
-        <pc:chgData name="Zhao Jin" userId="cd05a825-544c-438a-9ba1-08e63db50b47" providerId="ADAL" clId="{6A3951C8-7780-4031-8A2B-7971BC0F9707}" dt="2021-01-27T06:39:09.281" v="89" actId="1036"/>
+      <pc:sldChg chg="addSp delSp modSp">
+        <pc:chgData name="Zhao Jin" userId="cd05a825-544c-438a-9ba1-08e63db50b47" providerId="ADAL" clId="{C328B041-D897-B548-9F0A-DA2B3CC3BF8E}" dt="2021-03-08T01:59:34.595" v="472" actId="1076"/>
         <pc:sldMkLst>
           <pc:docMk/>
-          <pc:sldMk cId="3949125736" sldId="548"/>
-        </pc:sldMkLst>
-        <pc:spChg chg="add mod">
-          <ac:chgData name="Zhao Jin" userId="cd05a825-544c-438a-9ba1-08e63db50b47" providerId="ADAL" clId="{6A3951C8-7780-4031-8A2B-7971BC0F9707}" dt="2021-01-27T06:39:09.281" v="89" actId="1036"/>
-          <ac:spMkLst>
-            <pc:docMk/>
-            <pc:sldMk cId="3949125736" sldId="548"/>
-            <ac:spMk id="2" creationId="{62B1CF73-04DC-472B-B45B-71CEBE9E2875}"/>
-          </ac:spMkLst>
-        </pc:spChg>
-        <pc:spChg chg="mod">
-          <ac:chgData name="Zhao Jin" userId="cd05a825-544c-438a-9ba1-08e63db50b47" providerId="ADAL" clId="{6A3951C8-7780-4031-8A2B-7971BC0F9707}" dt="2021-01-27T06:38:06.592" v="2" actId="20577"/>
-          <ac:spMkLst>
-            <pc:docMk/>
-            <pc:sldMk cId="3949125736" sldId="548"/>
-            <ac:spMk id="9" creationId="{00000000-0000-0000-0000-000000000000}"/>
-          </ac:spMkLst>
-        </pc:spChg>
-      </pc:sldChg>
-      <pc:sldChg chg="addSp modSp mod">
-        <pc:chgData name="Zhao Jin" userId="cd05a825-544c-438a-9ba1-08e63db50b47" providerId="ADAL" clId="{6A3951C8-7780-4031-8A2B-7971BC0F9707}" dt="2021-01-27T06:40:05.693" v="157" actId="20577"/>
-        <pc:sldMkLst>
-          <pc:docMk/>
-          <pc:sldMk cId="2939077141" sldId="549"/>
-        </pc:sldMkLst>
-        <pc:spChg chg="mod">
-          <ac:chgData name="Zhao Jin" userId="cd05a825-544c-438a-9ba1-08e63db50b47" providerId="ADAL" clId="{6A3951C8-7780-4031-8A2B-7971BC0F9707}" dt="2021-01-27T06:38:01.505" v="1" actId="13926"/>
-          <ac:spMkLst>
-            <pc:docMk/>
-            <pc:sldMk cId="2939077141" sldId="549"/>
-            <ac:spMk id="9" creationId="{00000000-0000-0000-0000-000000000000}"/>
-          </ac:spMkLst>
-        </pc:spChg>
-        <pc:spChg chg="add mod">
-          <ac:chgData name="Zhao Jin" userId="cd05a825-544c-438a-9ba1-08e63db50b47" providerId="ADAL" clId="{6A3951C8-7780-4031-8A2B-7971BC0F9707}" dt="2021-01-27T06:40:05.693" v="157" actId="20577"/>
-          <ac:spMkLst>
-            <pc:docMk/>
-            <pc:sldMk cId="2939077141" sldId="549"/>
-            <ac:spMk id="10" creationId="{1850E95F-4DF3-444D-BDF1-AF8F205268DD}"/>
-          </ac:spMkLst>
-        </pc:spChg>
-      </pc:sldChg>
-    </pc:docChg>
-  </pc:docChgLst>
-  <pc:docChgLst>
-    <pc:chgData name="Zhao Jin" userId="cd05a825-544c-438a-9ba1-08e63db50b47" providerId="ADAL" clId="{A051F15A-5AF4-47C5-943B-0A872409E07C}"/>
-    <pc:docChg chg="custSel modSld">
-      <pc:chgData name="Zhao Jin" userId="cd05a825-544c-438a-9ba1-08e63db50b47" providerId="ADAL" clId="{A051F15A-5AF4-47C5-943B-0A872409E07C}" dt="2024-02-01T09:48:48.888" v="5" actId="27636"/>
-      <pc:docMkLst>
-        <pc:docMk/>
-      </pc:docMkLst>
-      <pc:sldChg chg="delSp modSp mod">
-        <pc:chgData name="Zhao Jin" userId="cd05a825-544c-438a-9ba1-08e63db50b47" providerId="ADAL" clId="{A051F15A-5AF4-47C5-943B-0A872409E07C}" dt="2024-02-01T09:48:33.327" v="1" actId="478"/>
-        <pc:sldMkLst>
-          <pc:docMk/>
-          <pc:sldMk cId="0" sldId="256"/>
+          <pc:sldMk cId="640598186" sldId="606"/>
         </pc:sldMkLst>
         <pc:spChg chg="del mod">
-          <ac:chgData name="Zhao Jin" userId="cd05a825-544c-438a-9ba1-08e63db50b47" providerId="ADAL" clId="{A051F15A-5AF4-47C5-943B-0A872409E07C}" dt="2024-02-01T09:48:33.327" v="1" actId="478"/>
-          <ac:spMkLst>
-            <pc:docMk/>
-            <pc:sldMk cId="0" sldId="256"/>
+          <ac:chgData name="Zhao Jin" userId="cd05a825-544c-438a-9ba1-08e63db50b47" providerId="ADAL" clId="{C328B041-D897-B548-9F0A-DA2B3CC3BF8E}" dt="2021-03-08T01:57:38.912" v="292" actId="478"/>
+          <ac:spMkLst>
+            <pc:docMk/>
+            <pc:sldMk cId="640598186" sldId="606"/>
+            <ac:spMk id="2" creationId="{51C58C27-3B14-42B9-A7E7-EA4CB9CA7257}"/>
+          </ac:spMkLst>
+        </pc:spChg>
+        <pc:spChg chg="mod">
+          <ac:chgData name="Zhao Jin" userId="cd05a825-544c-438a-9ba1-08e63db50b47" providerId="ADAL" clId="{C328B041-D897-B548-9F0A-DA2B3CC3BF8E}" dt="2021-03-08T01:59:21.250" v="468" actId="20577"/>
+          <ac:spMkLst>
+            <pc:docMk/>
+            <pc:sldMk cId="640598186" sldId="606"/>
             <ac:spMk id="8" creationId="{00000000-0000-0000-0000-000000000000}"/>
           </ac:spMkLst>
         </pc:spChg>
-      </pc:sldChg>
-      <pc:sldChg chg="modSp">
-        <pc:chgData name="Zhao Jin" userId="cd05a825-544c-438a-9ba1-08e63db50b47" providerId="ADAL" clId="{A051F15A-5AF4-47C5-943B-0A872409E07C}" dt="2024-02-01T09:48:48.731" v="2"/>
-        <pc:sldMkLst>
-          <pc:docMk/>
-          <pc:sldMk cId="2438607696" sldId="468"/>
-        </pc:sldMkLst>
-        <pc:spChg chg="mod">
-          <ac:chgData name="Zhao Jin" userId="cd05a825-544c-438a-9ba1-08e63db50b47" providerId="ADAL" clId="{A051F15A-5AF4-47C5-943B-0A872409E07C}" dt="2024-02-01T09:48:48.731" v="2"/>
-          <ac:spMkLst>
-            <pc:docMk/>
-            <pc:sldMk cId="2438607696" sldId="468"/>
-            <ac:spMk id="7" creationId="{00000000-0000-0000-0000-000000000000}"/>
-          </ac:spMkLst>
-        </pc:spChg>
-      </pc:sldChg>
-      <pc:sldChg chg="modSp mod">
-        <pc:chgData name="Zhao Jin" userId="cd05a825-544c-438a-9ba1-08e63db50b47" providerId="ADAL" clId="{A051F15A-5AF4-47C5-943B-0A872409E07C}" dt="2024-02-01T09:48:48.888" v="5" actId="27636"/>
-        <pc:sldMkLst>
-          <pc:docMk/>
-          <pc:sldMk cId="4078418712" sldId="525"/>
-        </pc:sldMkLst>
-        <pc:spChg chg="mod">
-          <ac:chgData name="Zhao Jin" userId="cd05a825-544c-438a-9ba1-08e63db50b47" providerId="ADAL" clId="{A051F15A-5AF4-47C5-943B-0A872409E07C}" dt="2024-02-01T09:48:48.888" v="5" actId="27636"/>
-          <ac:spMkLst>
-            <pc:docMk/>
-            <pc:sldMk cId="4078418712" sldId="525"/>
-            <ac:spMk id="2" creationId="{6172AC33-6572-4278-0EAA-FB83F57774A9}"/>
-          </ac:spMkLst>
-        </pc:spChg>
-      </pc:sldChg>
-      <pc:sldChg chg="modSp">
-        <pc:chgData name="Zhao Jin" userId="cd05a825-544c-438a-9ba1-08e63db50b47" providerId="ADAL" clId="{A051F15A-5AF4-47C5-943B-0A872409E07C}" dt="2024-02-01T09:48:48.731" v="2"/>
-        <pc:sldMkLst>
-          <pc:docMk/>
-          <pc:sldMk cId="1542002799" sldId="602"/>
-        </pc:sldMkLst>
-        <pc:spChg chg="mod">
-          <ac:chgData name="Zhao Jin" userId="cd05a825-544c-438a-9ba1-08e63db50b47" providerId="ADAL" clId="{A051F15A-5AF4-47C5-943B-0A872409E07C}" dt="2024-02-01T09:48:48.731" v="2"/>
-          <ac:spMkLst>
-            <pc:docMk/>
-            <pc:sldMk cId="1542002799" sldId="602"/>
-            <ac:spMk id="7" creationId="{00000000-0000-0000-0000-000000000000}"/>
-          </ac:spMkLst>
-        </pc:spChg>
-      </pc:sldChg>
-      <pc:sldChg chg="modSp">
-        <pc:chgData name="Zhao Jin" userId="cd05a825-544c-438a-9ba1-08e63db50b47" providerId="ADAL" clId="{A051F15A-5AF4-47C5-943B-0A872409E07C}" dt="2024-02-01T09:48:48.731" v="2"/>
-        <pc:sldMkLst>
-          <pc:docMk/>
-          <pc:sldMk cId="4071526340" sldId="603"/>
-        </pc:sldMkLst>
-        <pc:spChg chg="mod">
-          <ac:chgData name="Zhao Jin" userId="cd05a825-544c-438a-9ba1-08e63db50b47" providerId="ADAL" clId="{A051F15A-5AF4-47C5-943B-0A872409E07C}" dt="2024-02-01T09:48:48.731" v="2"/>
-          <ac:spMkLst>
-            <pc:docMk/>
-            <pc:sldMk cId="4071526340" sldId="603"/>
-            <ac:spMk id="7" creationId="{00000000-0000-0000-0000-000000000000}"/>
-          </ac:spMkLst>
-        </pc:spChg>
-      </pc:sldChg>
-      <pc:sldChg chg="modSp mod">
-        <pc:chgData name="Zhao Jin" userId="cd05a825-544c-438a-9ba1-08e63db50b47" providerId="ADAL" clId="{A051F15A-5AF4-47C5-943B-0A872409E07C}" dt="2024-02-01T09:48:48.872" v="3" actId="27636"/>
-        <pc:sldMkLst>
-          <pc:docMk/>
-          <pc:sldMk cId="3733356969" sldId="604"/>
-        </pc:sldMkLst>
-        <pc:spChg chg="mod">
-          <ac:chgData name="Zhao Jin" userId="cd05a825-544c-438a-9ba1-08e63db50b47" providerId="ADAL" clId="{A051F15A-5AF4-47C5-943B-0A872409E07C}" dt="2024-02-01T09:48:48.872" v="3" actId="27636"/>
-          <ac:spMkLst>
-            <pc:docMk/>
-            <pc:sldMk cId="3733356969" sldId="604"/>
-            <ac:spMk id="7" creationId="{00000000-0000-0000-0000-000000000000}"/>
-          </ac:spMkLst>
-        </pc:spChg>
-      </pc:sldChg>
-      <pc:sldChg chg="modSp">
-        <pc:chgData name="Zhao Jin" userId="cd05a825-544c-438a-9ba1-08e63db50b47" providerId="ADAL" clId="{A051F15A-5AF4-47C5-943B-0A872409E07C}" dt="2024-02-01T09:48:48.731" v="2"/>
-        <pc:sldMkLst>
-          <pc:docMk/>
-          <pc:sldMk cId="1986457205" sldId="605"/>
-        </pc:sldMkLst>
-        <pc:spChg chg="mod">
-          <ac:chgData name="Zhao Jin" userId="cd05a825-544c-438a-9ba1-08e63db50b47" providerId="ADAL" clId="{A051F15A-5AF4-47C5-943B-0A872409E07C}" dt="2024-02-01T09:48:48.731" v="2"/>
-          <ac:spMkLst>
-            <pc:docMk/>
-            <pc:sldMk cId="1986457205" sldId="605"/>
-            <ac:spMk id="7" creationId="{00000000-0000-0000-0000-000000000000}"/>
-          </ac:spMkLst>
-        </pc:spChg>
-      </pc:sldChg>
-      <pc:sldChg chg="modSp">
-        <pc:chgData name="Zhao Jin" userId="cd05a825-544c-438a-9ba1-08e63db50b47" providerId="ADAL" clId="{A051F15A-5AF4-47C5-943B-0A872409E07C}" dt="2024-02-01T09:48:48.731" v="2"/>
-        <pc:sldMkLst>
-          <pc:docMk/>
-          <pc:sldMk cId="244432225" sldId="608"/>
-        </pc:sldMkLst>
-        <pc:spChg chg="mod">
-          <ac:chgData name="Zhao Jin" userId="cd05a825-544c-438a-9ba1-08e63db50b47" providerId="ADAL" clId="{A051F15A-5AF4-47C5-943B-0A872409E07C}" dt="2024-02-01T09:48:48.731" v="2"/>
-          <ac:spMkLst>
-            <pc:docMk/>
-            <pc:sldMk cId="244432225" sldId="608"/>
-            <ac:spMk id="7" creationId="{00000000-0000-0000-0000-000000000000}"/>
-          </ac:spMkLst>
-        </pc:spChg>
-      </pc:sldChg>
-      <pc:sldChg chg="modSp">
-        <pc:chgData name="Zhao Jin" userId="cd05a825-544c-438a-9ba1-08e63db50b47" providerId="ADAL" clId="{A051F15A-5AF4-47C5-943B-0A872409E07C}" dt="2024-02-01T09:48:48.731" v="2"/>
-        <pc:sldMkLst>
-          <pc:docMk/>
-          <pc:sldMk cId="1540855360" sldId="609"/>
-        </pc:sldMkLst>
-        <pc:spChg chg="mod">
-          <ac:chgData name="Zhao Jin" userId="cd05a825-544c-438a-9ba1-08e63db50b47" providerId="ADAL" clId="{A051F15A-5AF4-47C5-943B-0A872409E07C}" dt="2024-02-01T09:48:48.731" v="2"/>
-          <ac:spMkLst>
-            <pc:docMk/>
-            <pc:sldMk cId="1540855360" sldId="609"/>
-            <ac:spMk id="7" creationId="{00000000-0000-0000-0000-000000000000}"/>
-          </ac:spMkLst>
-        </pc:spChg>
-      </pc:sldChg>
-      <pc:sldChg chg="modSp mod">
-        <pc:chgData name="Zhao Jin" userId="cd05a825-544c-438a-9ba1-08e63db50b47" providerId="ADAL" clId="{A051F15A-5AF4-47C5-943B-0A872409E07C}" dt="2024-02-01T09:48:48.878" v="4" actId="27636"/>
-        <pc:sldMkLst>
-          <pc:docMk/>
-          <pc:sldMk cId="1712697869" sldId="610"/>
-        </pc:sldMkLst>
-        <pc:spChg chg="mod">
-          <ac:chgData name="Zhao Jin" userId="cd05a825-544c-438a-9ba1-08e63db50b47" providerId="ADAL" clId="{A051F15A-5AF4-47C5-943B-0A872409E07C}" dt="2024-02-01T09:48:48.878" v="4" actId="27636"/>
-          <ac:spMkLst>
-            <pc:docMk/>
-            <pc:sldMk cId="1712697869" sldId="610"/>
-            <ac:spMk id="7" creationId="{00000000-0000-0000-0000-000000000000}"/>
-          </ac:spMkLst>
-        </pc:spChg>
-      </pc:sldChg>
-      <pc:sldChg chg="modSp">
-        <pc:chgData name="Zhao Jin" userId="cd05a825-544c-438a-9ba1-08e63db50b47" providerId="ADAL" clId="{A051F15A-5AF4-47C5-943B-0A872409E07C}" dt="2024-02-01T09:48:48.731" v="2"/>
-        <pc:sldMkLst>
-          <pc:docMk/>
-          <pc:sldMk cId="875106389" sldId="611"/>
-        </pc:sldMkLst>
-        <pc:spChg chg="mod">
-          <ac:chgData name="Zhao Jin" userId="cd05a825-544c-438a-9ba1-08e63db50b47" providerId="ADAL" clId="{A051F15A-5AF4-47C5-943B-0A872409E07C}" dt="2024-02-01T09:48:48.731" v="2"/>
-          <ac:spMkLst>
-            <pc:docMk/>
-            <pc:sldMk cId="875106389" sldId="611"/>
-            <ac:spMk id="7" creationId="{00000000-0000-0000-0000-000000000000}"/>
-          </ac:spMkLst>
-        </pc:spChg>
-      </pc:sldChg>
-      <pc:sldChg chg="modSp">
-        <pc:chgData name="Zhao Jin" userId="cd05a825-544c-438a-9ba1-08e63db50b47" providerId="ADAL" clId="{A051F15A-5AF4-47C5-943B-0A872409E07C}" dt="2024-02-01T09:48:48.731" v="2"/>
-        <pc:sldMkLst>
-          <pc:docMk/>
-          <pc:sldMk cId="4053289514" sldId="612"/>
-        </pc:sldMkLst>
-        <pc:spChg chg="mod">
-          <ac:chgData name="Zhao Jin" userId="cd05a825-544c-438a-9ba1-08e63db50b47" providerId="ADAL" clId="{A051F15A-5AF4-47C5-943B-0A872409E07C}" dt="2024-02-01T09:48:48.731" v="2"/>
-          <ac:spMkLst>
-            <pc:docMk/>
-            <pc:sldMk cId="4053289514" sldId="612"/>
-            <ac:spMk id="7" creationId="{00000000-0000-0000-0000-000000000000}"/>
-          </ac:spMkLst>
-        </pc:spChg>
-      </pc:sldChg>
-    </pc:docChg>
-  </pc:docChgLst>
-  <pc:docChgLst>
-    <pc:chgData name="Zhao Jin" userId="cd05a825-544c-438a-9ba1-08e63db50b47" providerId="ADAL" clId="{FB8F02A0-9B99-4C9E-A1D1-3BF41D9621D7}"/>
-    <pc:docChg chg="undo custSel addSld delSld modSld sldOrd">
-      <pc:chgData name="Zhao Jin" userId="cd05a825-544c-438a-9ba1-08e63db50b47" providerId="ADAL" clId="{FB8F02A0-9B99-4C9E-A1D1-3BF41D9621D7}" dt="2021-02-08T02:21:29.074" v="2208" actId="20577"/>
-      <pc:docMkLst>
-        <pc:docMk/>
-      </pc:docMkLst>
-      <pc:sldChg chg="modSp">
-        <pc:chgData name="Zhao Jin" userId="cd05a825-544c-438a-9ba1-08e63db50b47" providerId="ADAL" clId="{FB8F02A0-9B99-4C9E-A1D1-3BF41D9621D7}" dt="2021-02-03T06:53:35.324" v="0"/>
-        <pc:sldMkLst>
-          <pc:docMk/>
-          <pc:sldMk cId="0" sldId="256"/>
-        </pc:sldMkLst>
-        <pc:spChg chg="mod">
-          <ac:chgData name="Zhao Jin" userId="cd05a825-544c-438a-9ba1-08e63db50b47" providerId="ADAL" clId="{FB8F02A0-9B99-4C9E-A1D1-3BF41D9621D7}" dt="2021-02-03T06:53:35.324" v="0"/>
-          <ac:spMkLst>
-            <pc:docMk/>
-            <pc:sldMk cId="0" sldId="256"/>
-            <ac:spMk id="8" creationId="{00000000-0000-0000-0000-000000000000}"/>
-          </ac:spMkLst>
-        </pc:spChg>
-      </pc:sldChg>
-      <pc:sldChg chg="modSp del">
-        <pc:chgData name="Zhao Jin" userId="cd05a825-544c-438a-9ba1-08e63db50b47" providerId="ADAL" clId="{FB8F02A0-9B99-4C9E-A1D1-3BF41D9621D7}" dt="2021-02-03T07:15:04.758" v="547" actId="47"/>
-        <pc:sldMkLst>
-          <pc:docMk/>
-          <pc:sldMk cId="1492339910" sldId="485"/>
-        </pc:sldMkLst>
-        <pc:spChg chg="mod">
-          <ac:chgData name="Zhao Jin" userId="cd05a825-544c-438a-9ba1-08e63db50b47" providerId="ADAL" clId="{FB8F02A0-9B99-4C9E-A1D1-3BF41D9621D7}" dt="2021-02-03T06:53:44.883" v="1"/>
-          <ac:spMkLst>
-            <pc:docMk/>
-            <pc:sldMk cId="1492339910" sldId="485"/>
-            <ac:spMk id="9" creationId="{00000000-0000-0000-0000-000000000000}"/>
-          </ac:spMkLst>
-        </pc:spChg>
-      </pc:sldChg>
-      <pc:sldChg chg="addSp modSp add del mod">
-        <pc:chgData name="Zhao Jin" userId="cd05a825-544c-438a-9ba1-08e63db50b47" providerId="ADAL" clId="{FB8F02A0-9B99-4C9E-A1D1-3BF41D9621D7}" dt="2021-02-03T07:45:22.990" v="2123" actId="20577"/>
-        <pc:sldMkLst>
-          <pc:docMk/>
-          <pc:sldMk cId="2775173622" sldId="524"/>
-        </pc:sldMkLst>
-        <pc:spChg chg="mod">
-          <ac:chgData name="Zhao Jin" userId="cd05a825-544c-438a-9ba1-08e63db50b47" providerId="ADAL" clId="{FB8F02A0-9B99-4C9E-A1D1-3BF41D9621D7}" dt="2021-02-03T07:45:22.990" v="2123" actId="20577"/>
-          <ac:spMkLst>
-            <pc:docMk/>
-            <pc:sldMk cId="2775173622" sldId="524"/>
-            <ac:spMk id="9" creationId="{00000000-0000-0000-0000-000000000000}"/>
-          </ac:spMkLst>
-        </pc:spChg>
-        <pc:spChg chg="mod">
-          <ac:chgData name="Zhao Jin" userId="cd05a825-544c-438a-9ba1-08e63db50b47" providerId="ADAL" clId="{FB8F02A0-9B99-4C9E-A1D1-3BF41D9621D7}" dt="2021-02-03T07:33:45.435" v="1346" actId="5793"/>
-          <ac:spMkLst>
-            <pc:docMk/>
-            <pc:sldMk cId="2775173622" sldId="524"/>
-            <ac:spMk id="15" creationId="{00000000-0000-0000-0000-000000000000}"/>
-          </ac:spMkLst>
-        </pc:spChg>
-        <pc:graphicFrameChg chg="mod">
-          <ac:chgData name="Zhao Jin" userId="cd05a825-544c-438a-9ba1-08e63db50b47" providerId="ADAL" clId="{FB8F02A0-9B99-4C9E-A1D1-3BF41D9621D7}" dt="2021-02-03T07:33:48.878" v="1369" actId="1035"/>
-          <ac:graphicFrameMkLst>
-            <pc:docMk/>
-            <pc:sldMk cId="2775173622" sldId="524"/>
-            <ac:graphicFrameMk id="5" creationId="{9E742EBA-8F43-4310-AD68-B4660B9ECF59}"/>
-          </ac:graphicFrameMkLst>
-        </pc:graphicFrameChg>
-        <pc:graphicFrameChg chg="add mod modGraphic">
-          <ac:chgData name="Zhao Jin" userId="cd05a825-544c-438a-9ba1-08e63db50b47" providerId="ADAL" clId="{FB8F02A0-9B99-4C9E-A1D1-3BF41D9621D7}" dt="2021-02-03T07:40:44.294" v="1858" actId="1076"/>
-          <ac:graphicFrameMkLst>
-            <pc:docMk/>
-            <pc:sldMk cId="2775173622" sldId="524"/>
-            <ac:graphicFrameMk id="7" creationId="{1DC5F05D-202E-4474-8067-C5632E06F885}"/>
-          </ac:graphicFrameMkLst>
-        </pc:graphicFrameChg>
-      </pc:sldChg>
-      <pc:sldChg chg="modSp mod">
-        <pc:chgData name="Zhao Jin" userId="cd05a825-544c-438a-9ba1-08e63db50b47" providerId="ADAL" clId="{FB8F02A0-9B99-4C9E-A1D1-3BF41D9621D7}" dt="2021-02-03T09:16:16.308" v="2184" actId="20577"/>
-        <pc:sldMkLst>
-          <pc:docMk/>
-          <pc:sldMk cId="4078418712" sldId="525"/>
-        </pc:sldMkLst>
-        <pc:spChg chg="mod">
-          <ac:chgData name="Zhao Jin" userId="cd05a825-544c-438a-9ba1-08e63db50b47" providerId="ADAL" clId="{FB8F02A0-9B99-4C9E-A1D1-3BF41D9621D7}" dt="2021-02-03T09:16:16.308" v="2184" actId="20577"/>
-          <ac:spMkLst>
-            <pc:docMk/>
-            <pc:sldMk cId="4078418712" sldId="525"/>
-            <ac:spMk id="8" creationId="{00000000-0000-0000-0000-000000000000}"/>
-          </ac:spMkLst>
-        </pc:spChg>
-        <pc:spChg chg="mod">
-          <ac:chgData name="Zhao Jin" userId="cd05a825-544c-438a-9ba1-08e63db50b47" providerId="ADAL" clId="{FB8F02A0-9B99-4C9E-A1D1-3BF41D9621D7}" dt="2021-02-03T06:53:44.883" v="1"/>
-          <ac:spMkLst>
-            <pc:docMk/>
-            <pc:sldMk cId="4078418712" sldId="525"/>
-            <ac:spMk id="43" creationId="{00000000-0000-0000-0000-000000000000}"/>
-          </ac:spMkLst>
-        </pc:spChg>
-      </pc:sldChg>
-      <pc:sldChg chg="modSp del">
-        <pc:chgData name="Zhao Jin" userId="cd05a825-544c-438a-9ba1-08e63db50b47" providerId="ADAL" clId="{FB8F02A0-9B99-4C9E-A1D1-3BF41D9621D7}" dt="2021-02-03T07:02:36.712" v="7" actId="47"/>
-        <pc:sldMkLst>
-          <pc:docMk/>
-          <pc:sldMk cId="3949125736" sldId="548"/>
-        </pc:sldMkLst>
-        <pc:spChg chg="mod">
-          <ac:chgData name="Zhao Jin" userId="cd05a825-544c-438a-9ba1-08e63db50b47" providerId="ADAL" clId="{FB8F02A0-9B99-4C9E-A1D1-3BF41D9621D7}" dt="2021-02-03T06:53:44.883" v="1"/>
-          <ac:spMkLst>
-            <pc:docMk/>
-            <pc:sldMk cId="3949125736" sldId="548"/>
-            <ac:spMk id="7" creationId="{00000000-0000-0000-0000-000000000000}"/>
-          </ac:spMkLst>
-        </pc:spChg>
-      </pc:sldChg>
-      <pc:sldChg chg="modSp del">
-        <pc:chgData name="Zhao Jin" userId="cd05a825-544c-438a-9ba1-08e63db50b47" providerId="ADAL" clId="{FB8F02A0-9B99-4C9E-A1D1-3BF41D9621D7}" dt="2021-02-03T07:02:36.889" v="8" actId="47"/>
-        <pc:sldMkLst>
-          <pc:docMk/>
-          <pc:sldMk cId="2939077141" sldId="549"/>
-        </pc:sldMkLst>
-        <pc:spChg chg="mod">
-          <ac:chgData name="Zhao Jin" userId="cd05a825-544c-438a-9ba1-08e63db50b47" providerId="ADAL" clId="{FB8F02A0-9B99-4C9E-A1D1-3BF41D9621D7}" dt="2021-02-03T06:53:44.883" v="1"/>
-          <ac:spMkLst>
-            <pc:docMk/>
-            <pc:sldMk cId="2939077141" sldId="549"/>
-            <ac:spMk id="7" creationId="{00000000-0000-0000-0000-000000000000}"/>
-          </ac:spMkLst>
-        </pc:spChg>
-      </pc:sldChg>
-      <pc:sldChg chg="add del">
-        <pc:chgData name="Zhao Jin" userId="cd05a825-544c-438a-9ba1-08e63db50b47" providerId="ADAL" clId="{FB8F02A0-9B99-4C9E-A1D1-3BF41D9621D7}" dt="2021-02-03T07:07:45.930" v="221" actId="47"/>
-        <pc:sldMkLst>
-          <pc:docMk/>
-          <pc:sldMk cId="1352675019" sldId="551"/>
-        </pc:sldMkLst>
-      </pc:sldChg>
-      <pc:sldChg chg="addSp delSp modSp add mod">
-        <pc:chgData name="Zhao Jin" userId="cd05a825-544c-438a-9ba1-08e63db50b47" providerId="ADAL" clId="{FB8F02A0-9B99-4C9E-A1D1-3BF41D9621D7}" dt="2021-02-03T07:41:34.595" v="1864" actId="20578"/>
-        <pc:sldMkLst>
-          <pc:docMk/>
-          <pc:sldMk cId="2882118053" sldId="552"/>
-        </pc:sldMkLst>
-        <pc:spChg chg="mod">
-          <ac:chgData name="Zhao Jin" userId="cd05a825-544c-438a-9ba1-08e63db50b47" providerId="ADAL" clId="{FB8F02A0-9B99-4C9E-A1D1-3BF41D9621D7}" dt="2021-02-03T07:20:27.068" v="933"/>
-          <ac:spMkLst>
-            <pc:docMk/>
-            <pc:sldMk cId="2882118053" sldId="552"/>
-            <ac:spMk id="7" creationId="{00000000-0000-0000-0000-000000000000}"/>
-          </ac:spMkLst>
-        </pc:spChg>
-        <pc:spChg chg="del">
-          <ac:chgData name="Zhao Jin" userId="cd05a825-544c-438a-9ba1-08e63db50b47" providerId="ADAL" clId="{FB8F02A0-9B99-4C9E-A1D1-3BF41D9621D7}" dt="2021-02-03T07:09:30.600" v="244" actId="478"/>
-          <ac:spMkLst>
-            <pc:docMk/>
-            <pc:sldMk cId="2882118053" sldId="552"/>
-            <ac:spMk id="8" creationId="{2E1C1BF2-C4FF-4BFC-994A-888F6115928D}"/>
-          </ac:spMkLst>
-        </pc:spChg>
-        <pc:spChg chg="add del mod">
-          <ac:chgData name="Zhao Jin" userId="cd05a825-544c-438a-9ba1-08e63db50b47" providerId="ADAL" clId="{FB8F02A0-9B99-4C9E-A1D1-3BF41D9621D7}" dt="2021-02-03T07:11:53.207" v="461" actId="478"/>
-          <ac:spMkLst>
-            <pc:docMk/>
-            <pc:sldMk cId="2882118053" sldId="552"/>
-            <ac:spMk id="9" creationId="{35649340-5AB4-4CED-B84B-66D13E8E2455}"/>
-          </ac:spMkLst>
-        </pc:spChg>
-        <pc:spChg chg="mod">
-          <ac:chgData name="Zhao Jin" userId="cd05a825-544c-438a-9ba1-08e63db50b47" providerId="ADAL" clId="{FB8F02A0-9B99-4C9E-A1D1-3BF41D9621D7}" dt="2021-02-03T07:41:34.595" v="1864" actId="20578"/>
-          <ac:spMkLst>
-            <pc:docMk/>
-            <pc:sldMk cId="2882118053" sldId="552"/>
-            <ac:spMk id="10" creationId="{00000000-0000-0000-0000-000000000000}"/>
-          </ac:spMkLst>
-        </pc:spChg>
-        <pc:spChg chg="mod">
-          <ac:chgData name="Zhao Jin" userId="cd05a825-544c-438a-9ba1-08e63db50b47" providerId="ADAL" clId="{FB8F02A0-9B99-4C9E-A1D1-3BF41D9621D7}" dt="2021-02-03T07:12:55.107" v="512" actId="1035"/>
-          <ac:spMkLst>
-            <pc:docMk/>
-            <pc:sldMk cId="2882118053" sldId="552"/>
-            <ac:spMk id="49" creationId="{00000000-0000-0000-0000-000000000000}"/>
-          </ac:spMkLst>
-        </pc:spChg>
-      </pc:sldChg>
-      <pc:sldChg chg="modSp add mod">
-        <pc:chgData name="Zhao Jin" userId="cd05a825-544c-438a-9ba1-08e63db50b47" providerId="ADAL" clId="{FB8F02A0-9B99-4C9E-A1D1-3BF41D9621D7}" dt="2021-02-03T07:20:30.275" v="935"/>
-        <pc:sldMkLst>
-          <pc:docMk/>
-          <pc:sldMk cId="2082920116" sldId="553"/>
-        </pc:sldMkLst>
-        <pc:spChg chg="mod">
-          <ac:chgData name="Zhao Jin" userId="cd05a825-544c-438a-9ba1-08e63db50b47" providerId="ADAL" clId="{FB8F02A0-9B99-4C9E-A1D1-3BF41D9621D7}" dt="2021-02-03T07:20:30.275" v="935"/>
-          <ac:spMkLst>
-            <pc:docMk/>
-            <pc:sldMk cId="2082920116" sldId="553"/>
-            <ac:spMk id="7" creationId="{00000000-0000-0000-0000-000000000000}"/>
-          </ac:spMkLst>
-        </pc:spChg>
-      </pc:sldChg>
-      <pc:sldChg chg="addSp delSp modSp add mod modAnim">
-        <pc:chgData name="Zhao Jin" userId="cd05a825-544c-438a-9ba1-08e63db50b47" providerId="ADAL" clId="{FB8F02A0-9B99-4C9E-A1D1-3BF41D9621D7}" dt="2021-02-03T07:42:15.454" v="1867" actId="20577"/>
-        <pc:sldMkLst>
-          <pc:docMk/>
-          <pc:sldMk cId="1659983766" sldId="554"/>
-        </pc:sldMkLst>
-        <pc:spChg chg="add del mod">
-          <ac:chgData name="Zhao Jin" userId="cd05a825-544c-438a-9ba1-08e63db50b47" providerId="ADAL" clId="{FB8F02A0-9B99-4C9E-A1D1-3BF41D9621D7}" dt="2021-02-03T07:29:17.949" v="950" actId="478"/>
-          <ac:spMkLst>
-            <pc:docMk/>
-            <pc:sldMk cId="1659983766" sldId="554"/>
-            <ac:spMk id="3" creationId="{22FB21F0-0206-4164-A081-5ED30358D09D}"/>
-          </ac:spMkLst>
-        </pc:spChg>
-        <pc:spChg chg="mod">
-          <ac:chgData name="Zhao Jin" userId="cd05a825-544c-438a-9ba1-08e63db50b47" providerId="ADAL" clId="{FB8F02A0-9B99-4C9E-A1D1-3BF41D9621D7}" dt="2021-02-03T07:20:18.467" v="929"/>
-          <ac:spMkLst>
-            <pc:docMk/>
-            <pc:sldMk cId="1659983766" sldId="554"/>
-            <ac:spMk id="7" creationId="{00000000-0000-0000-0000-000000000000}"/>
-          </ac:spMkLst>
-        </pc:spChg>
-        <pc:spChg chg="del">
-          <ac:chgData name="Zhao Jin" userId="cd05a825-544c-438a-9ba1-08e63db50b47" providerId="ADAL" clId="{FB8F02A0-9B99-4C9E-A1D1-3BF41D9621D7}" dt="2021-02-03T07:29:15.261" v="948" actId="478"/>
-          <ac:spMkLst>
-            <pc:docMk/>
-            <pc:sldMk cId="1659983766" sldId="554"/>
-            <ac:spMk id="16" creationId="{00000000-0000-0000-0000-000000000000}"/>
-          </ac:spMkLst>
-        </pc:spChg>
-        <pc:spChg chg="add mod">
-          <ac:chgData name="Zhao Jin" userId="cd05a825-544c-438a-9ba1-08e63db50b47" providerId="ADAL" clId="{FB8F02A0-9B99-4C9E-A1D1-3BF41D9621D7}" dt="2021-02-03T07:29:42.701" v="1050" actId="1076"/>
-          <ac:spMkLst>
-            <pc:docMk/>
-            <pc:sldMk cId="1659983766" sldId="554"/>
-            <ac:spMk id="27" creationId="{92A14019-DDA0-4208-9F61-99DDC433B2BD}"/>
-          </ac:spMkLst>
-        </pc:spChg>
-        <pc:spChg chg="mod">
-          <ac:chgData name="Zhao Jin" userId="cd05a825-544c-438a-9ba1-08e63db50b47" providerId="ADAL" clId="{FB8F02A0-9B99-4C9E-A1D1-3BF41D9621D7}" dt="2021-02-03T07:29:26.811" v="998"/>
-          <ac:spMkLst>
-            <pc:docMk/>
-            <pc:sldMk cId="1659983766" sldId="554"/>
-            <ac:spMk id="29" creationId="{FC4C5933-B2F5-4C60-95B2-096787D10035}"/>
-          </ac:spMkLst>
-        </pc:spChg>
-        <pc:spChg chg="mod">
-          <ac:chgData name="Zhao Jin" userId="cd05a825-544c-438a-9ba1-08e63db50b47" providerId="ADAL" clId="{FB8F02A0-9B99-4C9E-A1D1-3BF41D9621D7}" dt="2021-02-03T07:29:26.811" v="998"/>
-          <ac:spMkLst>
-            <pc:docMk/>
-            <pc:sldMk cId="1659983766" sldId="554"/>
-            <ac:spMk id="48" creationId="{71808A35-3B52-4E71-8D1F-613837507E94}"/>
-          </ac:spMkLst>
-        </pc:spChg>
-        <pc:spChg chg="mod">
-          <ac:chgData name="Zhao Jin" userId="cd05a825-544c-438a-9ba1-08e63db50b47" providerId="ADAL" clId="{FB8F02A0-9B99-4C9E-A1D1-3BF41D9621D7}" dt="2021-02-03T07:30:10.231" v="1094" actId="6549"/>
-          <ac:spMkLst>
-            <pc:docMk/>
-            <pc:sldMk cId="1659983766" sldId="554"/>
-            <ac:spMk id="49" creationId="{21EEE82A-4DB6-1D4F-9A03-5951F440FE93}"/>
-          </ac:spMkLst>
-        </pc:spChg>
-        <pc:spChg chg="del">
-          <ac:chgData name="Zhao Jin" userId="cd05a825-544c-438a-9ba1-08e63db50b47" providerId="ADAL" clId="{FB8F02A0-9B99-4C9E-A1D1-3BF41D9621D7}" dt="2021-02-03T07:29:16.423" v="949" actId="478"/>
-          <ac:spMkLst>
-            <pc:docMk/>
-            <pc:sldMk cId="1659983766" sldId="554"/>
-            <ac:spMk id="50" creationId="{6A68E681-1A88-9040-8F49-07716663CAA5}"/>
-          </ac:spMkLst>
-        </pc:spChg>
-        <pc:spChg chg="mod">
-          <ac:chgData name="Zhao Jin" userId="cd05a825-544c-438a-9ba1-08e63db50b47" providerId="ADAL" clId="{FB8F02A0-9B99-4C9E-A1D1-3BF41D9621D7}" dt="2021-02-03T07:29:26.811" v="998"/>
-          <ac:spMkLst>
-            <pc:docMk/>
-            <pc:sldMk cId="1659983766" sldId="554"/>
-            <ac:spMk id="53" creationId="{9CE4D09C-17E4-46E9-BDB3-75869D51106A}"/>
-          </ac:spMkLst>
-        </pc:spChg>
-        <pc:spChg chg="mod">
-          <ac:chgData name="Zhao Jin" userId="cd05a825-544c-438a-9ba1-08e63db50b47" providerId="ADAL" clId="{FB8F02A0-9B99-4C9E-A1D1-3BF41D9621D7}" dt="2021-02-03T07:29:26.811" v="998"/>
-          <ac:spMkLst>
-            <pc:docMk/>
-            <pc:sldMk cId="1659983766" sldId="554"/>
-            <ac:spMk id="54" creationId="{660FC6E4-3A42-4DD0-B2D9-CE278C7F1A0D}"/>
-          </ac:spMkLst>
-        </pc:spChg>
-        <pc:spChg chg="mod">
-          <ac:chgData name="Zhao Jin" userId="cd05a825-544c-438a-9ba1-08e63db50b47" providerId="ADAL" clId="{FB8F02A0-9B99-4C9E-A1D1-3BF41D9621D7}" dt="2021-02-03T07:29:26.811" v="998"/>
-          <ac:spMkLst>
-            <pc:docMk/>
-            <pc:sldMk cId="1659983766" sldId="554"/>
-            <ac:spMk id="55" creationId="{6AD50E3B-D58F-4706-8F12-825A6AA8A1D4}"/>
-          </ac:spMkLst>
-        </pc:spChg>
-        <pc:spChg chg="mod">
-          <ac:chgData name="Zhao Jin" userId="cd05a825-544c-438a-9ba1-08e63db50b47" providerId="ADAL" clId="{FB8F02A0-9B99-4C9E-A1D1-3BF41D9621D7}" dt="2021-02-03T07:42:15.454" v="1867" actId="20577"/>
-          <ac:spMkLst>
-            <pc:docMk/>
-            <pc:sldMk cId="1659983766" sldId="554"/>
-            <ac:spMk id="14338" creationId="{00000000-0000-0000-0000-000000000000}"/>
-          </ac:spMkLst>
-        </pc:spChg>
-        <pc:grpChg chg="add mod">
-          <ac:chgData name="Zhao Jin" userId="cd05a825-544c-438a-9ba1-08e63db50b47" providerId="ADAL" clId="{FB8F02A0-9B99-4C9E-A1D1-3BF41D9621D7}" dt="2021-02-03T07:29:46.358" v="1075" actId="1035"/>
-          <ac:grpSpMkLst>
-            <pc:docMk/>
-            <pc:sldMk cId="1659983766" sldId="554"/>
-            <ac:grpSpMk id="28" creationId="{6DC58495-9276-4141-8C72-3141FAA48D65}"/>
-          </ac:grpSpMkLst>
-        </pc:grpChg>
-        <pc:grpChg chg="mod">
-          <ac:chgData name="Zhao Jin" userId="cd05a825-544c-438a-9ba1-08e63db50b47" providerId="ADAL" clId="{FB8F02A0-9B99-4C9E-A1D1-3BF41D9621D7}" dt="2021-02-03T07:29:21.870" v="996" actId="1036"/>
-          <ac:grpSpMkLst>
-            <pc:docMk/>
-            <pc:sldMk cId="1659983766" sldId="554"/>
-            <ac:grpSpMk id="31" creationId="{00000000-0000-0000-0000-000000000000}"/>
-          </ac:grpSpMkLst>
-        </pc:grpChg>
-        <pc:cxnChg chg="mod">
-          <ac:chgData name="Zhao Jin" userId="cd05a825-544c-438a-9ba1-08e63db50b47" providerId="ADAL" clId="{FB8F02A0-9B99-4C9E-A1D1-3BF41D9621D7}" dt="2021-02-03T07:29:26.811" v="998"/>
+        <pc:spChg chg="del mod">
+          <ac:chgData name="Zhao Jin" userId="cd05a825-544c-438a-9ba1-08e63db50b47" providerId="ADAL" clId="{C328B041-D897-B548-9F0A-DA2B3CC3BF8E}" dt="2021-03-08T01:57:38.912" v="292" actId="478"/>
+          <ac:spMkLst>
+            <pc:docMk/>
+            <pc:sldMk cId="640598186" sldId="606"/>
+            <ac:spMk id="11" creationId="{77437CA0-C20C-4626-A0E0-998E2B6D678A}"/>
+          </ac:spMkLst>
+        </pc:spChg>
+        <pc:picChg chg="add del mod">
+          <ac:chgData name="Zhao Jin" userId="cd05a825-544c-438a-9ba1-08e63db50b47" providerId="ADAL" clId="{C328B041-D897-B548-9F0A-DA2B3CC3BF8E}" dt="2021-03-08T01:57:23.305" v="289" actId="478"/>
+          <ac:picMkLst>
+            <pc:docMk/>
+            <pc:sldMk cId="640598186" sldId="606"/>
+            <ac:picMk id="3" creationId="{C72129A9-B0B8-864C-B99F-BE66C680F726}"/>
+          </ac:picMkLst>
+        </pc:picChg>
+        <pc:picChg chg="add mod">
+          <ac:chgData name="Zhao Jin" userId="cd05a825-544c-438a-9ba1-08e63db50b47" providerId="ADAL" clId="{C328B041-D897-B548-9F0A-DA2B3CC3BF8E}" dt="2021-03-08T01:59:34.595" v="472" actId="1076"/>
+          <ac:picMkLst>
+            <pc:docMk/>
+            <pc:sldMk cId="640598186" sldId="606"/>
+            <ac:picMk id="4" creationId="{1D40ECF6-344B-FE48-B159-24A367AE2581}"/>
+          </ac:picMkLst>
+        </pc:picChg>
+        <pc:picChg chg="del mod">
+          <ac:chgData name="Zhao Jin" userId="cd05a825-544c-438a-9ba1-08e63db50b47" providerId="ADAL" clId="{C328B041-D897-B548-9F0A-DA2B3CC3BF8E}" dt="2021-03-08T01:57:38.912" v="292" actId="478"/>
+          <ac:picMkLst>
+            <pc:docMk/>
+            <pc:sldMk cId="640598186" sldId="606"/>
+            <ac:picMk id="5" creationId="{242BC886-F834-413A-AE89-A5BA4EA26039}"/>
+          </ac:picMkLst>
+        </pc:picChg>
+        <pc:picChg chg="del mod">
+          <ac:chgData name="Zhao Jin" userId="cd05a825-544c-438a-9ba1-08e63db50b47" providerId="ADAL" clId="{C328B041-D897-B548-9F0A-DA2B3CC3BF8E}" dt="2021-03-08T01:57:38.912" v="292" actId="478"/>
+          <ac:picMkLst>
+            <pc:docMk/>
+            <pc:sldMk cId="640598186" sldId="606"/>
+            <ac:picMk id="13" creationId="{099946CC-D55C-427B-87A8-2A28E4640BC5}"/>
+          </ac:picMkLst>
+        </pc:picChg>
+        <pc:cxnChg chg="del mod">
+          <ac:chgData name="Zhao Jin" userId="cd05a825-544c-438a-9ba1-08e63db50b47" providerId="ADAL" clId="{C328B041-D897-B548-9F0A-DA2B3CC3BF8E}" dt="2021-03-08T01:57:38.912" v="292" actId="478"/>
           <ac:cxnSpMkLst>
             <pc:docMk/>
-            <pc:sldMk cId="1659983766" sldId="554"/>
-            <ac:cxnSpMk id="30" creationId="{78DAB3B7-A5FF-40F9-AFF0-BE4F192AA497}"/>
-          </ac:cxnSpMkLst>
-        </pc:cxnChg>
-        <pc:cxnChg chg="mod">
-          <ac:chgData name="Zhao Jin" userId="cd05a825-544c-438a-9ba1-08e63db50b47" providerId="ADAL" clId="{FB8F02A0-9B99-4C9E-A1D1-3BF41D9621D7}" dt="2021-02-03T07:29:26.811" v="998"/>
-          <ac:cxnSpMkLst>
-            <pc:docMk/>
-            <pc:sldMk cId="1659983766" sldId="554"/>
-            <ac:cxnSpMk id="51" creationId="{354B2C0D-F342-411F-ABB8-9EC0422203C0}"/>
-          </ac:cxnSpMkLst>
-        </pc:cxnChg>
-        <pc:cxnChg chg="mod">
-          <ac:chgData name="Zhao Jin" userId="cd05a825-544c-438a-9ba1-08e63db50b47" providerId="ADAL" clId="{FB8F02A0-9B99-4C9E-A1D1-3BF41D9621D7}" dt="2021-02-03T07:29:26.811" v="998"/>
-          <ac:cxnSpMkLst>
-            <pc:docMk/>
-            <pc:sldMk cId="1659983766" sldId="554"/>
-            <ac:cxnSpMk id="52" creationId="{65622F6F-A879-483D-916A-2D3A97E78851}"/>
-          </ac:cxnSpMkLst>
-        </pc:cxnChg>
-        <pc:cxnChg chg="mod">
-          <ac:chgData name="Zhao Jin" userId="cd05a825-544c-438a-9ba1-08e63db50b47" providerId="ADAL" clId="{FB8F02A0-9B99-4C9E-A1D1-3BF41D9621D7}" dt="2021-02-03T07:29:26.811" v="998"/>
-          <ac:cxnSpMkLst>
-            <pc:docMk/>
-            <pc:sldMk cId="1659983766" sldId="554"/>
-            <ac:cxnSpMk id="56" creationId="{0D25BAB2-93E8-4D4D-AB3D-3F92C2CA5D26}"/>
-          </ac:cxnSpMkLst>
-        </pc:cxnChg>
-        <pc:cxnChg chg="mod">
-          <ac:chgData name="Zhao Jin" userId="cd05a825-544c-438a-9ba1-08e63db50b47" providerId="ADAL" clId="{FB8F02A0-9B99-4C9E-A1D1-3BF41D9621D7}" dt="2021-02-03T07:29:26.811" v="998"/>
-          <ac:cxnSpMkLst>
-            <pc:docMk/>
-            <pc:sldMk cId="1659983766" sldId="554"/>
-            <ac:cxnSpMk id="57" creationId="{BDB98A6F-4360-4DF4-BD45-A66BF7A57AA6}"/>
-          </ac:cxnSpMkLst>
-        </pc:cxnChg>
-        <pc:cxnChg chg="mod">
-          <ac:chgData name="Zhao Jin" userId="cd05a825-544c-438a-9ba1-08e63db50b47" providerId="ADAL" clId="{FB8F02A0-9B99-4C9E-A1D1-3BF41D9621D7}" dt="2021-02-03T07:29:26.811" v="998"/>
-          <ac:cxnSpMkLst>
-            <pc:docMk/>
-            <pc:sldMk cId="1659983766" sldId="554"/>
-            <ac:cxnSpMk id="58" creationId="{DF8C4210-3D97-42C9-8160-05B4C16EFF85}"/>
+            <pc:sldMk cId="640598186" sldId="606"/>
+            <ac:cxnSpMk id="18" creationId="{370E7FFF-A963-44C1-90E8-1FD6843962A5}"/>
           </ac:cxnSpMkLst>
         </pc:cxnChg>
       </pc:sldChg>
-      <pc:sldChg chg="addSp delSp modSp add del mod">
-        <pc:chgData name="Zhao Jin" userId="cd05a825-544c-438a-9ba1-08e63db50b47" providerId="ADAL" clId="{FB8F02A0-9B99-4C9E-A1D1-3BF41D9621D7}" dt="2021-02-03T07:07:06.993" v="219" actId="47"/>
+      <pc:sldChg chg="addSp delSp modSp delAnim modAnim">
+        <pc:chgData name="Zhao Jin" userId="cd05a825-544c-438a-9ba1-08e63db50b47" providerId="ADAL" clId="{C328B041-D897-B548-9F0A-DA2B3CC3BF8E}" dt="2021-03-08T02:29:23.604" v="485"/>
         <pc:sldMkLst>
           <pc:docMk/>
-          <pc:sldMk cId="1268238251" sldId="555"/>
+          <pc:sldMk cId="282410985" sldId="620"/>
         </pc:sldMkLst>
-        <pc:spChg chg="mod">
-          <ac:chgData name="Zhao Jin" userId="cd05a825-544c-438a-9ba1-08e63db50b47" providerId="ADAL" clId="{FB8F02A0-9B99-4C9E-A1D1-3BF41D9621D7}" dt="2021-02-03T07:04:16.379" v="103" actId="1035"/>
-          <ac:spMkLst>
-            <pc:docMk/>
-            <pc:sldMk cId="1268238251" sldId="555"/>
-            <ac:spMk id="11" creationId="{2DB8C0DD-2610-48AA-A2F1-A9AE4DD922BA}"/>
-          </ac:spMkLst>
-        </pc:spChg>
-        <pc:spChg chg="mod">
-          <ac:chgData name="Zhao Jin" userId="cd05a825-544c-438a-9ba1-08e63db50b47" providerId="ADAL" clId="{FB8F02A0-9B99-4C9E-A1D1-3BF41D9621D7}" dt="2021-02-03T07:04:16.379" v="103" actId="1035"/>
-          <ac:spMkLst>
-            <pc:docMk/>
-            <pc:sldMk cId="1268238251" sldId="555"/>
-            <ac:spMk id="13" creationId="{972B1E9B-C6E8-4DE8-871E-C214A3D77F45}"/>
-          </ac:spMkLst>
-        </pc:spChg>
-        <pc:spChg chg="add del mod">
-          <ac:chgData name="Zhao Jin" userId="cd05a825-544c-438a-9ba1-08e63db50b47" providerId="ADAL" clId="{FB8F02A0-9B99-4C9E-A1D1-3BF41D9621D7}" dt="2021-02-03T07:04:43.715" v="112" actId="478"/>
-          <ac:spMkLst>
-            <pc:docMk/>
-            <pc:sldMk cId="1268238251" sldId="555"/>
-            <ac:spMk id="14" creationId="{CD79967B-40B1-4B58-85F0-1D333E655CC2}"/>
-          </ac:spMkLst>
-        </pc:spChg>
-        <pc:spChg chg="mod">
-          <ac:chgData name="Zhao Jin" userId="cd05a825-544c-438a-9ba1-08e63db50b47" providerId="ADAL" clId="{FB8F02A0-9B99-4C9E-A1D1-3BF41D9621D7}" dt="2021-02-03T07:04:16.379" v="103" actId="1035"/>
-          <ac:spMkLst>
-            <pc:docMk/>
-            <pc:sldMk cId="1268238251" sldId="555"/>
-            <ac:spMk id="25" creationId="{F43FC8C1-7270-804E-9F1F-0B4AED0CEA28}"/>
-          </ac:spMkLst>
-        </pc:spChg>
-        <pc:spChg chg="mod">
-          <ac:chgData name="Zhao Jin" userId="cd05a825-544c-438a-9ba1-08e63db50b47" providerId="ADAL" clId="{FB8F02A0-9B99-4C9E-A1D1-3BF41D9621D7}" dt="2021-02-03T07:04:16.379" v="103" actId="1035"/>
-          <ac:spMkLst>
-            <pc:docMk/>
-            <pc:sldMk cId="1268238251" sldId="555"/>
-            <ac:spMk id="26" creationId="{D54C351E-DA02-A443-8515-857077895051}"/>
-          </ac:spMkLst>
-        </pc:spChg>
-        <pc:spChg chg="mod">
-          <ac:chgData name="Zhao Jin" userId="cd05a825-544c-438a-9ba1-08e63db50b47" providerId="ADAL" clId="{FB8F02A0-9B99-4C9E-A1D1-3BF41D9621D7}" dt="2021-02-03T07:04:16.379" v="103" actId="1035"/>
-          <ac:spMkLst>
-            <pc:docMk/>
-            <pc:sldMk cId="1268238251" sldId="555"/>
-            <ac:spMk id="27" creationId="{367D5355-0C55-2E48-9F4B-AB4FC9100A05}"/>
+        <pc:spChg chg="add">
+          <ac:chgData name="Zhao Jin" userId="cd05a825-544c-438a-9ba1-08e63db50b47" providerId="ADAL" clId="{C328B041-D897-B548-9F0A-DA2B3CC3BF8E}" dt="2021-03-08T02:29:17.041" v="484"/>
+          <ac:spMkLst>
+            <pc:docMk/>
+            <pc:sldMk cId="282410985" sldId="620"/>
+            <ac:spMk id="10" creationId="{2EDFDD67-6333-9844-8194-21DDDD857199}"/>
           </ac:spMkLst>
         </pc:spChg>
         <pc:spChg chg="del">
-          <ac:chgData name="Zhao Jin" userId="cd05a825-544c-438a-9ba1-08e63db50b47" providerId="ADAL" clId="{FB8F02A0-9B99-4C9E-A1D1-3BF41D9621D7}" dt="2021-02-03T07:04:11.956" v="78" actId="478"/>
-          <ac:spMkLst>
-            <pc:docMk/>
-            <pc:sldMk cId="1268238251" sldId="555"/>
-            <ac:spMk id="49" creationId="{21EEE82A-4DB6-1D4F-9A03-5951F440FE93}"/>
-          </ac:spMkLst>
-        </pc:spChg>
-        <pc:spChg chg="mod">
-          <ac:chgData name="Zhao Jin" userId="cd05a825-544c-438a-9ba1-08e63db50b47" providerId="ADAL" clId="{FB8F02A0-9B99-4C9E-A1D1-3BF41D9621D7}" dt="2021-02-03T07:04:44.834" v="113" actId="6549"/>
-          <ac:spMkLst>
-            <pc:docMk/>
-            <pc:sldMk cId="1268238251" sldId="555"/>
-            <ac:spMk id="14338" creationId="{00000000-0000-0000-0000-000000000000}"/>
-          </ac:spMkLst>
-        </pc:spChg>
-        <pc:picChg chg="mod">
-          <ac:chgData name="Zhao Jin" userId="cd05a825-544c-438a-9ba1-08e63db50b47" providerId="ADAL" clId="{FB8F02A0-9B99-4C9E-A1D1-3BF41D9621D7}" dt="2021-02-03T07:04:16.379" v="103" actId="1035"/>
-          <ac:picMkLst>
-            <pc:docMk/>
-            <pc:sldMk cId="1268238251" sldId="555"/>
-            <ac:picMk id="10" creationId="{54864FA4-5498-40C2-AC55-7C820DE312A4}"/>
-          </ac:picMkLst>
-        </pc:picChg>
-      </pc:sldChg>
-      <pc:sldChg chg="modSp add del mod">
-        <pc:chgData name="Zhao Jin" userId="cd05a825-544c-438a-9ba1-08e63db50b47" providerId="ADAL" clId="{FB8F02A0-9B99-4C9E-A1D1-3BF41D9621D7}" dt="2021-02-03T07:42:30.854" v="1869" actId="47"/>
-        <pc:sldMkLst>
-          <pc:docMk/>
-          <pc:sldMk cId="788021743" sldId="557"/>
-        </pc:sldMkLst>
-        <pc:spChg chg="mod">
-          <ac:chgData name="Zhao Jin" userId="cd05a825-544c-438a-9ba1-08e63db50b47" providerId="ADAL" clId="{FB8F02A0-9B99-4C9E-A1D1-3BF41D9621D7}" dt="2021-02-03T07:20:23.142" v="931"/>
-          <ac:spMkLst>
-            <pc:docMk/>
-            <pc:sldMk cId="788021743" sldId="557"/>
-            <ac:spMk id="7" creationId="{00000000-0000-0000-0000-000000000000}"/>
-          </ac:spMkLst>
-        </pc:spChg>
-      </pc:sldChg>
-      <pc:sldChg chg="delSp modSp add mod">
-        <pc:chgData name="Zhao Jin" userId="cd05a825-544c-438a-9ba1-08e63db50b47" providerId="ADAL" clId="{FB8F02A0-9B99-4C9E-A1D1-3BF41D9621D7}" dt="2021-02-08T02:19:37.781" v="2198" actId="478"/>
-        <pc:sldMkLst>
-          <pc:docMk/>
-          <pc:sldMk cId="686532275" sldId="558"/>
-        </pc:sldMkLst>
-        <pc:spChg chg="mod">
-          <ac:chgData name="Zhao Jin" userId="cd05a825-544c-438a-9ba1-08e63db50b47" providerId="ADAL" clId="{FB8F02A0-9B99-4C9E-A1D1-3BF41D9621D7}" dt="2021-02-03T07:20:25.427" v="932"/>
-          <ac:spMkLst>
-            <pc:docMk/>
-            <pc:sldMk cId="686532275" sldId="558"/>
-            <ac:spMk id="7" creationId="{00000000-0000-0000-0000-000000000000}"/>
-          </ac:spMkLst>
-        </pc:spChg>
-        <pc:spChg chg="del">
-          <ac:chgData name="Zhao Jin" userId="cd05a825-544c-438a-9ba1-08e63db50b47" providerId="ADAL" clId="{FB8F02A0-9B99-4C9E-A1D1-3BF41D9621D7}" dt="2021-02-08T02:19:37.781" v="2198" actId="478"/>
-          <ac:spMkLst>
-            <pc:docMk/>
-            <pc:sldMk cId="686532275" sldId="558"/>
-            <ac:spMk id="11" creationId="{06D4AE3F-3899-440E-885D-187ED02668FA}"/>
-          </ac:spMkLst>
-        </pc:spChg>
-      </pc:sldChg>
-      <pc:sldChg chg="delSp modSp add del mod delAnim">
-        <pc:chgData name="Zhao Jin" userId="cd05a825-544c-438a-9ba1-08e63db50b47" providerId="ADAL" clId="{FB8F02A0-9B99-4C9E-A1D1-3BF41D9621D7}" dt="2021-02-03T07:30:13.895" v="1095" actId="47"/>
-        <pc:sldMkLst>
-          <pc:docMk/>
-          <pc:sldMk cId="182578491" sldId="559"/>
-        </pc:sldMkLst>
-        <pc:spChg chg="mod">
-          <ac:chgData name="Zhao Jin" userId="cd05a825-544c-438a-9ba1-08e63db50b47" providerId="ADAL" clId="{FB8F02A0-9B99-4C9E-A1D1-3BF41D9621D7}" dt="2021-02-03T07:20:21.523" v="930"/>
-          <ac:spMkLst>
-            <pc:docMk/>
-            <pc:sldMk cId="182578491" sldId="559"/>
-            <ac:spMk id="7" creationId="{00000000-0000-0000-0000-000000000000}"/>
-          </ac:spMkLst>
-        </pc:spChg>
-        <pc:spChg chg="del">
-          <ac:chgData name="Zhao Jin" userId="cd05a825-544c-438a-9ba1-08e63db50b47" providerId="ADAL" clId="{FB8F02A0-9B99-4C9E-A1D1-3BF41D9621D7}" dt="2021-02-03T07:29:25.500" v="997" actId="21"/>
-          <ac:spMkLst>
-            <pc:docMk/>
-            <pc:sldMk cId="182578491" sldId="559"/>
-            <ac:spMk id="28" creationId="{206BF097-CD0C-4B25-AF09-C35109612BC3}"/>
-          </ac:spMkLst>
-        </pc:spChg>
-        <pc:grpChg chg="del">
-          <ac:chgData name="Zhao Jin" userId="cd05a825-544c-438a-9ba1-08e63db50b47" providerId="ADAL" clId="{FB8F02A0-9B99-4C9E-A1D1-3BF41D9621D7}" dt="2021-02-03T07:29:25.500" v="997" actId="21"/>
-          <ac:grpSpMkLst>
-            <pc:docMk/>
-            <pc:sldMk cId="182578491" sldId="559"/>
-            <ac:grpSpMk id="29" creationId="{9E869CF5-5422-464C-A5AD-90C40AC515C1}"/>
-          </ac:grpSpMkLst>
-        </pc:grpChg>
-        <pc:cxnChg chg="mod">
-          <ac:chgData name="Zhao Jin" userId="cd05a825-544c-438a-9ba1-08e63db50b47" providerId="ADAL" clId="{FB8F02A0-9B99-4C9E-A1D1-3BF41D9621D7}" dt="2021-02-03T07:29:25.500" v="997" actId="21"/>
+          <ac:chgData name="Zhao Jin" userId="cd05a825-544c-438a-9ba1-08e63db50b47" providerId="ADAL" clId="{C328B041-D897-B548-9F0A-DA2B3CC3BF8E}" dt="2021-03-08T02:09:27.105" v="473" actId="478"/>
+          <ac:spMkLst>
+            <pc:docMk/>
+            <pc:sldMk cId="282410985" sldId="620"/>
+            <ac:spMk id="10" creationId="{DC015A31-59EB-4945-B34A-AB4D01672DA6}"/>
+          </ac:spMkLst>
+        </pc:spChg>
+        <pc:spChg chg="mod">
+          <ac:chgData name="Zhao Jin" userId="cd05a825-544c-438a-9ba1-08e63db50b47" providerId="ADAL" clId="{C328B041-D897-B548-9F0A-DA2B3CC3BF8E}" dt="2021-03-08T02:27:37.686" v="482" actId="368"/>
+          <ac:spMkLst>
+            <pc:docMk/>
+            <pc:sldMk cId="282410985" sldId="620"/>
+            <ac:spMk id="13" creationId="{A6C30920-C994-477D-BF38-FB31A7971AB0}"/>
+          </ac:spMkLst>
+        </pc:spChg>
+        <pc:spChg chg="mod">
+          <ac:chgData name="Zhao Jin" userId="cd05a825-544c-438a-9ba1-08e63db50b47" providerId="ADAL" clId="{C328B041-D897-B548-9F0A-DA2B3CC3BF8E}" dt="2021-03-08T02:26:37.837" v="474" actId="207"/>
+          <ac:spMkLst>
+            <pc:docMk/>
+            <pc:sldMk cId="282410985" sldId="620"/>
+            <ac:spMk id="16" creationId="{7D612F80-F399-47C0-9F5C-4D60AC2C8B4A}"/>
+          </ac:spMkLst>
+        </pc:spChg>
+        <pc:spChg chg="mod">
+          <ac:chgData name="Zhao Jin" userId="cd05a825-544c-438a-9ba1-08e63db50b47" providerId="ADAL" clId="{C328B041-D897-B548-9F0A-DA2B3CC3BF8E}" dt="2021-03-08T02:27:17.031" v="480" actId="20577"/>
+          <ac:spMkLst>
+            <pc:docMk/>
+            <pc:sldMk cId="282410985" sldId="620"/>
+            <ac:spMk id="17" creationId="{C3484D0C-7905-4424-BBC9-B23C55F335D2}"/>
+          </ac:spMkLst>
+        </pc:spChg>
+        <pc:cxnChg chg="add">
+          <ac:chgData name="Zhao Jin" userId="cd05a825-544c-438a-9ba1-08e63db50b47" providerId="ADAL" clId="{C328B041-D897-B548-9F0A-DA2B3CC3BF8E}" dt="2021-03-08T02:29:17.041" v="484"/>
           <ac:cxnSpMkLst>
             <pc:docMk/>
-            <pc:sldMk cId="182578491" sldId="559"/>
-            <ac:cxnSpMk id="48" creationId="{19C9E3C2-8918-4348-A091-C253CA95276A}"/>
+            <pc:sldMk cId="282410985" sldId="620"/>
+            <ac:cxnSpMk id="11" creationId="{3EB55ED0-34DD-3648-82BE-386DCFECCD9D}"/>
           </ac:cxnSpMkLst>
         </pc:cxnChg>
-        <pc:cxnChg chg="mod">
-          <ac:chgData name="Zhao Jin" userId="cd05a825-544c-438a-9ba1-08e63db50b47" providerId="ADAL" clId="{FB8F02A0-9B99-4C9E-A1D1-3BF41D9621D7}" dt="2021-02-03T07:29:25.500" v="997" actId="21"/>
+        <pc:cxnChg chg="del mod">
+          <ac:chgData name="Zhao Jin" userId="cd05a825-544c-438a-9ba1-08e63db50b47" providerId="ADAL" clId="{C328B041-D897-B548-9F0A-DA2B3CC3BF8E}" dt="2021-03-08T02:09:27.105" v="473" actId="478"/>
           <ac:cxnSpMkLst>
             <pc:docMk/>
-            <pc:sldMk cId="182578491" sldId="559"/>
-            <ac:cxnSpMk id="52" creationId="{94324BD0-8BBD-4BC5-8957-1BA389B01E57}"/>
-          </ac:cxnSpMkLst>
-        </pc:cxnChg>
-        <pc:cxnChg chg="mod">
-          <ac:chgData name="Zhao Jin" userId="cd05a825-544c-438a-9ba1-08e63db50b47" providerId="ADAL" clId="{FB8F02A0-9B99-4C9E-A1D1-3BF41D9621D7}" dt="2021-02-03T07:29:25.500" v="997" actId="21"/>
-          <ac:cxnSpMkLst>
-            <pc:docMk/>
-            <pc:sldMk cId="182578491" sldId="559"/>
-            <ac:cxnSpMk id="57" creationId="{E4960835-B76E-476E-B973-A5E96C1CCA62}"/>
-          </ac:cxnSpMkLst>
-        </pc:cxnChg>
-        <pc:cxnChg chg="mod">
-          <ac:chgData name="Zhao Jin" userId="cd05a825-544c-438a-9ba1-08e63db50b47" providerId="ADAL" clId="{FB8F02A0-9B99-4C9E-A1D1-3BF41D9621D7}" dt="2021-02-03T07:29:25.500" v="997" actId="21"/>
-          <ac:cxnSpMkLst>
-            <pc:docMk/>
-            <pc:sldMk cId="182578491" sldId="559"/>
-            <ac:cxnSpMk id="58" creationId="{AE2C6753-7EF0-42E0-B4A9-E162D01D3DB4}"/>
+            <pc:sldMk cId="282410985" sldId="620"/>
+            <ac:cxnSpMk id="11" creationId="{692DA3A9-F762-430E-A74A-81B0C7CCC482}"/>
           </ac:cxnSpMkLst>
         </pc:cxnChg>
       </pc:sldChg>
-      <pc:sldChg chg="modSp add mod">
-        <pc:chgData name="Zhao Jin" userId="cd05a825-544c-438a-9ba1-08e63db50b47" providerId="ADAL" clId="{FB8F02A0-9B99-4C9E-A1D1-3BF41D9621D7}" dt="2021-02-03T07:20:33.509" v="937"/>
+      <pc:sldChg chg="modAnim">
+        <pc:chgData name="Zhao Jin" userId="cd05a825-544c-438a-9ba1-08e63db50b47" providerId="ADAL" clId="{C328B041-D897-B548-9F0A-DA2B3CC3BF8E}" dt="2021-03-08T02:28:00.489" v="483"/>
         <pc:sldMkLst>
           <pc:docMk/>
-          <pc:sldMk cId="1986771488" sldId="561"/>
+          <pc:sldMk cId="3503582036" sldId="622"/>
         </pc:sldMkLst>
-        <pc:spChg chg="mod">
-          <ac:chgData name="Zhao Jin" userId="cd05a825-544c-438a-9ba1-08e63db50b47" providerId="ADAL" clId="{FB8F02A0-9B99-4C9E-A1D1-3BF41D9621D7}" dt="2021-02-03T07:20:33.509" v="937"/>
-          <ac:spMkLst>
-            <pc:docMk/>
-            <pc:sldMk cId="1986771488" sldId="561"/>
-            <ac:spMk id="7" creationId="{00000000-0000-0000-0000-000000000000}"/>
-          </ac:spMkLst>
-        </pc:spChg>
       </pc:sldChg>
-      <pc:sldChg chg="addSp delSp modSp add del mod delAnim modAnim">
-        <pc:chgData name="Zhao Jin" userId="cd05a825-544c-438a-9ba1-08e63db50b47" providerId="ADAL" clId="{FB8F02A0-9B99-4C9E-A1D1-3BF41D9621D7}" dt="2021-02-03T07:41:57.313" v="1865" actId="47"/>
+      <pc:sldChg chg="delSp modSp modAnim">
+        <pc:chgData name="Zhao Jin" userId="cd05a825-544c-438a-9ba1-08e63db50b47" providerId="ADAL" clId="{C328B041-D897-B548-9F0A-DA2B3CC3BF8E}" dt="2021-03-08T02:30:29.708" v="502" actId="478"/>
         <pc:sldMkLst>
           <pc:docMk/>
-          <pc:sldMk cId="92291925" sldId="563"/>
+          <pc:sldMk cId="1258830549" sldId="635"/>
         </pc:sldMkLst>
         <pc:spChg chg="mod">
-          <ac:chgData name="Zhao Jin" userId="cd05a825-544c-438a-9ba1-08e63db50b47" providerId="ADAL" clId="{FB8F02A0-9B99-4C9E-A1D1-3BF41D9621D7}" dt="2021-02-03T07:20:15.168" v="928" actId="20577"/>
-          <ac:spMkLst>
-            <pc:docMk/>
-            <pc:sldMk cId="92291925" sldId="563"/>
-            <ac:spMk id="7" creationId="{00000000-0000-0000-0000-000000000000}"/>
-          </ac:spMkLst>
-        </pc:spChg>
-        <pc:spChg chg="add del mod">
-          <ac:chgData name="Zhao Jin" userId="cd05a825-544c-438a-9ba1-08e63db50b47" providerId="ADAL" clId="{FB8F02A0-9B99-4C9E-A1D1-3BF41D9621D7}" dt="2021-02-03T07:01:50.109" v="5" actId="478"/>
-          <ac:spMkLst>
-            <pc:docMk/>
-            <pc:sldMk cId="92291925" sldId="563"/>
-            <ac:spMk id="13" creationId="{A018A939-88C1-46BC-BAB4-25876F9F5000}"/>
-          </ac:spMkLst>
-        </pc:spChg>
-        <pc:spChg chg="del">
-          <ac:chgData name="Zhao Jin" userId="cd05a825-544c-438a-9ba1-08e63db50b47" providerId="ADAL" clId="{FB8F02A0-9B99-4C9E-A1D1-3BF41D9621D7}" dt="2021-02-03T07:01:53.900" v="6" actId="478"/>
-          <ac:spMkLst>
-            <pc:docMk/>
-            <pc:sldMk cId="92291925" sldId="563"/>
-            <ac:spMk id="14340" creationId="{00000000-0000-0000-0000-000000000000}"/>
-          </ac:spMkLst>
-        </pc:spChg>
-      </pc:sldChg>
-      <pc:sldChg chg="addSp modSp add mod modAnim">
-        <pc:chgData name="Zhao Jin" userId="cd05a825-544c-438a-9ba1-08e63db50b47" providerId="ADAL" clId="{FB8F02A0-9B99-4C9E-A1D1-3BF41D9621D7}" dt="2021-02-03T07:20:31.915" v="936"/>
-        <pc:sldMkLst>
-          <pc:docMk/>
-          <pc:sldMk cId="1276365520" sldId="564"/>
-        </pc:sldMkLst>
-        <pc:spChg chg="mod">
-          <ac:chgData name="Zhao Jin" userId="cd05a825-544c-438a-9ba1-08e63db50b47" providerId="ADAL" clId="{FB8F02A0-9B99-4C9E-A1D1-3BF41D9621D7}" dt="2021-02-03T07:20:31.915" v="936"/>
-          <ac:spMkLst>
-            <pc:docMk/>
-            <pc:sldMk cId="1276365520" sldId="564"/>
-            <ac:spMk id="7" creationId="{00000000-0000-0000-0000-000000000000}"/>
-          </ac:spMkLst>
-        </pc:spChg>
-        <pc:spChg chg="mod">
-          <ac:chgData name="Zhao Jin" userId="cd05a825-544c-438a-9ba1-08e63db50b47" providerId="ADAL" clId="{FB8F02A0-9B99-4C9E-A1D1-3BF41D9621D7}" dt="2021-02-03T07:15:50.668" v="577" actId="1035"/>
-          <ac:spMkLst>
-            <pc:docMk/>
-            <pc:sldMk cId="1276365520" sldId="564"/>
-            <ac:spMk id="13" creationId="{972B1E9B-C6E8-4DE8-871E-C214A3D77F45}"/>
-          </ac:spMkLst>
-        </pc:spChg>
-        <pc:spChg chg="add mod">
-          <ac:chgData name="Zhao Jin" userId="cd05a825-544c-438a-9ba1-08e63db50b47" providerId="ADAL" clId="{FB8F02A0-9B99-4C9E-A1D1-3BF41D9621D7}" dt="2021-02-03T07:18:58.912" v="843" actId="255"/>
-          <ac:spMkLst>
-            <pc:docMk/>
-            <pc:sldMk cId="1276365520" sldId="564"/>
-            <ac:spMk id="14" creationId="{3BE09EC5-9C6D-4841-A5F4-9A5837974E20}"/>
-          </ac:spMkLst>
-        </pc:spChg>
-        <pc:spChg chg="add mod">
-          <ac:chgData name="Zhao Jin" userId="cd05a825-544c-438a-9ba1-08e63db50b47" providerId="ADAL" clId="{FB8F02A0-9B99-4C9E-A1D1-3BF41D9621D7}" dt="2021-02-03T07:19:03.130" v="844" actId="1076"/>
-          <ac:spMkLst>
-            <pc:docMk/>
-            <pc:sldMk cId="1276365520" sldId="564"/>
-            <ac:spMk id="15" creationId="{096B9094-1E2A-402A-A1B2-0B1E3DBA221D}"/>
-          </ac:spMkLst>
-        </pc:spChg>
-        <pc:spChg chg="add mod">
-          <ac:chgData name="Zhao Jin" userId="cd05a825-544c-438a-9ba1-08e63db50b47" providerId="ADAL" clId="{FB8F02A0-9B99-4C9E-A1D1-3BF41D9621D7}" dt="2021-02-03T07:18:21.030" v="805" actId="1076"/>
-          <ac:spMkLst>
-            <pc:docMk/>
-            <pc:sldMk cId="1276365520" sldId="564"/>
-            <ac:spMk id="16" creationId="{8D87AA11-3E4E-46CD-ABF1-3B99CD8A7ECE}"/>
-          </ac:spMkLst>
-        </pc:spChg>
-        <pc:spChg chg="add mod">
-          <ac:chgData name="Zhao Jin" userId="cd05a825-544c-438a-9ba1-08e63db50b47" providerId="ADAL" clId="{FB8F02A0-9B99-4C9E-A1D1-3BF41D9621D7}" dt="2021-02-03T07:19:34.904" v="892" actId="1076"/>
-          <ac:spMkLst>
-            <pc:docMk/>
-            <pc:sldMk cId="1276365520" sldId="564"/>
-            <ac:spMk id="18" creationId="{B16D4AFD-E818-4047-959F-C04354558EAF}"/>
-          </ac:spMkLst>
-        </pc:spChg>
-        <pc:picChg chg="add mod">
-          <ac:chgData name="Zhao Jin" userId="cd05a825-544c-438a-9ba1-08e63db50b47" providerId="ADAL" clId="{FB8F02A0-9B99-4C9E-A1D1-3BF41D9621D7}" dt="2021-02-03T07:18:22.576" v="806" actId="1076"/>
-          <ac:picMkLst>
-            <pc:docMk/>
-            <pc:sldMk cId="1276365520" sldId="564"/>
-            <ac:picMk id="17" creationId="{ED2DFF4D-A89B-45E0-B4A6-9463A17A340E}"/>
-          </ac:picMkLst>
-        </pc:picChg>
-      </pc:sldChg>
-      <pc:sldChg chg="delSp modSp add mod">
-        <pc:chgData name="Zhao Jin" userId="cd05a825-544c-438a-9ba1-08e63db50b47" providerId="ADAL" clId="{FB8F02A0-9B99-4C9E-A1D1-3BF41D9621D7}" dt="2021-02-03T07:20:28.829" v="934"/>
-        <pc:sldMkLst>
-          <pc:docMk/>
-          <pc:sldMk cId="827193018" sldId="565"/>
-        </pc:sldMkLst>
-        <pc:spChg chg="mod">
-          <ac:chgData name="Zhao Jin" userId="cd05a825-544c-438a-9ba1-08e63db50b47" providerId="ADAL" clId="{FB8F02A0-9B99-4C9E-A1D1-3BF41D9621D7}" dt="2021-02-03T07:20:28.829" v="934"/>
-          <ac:spMkLst>
-            <pc:docMk/>
-            <pc:sldMk cId="827193018" sldId="565"/>
-            <ac:spMk id="7" creationId="{00000000-0000-0000-0000-000000000000}"/>
-          </ac:spMkLst>
-        </pc:spChg>
-        <pc:spChg chg="mod">
-          <ac:chgData name="Zhao Jin" userId="cd05a825-544c-438a-9ba1-08e63db50b47" providerId="ADAL" clId="{FB8F02A0-9B99-4C9E-A1D1-3BF41D9621D7}" dt="2021-02-03T07:14:20.921" v="546" actId="20577"/>
-          <ac:spMkLst>
-            <pc:docMk/>
-            <pc:sldMk cId="827193018" sldId="565"/>
-            <ac:spMk id="9" creationId="{35649340-5AB4-4CED-B84B-66D13E8E2455}"/>
+          <ac:chgData name="Zhao Jin" userId="cd05a825-544c-438a-9ba1-08e63db50b47" providerId="ADAL" clId="{C328B041-D897-B548-9F0A-DA2B3CC3BF8E}" dt="2021-03-08T02:30:07.762" v="498" actId="20577"/>
+          <ac:spMkLst>
+            <pc:docMk/>
+            <pc:sldMk cId="1258830549" sldId="635"/>
+            <ac:spMk id="13" creationId="{00000000-0000-0000-0000-000000000000}"/>
           </ac:spMkLst>
         </pc:spChg>
         <pc:spChg chg="del mod">
-          <ac:chgData name="Zhao Jin" userId="cd05a825-544c-438a-9ba1-08e63db50b47" providerId="ADAL" clId="{FB8F02A0-9B99-4C9E-A1D1-3BF41D9621D7}" dt="2021-02-03T07:11:55.316" v="463" actId="478"/>
-          <ac:spMkLst>
-            <pc:docMk/>
-            <pc:sldMk cId="827193018" sldId="565"/>
-            <ac:spMk id="10" creationId="{00000000-0000-0000-0000-000000000000}"/>
-          </ac:spMkLst>
-        </pc:spChg>
-        <pc:spChg chg="mod">
-          <ac:chgData name="Zhao Jin" userId="cd05a825-544c-438a-9ba1-08e63db50b47" providerId="ADAL" clId="{FB8F02A0-9B99-4C9E-A1D1-3BF41D9621D7}" dt="2021-02-03T07:11:57.461" v="465" actId="5793"/>
-          <ac:spMkLst>
-            <pc:docMk/>
-            <pc:sldMk cId="827193018" sldId="565"/>
-            <ac:spMk id="49" creationId="{00000000-0000-0000-0000-000000000000}"/>
-          </ac:spMkLst>
-        </pc:spChg>
-      </pc:sldChg>
-      <pc:sldChg chg="modSp add mod">
-        <pc:chgData name="Zhao Jin" userId="cd05a825-544c-438a-9ba1-08e63db50b47" providerId="ADAL" clId="{FB8F02A0-9B99-4C9E-A1D1-3BF41D9621D7}" dt="2021-02-08T02:21:29.074" v="2208" actId="20577"/>
-        <pc:sldMkLst>
-          <pc:docMk/>
-          <pc:sldMk cId="3959984611" sldId="566"/>
-        </pc:sldMkLst>
-        <pc:spChg chg="mod">
-          <ac:chgData name="Zhao Jin" userId="cd05a825-544c-438a-9ba1-08e63db50b47" providerId="ADAL" clId="{FB8F02A0-9B99-4C9E-A1D1-3BF41D9621D7}" dt="2021-02-03T07:20:36.970" v="938"/>
-          <ac:spMkLst>
-            <pc:docMk/>
-            <pc:sldMk cId="3959984611" sldId="566"/>
-            <ac:spMk id="7" creationId="{00000000-0000-0000-0000-000000000000}"/>
-          </ac:spMkLst>
-        </pc:spChg>
-        <pc:spChg chg="mod">
-          <ac:chgData name="Zhao Jin" userId="cd05a825-544c-438a-9ba1-08e63db50b47" providerId="ADAL" clId="{FB8F02A0-9B99-4C9E-A1D1-3BF41D9621D7}" dt="2021-02-08T02:21:29.074" v="2208" actId="20577"/>
-          <ac:spMkLst>
-            <pc:docMk/>
-            <pc:sldMk cId="3959984611" sldId="566"/>
-            <ac:spMk id="8" creationId="{00000000-0000-0000-0000-000000000000}"/>
-          </ac:spMkLst>
-        </pc:spChg>
-        <pc:spChg chg="mod">
-          <ac:chgData name="Zhao Jin" userId="cd05a825-544c-438a-9ba1-08e63db50b47" providerId="ADAL" clId="{FB8F02A0-9B99-4C9E-A1D1-3BF41D9621D7}" dt="2021-02-03T07:20:03.399" v="922" actId="20577"/>
-          <ac:spMkLst>
-            <pc:docMk/>
-            <pc:sldMk cId="3959984611" sldId="566"/>
-            <ac:spMk id="14338" creationId="{00000000-0000-0000-0000-000000000000}"/>
-          </ac:spMkLst>
-        </pc:spChg>
-      </pc:sldChg>
-      <pc:sldChg chg="add del">
-        <pc:chgData name="Zhao Jin" userId="cd05a825-544c-438a-9ba1-08e63db50b47" providerId="ADAL" clId="{FB8F02A0-9B99-4C9E-A1D1-3BF41D9621D7}" dt="2021-02-03T07:34:00.322" v="1372" actId="47"/>
-        <pc:sldMkLst>
-          <pc:docMk/>
-          <pc:sldMk cId="243231529" sldId="567"/>
-        </pc:sldMkLst>
-      </pc:sldChg>
-      <pc:sldChg chg="modSp add del mod">
-        <pc:chgData name="Zhao Jin" userId="cd05a825-544c-438a-9ba1-08e63db50b47" providerId="ADAL" clId="{FB8F02A0-9B99-4C9E-A1D1-3BF41D9621D7}" dt="2021-02-03T07:30:57.488" v="1096" actId="47"/>
-        <pc:sldMkLst>
-          <pc:docMk/>
-          <pc:sldMk cId="3003604107" sldId="567"/>
-        </pc:sldMkLst>
-        <pc:spChg chg="mod">
-          <ac:chgData name="Zhao Jin" userId="cd05a825-544c-438a-9ba1-08e63db50b47" providerId="ADAL" clId="{FB8F02A0-9B99-4C9E-A1D1-3BF41D9621D7}" dt="2021-02-03T07:20:41.505" v="939"/>
-          <ac:spMkLst>
-            <pc:docMk/>
-            <pc:sldMk cId="3003604107" sldId="567"/>
-            <ac:spMk id="7" creationId="{00000000-0000-0000-0000-000000000000}"/>
-          </ac:spMkLst>
-        </pc:spChg>
-      </pc:sldChg>
-      <pc:sldChg chg="addSp delSp modSp add mod ord">
-        <pc:chgData name="Zhao Jin" userId="cd05a825-544c-438a-9ba1-08e63db50b47" providerId="ADAL" clId="{FB8F02A0-9B99-4C9E-A1D1-3BF41D9621D7}" dt="2021-02-03T07:45:20.173" v="2121" actId="20577"/>
-        <pc:sldMkLst>
-          <pc:docMk/>
-          <pc:sldMk cId="2879329457" sldId="568"/>
-        </pc:sldMkLst>
-        <pc:spChg chg="mod">
-          <ac:chgData name="Zhao Jin" userId="cd05a825-544c-438a-9ba1-08e63db50b47" providerId="ADAL" clId="{FB8F02A0-9B99-4C9E-A1D1-3BF41D9621D7}" dt="2021-02-03T07:45:20.173" v="2121" actId="20577"/>
-          <ac:spMkLst>
-            <pc:docMk/>
-            <pc:sldMk cId="2879329457" sldId="568"/>
-            <ac:spMk id="9" creationId="{00000000-0000-0000-0000-000000000000}"/>
-          </ac:spMkLst>
-        </pc:spChg>
-        <pc:graphicFrameChg chg="del mod modGraphic">
-          <ac:chgData name="Zhao Jin" userId="cd05a825-544c-438a-9ba1-08e63db50b47" providerId="ADAL" clId="{FB8F02A0-9B99-4C9E-A1D1-3BF41D9621D7}" dt="2021-02-03T07:34:55.508" v="1419" actId="478"/>
-          <ac:graphicFrameMkLst>
-            <pc:docMk/>
-            <pc:sldMk cId="2879329457" sldId="568"/>
-            <ac:graphicFrameMk id="7" creationId="{1DC5F05D-202E-4474-8067-C5632E06F885}"/>
-          </ac:graphicFrameMkLst>
-        </pc:graphicFrameChg>
-        <pc:graphicFrameChg chg="add mod modGraphic">
-          <ac:chgData name="Zhao Jin" userId="cd05a825-544c-438a-9ba1-08e63db50b47" providerId="ADAL" clId="{FB8F02A0-9B99-4C9E-A1D1-3BF41D9621D7}" dt="2021-02-03T07:41:24.626" v="1863" actId="1076"/>
-          <ac:graphicFrameMkLst>
-            <pc:docMk/>
-            <pc:sldMk cId="2879329457" sldId="568"/>
-            <ac:graphicFrameMk id="8" creationId="{C8DA87BB-C4AB-4A3F-B99E-7CAF8E3AC125}"/>
-          </ac:graphicFrameMkLst>
-        </pc:graphicFrameChg>
-      </pc:sldChg>
-      <pc:sldChg chg="modSp add mod">
-        <pc:chgData name="Zhao Jin" userId="cd05a825-544c-438a-9ba1-08e63db50b47" providerId="ADAL" clId="{FB8F02A0-9B99-4C9E-A1D1-3BF41D9621D7}" dt="2021-02-03T07:42:36.973" v="1870"/>
-        <pc:sldMkLst>
-          <pc:docMk/>
-          <pc:sldMk cId="4240540711" sldId="569"/>
-        </pc:sldMkLst>
-        <pc:spChg chg="mod">
-          <ac:chgData name="Zhao Jin" userId="cd05a825-544c-438a-9ba1-08e63db50b47" providerId="ADAL" clId="{FB8F02A0-9B99-4C9E-A1D1-3BF41D9621D7}" dt="2021-02-03T07:42:36.973" v="1870"/>
-          <ac:spMkLst>
-            <pc:docMk/>
-            <pc:sldMk cId="4240540711" sldId="569"/>
-            <ac:spMk id="7" creationId="{00000000-0000-0000-0000-000000000000}"/>
-          </ac:spMkLst>
-        </pc:spChg>
-      </pc:sldChg>
-    </pc:docChg>
-  </pc:docChgLst>
-  <pc:docChgLst>
-    <pc:chgData name="Zhao Jin" userId="cd05a825-544c-438a-9ba1-08e63db50b47" providerId="ADAL" clId="{40B02829-7445-394A-990C-032942059FD9}"/>
-    <pc:docChg chg="custSel modSld">
-      <pc:chgData name="Zhao Jin" userId="cd05a825-544c-438a-9ba1-08e63db50b47" providerId="ADAL" clId="{40B02829-7445-394A-990C-032942059FD9}" dt="2021-01-18T05:50:34.611" v="4" actId="478"/>
-      <pc:docMkLst>
-        <pc:docMk/>
-      </pc:docMkLst>
-      <pc:sldChg chg="delSp">
-        <pc:chgData name="Zhao Jin" userId="cd05a825-544c-438a-9ba1-08e63db50b47" providerId="ADAL" clId="{40B02829-7445-394A-990C-032942059FD9}" dt="2021-01-18T05:50:34.611" v="4" actId="478"/>
-        <pc:sldMkLst>
-          <pc:docMk/>
-          <pc:sldMk cId="3871162519" sldId="525"/>
-        </pc:sldMkLst>
-        <pc:spChg chg="del">
-          <ac:chgData name="Zhao Jin" userId="cd05a825-544c-438a-9ba1-08e63db50b47" providerId="ADAL" clId="{40B02829-7445-394A-990C-032942059FD9}" dt="2021-01-18T05:50:34.611" v="4" actId="478"/>
-          <ac:spMkLst>
-            <pc:docMk/>
-            <pc:sldMk cId="3871162519" sldId="525"/>
-            <ac:spMk id="24582" creationId="{00000000-0000-0000-0000-000000000000}"/>
-          </ac:spMkLst>
-        </pc:spChg>
-      </pc:sldChg>
-      <pc:sldChg chg="modSp">
-        <pc:chgData name="Zhao Jin" userId="cd05a825-544c-438a-9ba1-08e63db50b47" providerId="ADAL" clId="{40B02829-7445-394A-990C-032942059FD9}" dt="2021-01-18T05:50:03.685" v="3" actId="122"/>
-        <pc:sldMkLst>
-          <pc:docMk/>
-          <pc:sldMk cId="770306953" sldId="526"/>
-        </pc:sldMkLst>
-        <pc:graphicFrameChg chg="modGraphic">
-          <ac:chgData name="Zhao Jin" userId="cd05a825-544c-438a-9ba1-08e63db50b47" providerId="ADAL" clId="{40B02829-7445-394A-990C-032942059FD9}" dt="2021-01-18T05:50:03.685" v="3" actId="122"/>
-          <ac:graphicFrameMkLst>
-            <pc:docMk/>
-            <pc:sldMk cId="770306953" sldId="526"/>
-            <ac:graphicFrameMk id="7" creationId="{00000000-0000-0000-0000-000000000000}"/>
-          </ac:graphicFrameMkLst>
-        </pc:graphicFrameChg>
-        <pc:graphicFrameChg chg="modGraphic">
-          <ac:chgData name="Zhao Jin" userId="cd05a825-544c-438a-9ba1-08e63db50b47" providerId="ADAL" clId="{40B02829-7445-394A-990C-032942059FD9}" dt="2021-01-18T05:49:57.612" v="2" actId="122"/>
-          <ac:graphicFrameMkLst>
-            <pc:docMk/>
-            <pc:sldMk cId="770306953" sldId="526"/>
-            <ac:graphicFrameMk id="16" creationId="{00000000-0000-0000-0000-000000000000}"/>
-          </ac:graphicFrameMkLst>
-        </pc:graphicFrameChg>
-      </pc:sldChg>
-      <pc:sldChg chg="modAnim">
-        <pc:chgData name="Zhao Jin" userId="cd05a825-544c-438a-9ba1-08e63db50b47" providerId="ADAL" clId="{40B02829-7445-394A-990C-032942059FD9}" dt="2021-01-18T05:49:08.491" v="0"/>
-        <pc:sldMkLst>
-          <pc:docMk/>
-          <pc:sldMk cId="4288789163" sldId="527"/>
-        </pc:sldMkLst>
-      </pc:sldChg>
-    </pc:docChg>
-  </pc:docChgLst>
-  <pc:docChgLst>
-    <pc:chgData name="Zhao Jin" userId="cd05a825-544c-438a-9ba1-08e63db50b47" providerId="ADAL" clId="{A4A0FEF4-5388-4642-A424-D6144C2A9D07}"/>
-    <pc:docChg chg="undo custSel modSld">
-      <pc:chgData name="Zhao Jin" userId="cd05a825-544c-438a-9ba1-08e63db50b47" providerId="ADAL" clId="{A4A0FEF4-5388-4642-A424-D6144C2A9D07}" dt="2021-01-25T03:36:28.487" v="214" actId="20577"/>
-      <pc:docMkLst>
-        <pc:docMk/>
-      </pc:docMkLst>
-      <pc:sldChg chg="delSp modSp">
-        <pc:chgData name="Zhao Jin" userId="cd05a825-544c-438a-9ba1-08e63db50b47" providerId="ADAL" clId="{A4A0FEF4-5388-4642-A424-D6144C2A9D07}" dt="2021-01-25T03:33:46.226" v="179"/>
-        <pc:sldMkLst>
-          <pc:docMk/>
-          <pc:sldMk cId="2543678377" sldId="531"/>
-        </pc:sldMkLst>
-        <pc:spChg chg="mod">
-          <ac:chgData name="Zhao Jin" userId="cd05a825-544c-438a-9ba1-08e63db50b47" providerId="ADAL" clId="{A4A0FEF4-5388-4642-A424-D6144C2A9D07}" dt="2021-01-25T03:30:31.833" v="157" actId="20577"/>
-          <ac:spMkLst>
-            <pc:docMk/>
-            <pc:sldMk cId="2543678377" sldId="531"/>
-            <ac:spMk id="10" creationId="{00000000-0000-0000-0000-000000000000}"/>
-          </ac:spMkLst>
-        </pc:spChg>
-        <pc:spChg chg="mod">
-          <ac:chgData name="Zhao Jin" userId="cd05a825-544c-438a-9ba1-08e63db50b47" providerId="ADAL" clId="{A4A0FEF4-5388-4642-A424-D6144C2A9D07}" dt="2021-01-25T03:33:46.226" v="179"/>
-          <ac:spMkLst>
-            <pc:docMk/>
-            <pc:sldMk cId="2543678377" sldId="531"/>
-            <ac:spMk id="43" creationId="{00000000-0000-0000-0000-000000000000}"/>
-          </ac:spMkLst>
-        </pc:spChg>
-        <pc:spChg chg="del">
-          <ac:chgData name="Zhao Jin" userId="cd05a825-544c-438a-9ba1-08e63db50b47" providerId="ADAL" clId="{A4A0FEF4-5388-4642-A424-D6144C2A9D07}" dt="2021-01-25T03:33:24.782" v="178" actId="478"/>
-          <ac:spMkLst>
-            <pc:docMk/>
-            <pc:sldMk cId="2543678377" sldId="531"/>
-            <ac:spMk id="24582" creationId="{00000000-0000-0000-0000-000000000000}"/>
-          </ac:spMkLst>
-        </pc:spChg>
-      </pc:sldChg>
-      <pc:sldChg chg="delSp modSp">
-        <pc:chgData name="Zhao Jin" userId="cd05a825-544c-438a-9ba1-08e63db50b47" providerId="ADAL" clId="{A4A0FEF4-5388-4642-A424-D6144C2A9D07}" dt="2021-01-25T03:33:46.226" v="179"/>
-        <pc:sldMkLst>
-          <pc:docMk/>
-          <pc:sldMk cId="2025693378" sldId="532"/>
-        </pc:sldMkLst>
-        <pc:spChg chg="mod">
-          <ac:chgData name="Zhao Jin" userId="cd05a825-544c-438a-9ba1-08e63db50b47" providerId="ADAL" clId="{A4A0FEF4-5388-4642-A424-D6144C2A9D07}" dt="2021-01-25T03:33:46.226" v="179"/>
-          <ac:spMkLst>
-            <pc:docMk/>
-            <pc:sldMk cId="2025693378" sldId="532"/>
-            <ac:spMk id="43" creationId="{00000000-0000-0000-0000-000000000000}"/>
-          </ac:spMkLst>
-        </pc:spChg>
-        <pc:spChg chg="del">
-          <ac:chgData name="Zhao Jin" userId="cd05a825-544c-438a-9ba1-08e63db50b47" providerId="ADAL" clId="{A4A0FEF4-5388-4642-A424-D6144C2A9D07}" dt="2021-01-25T03:33:20.558" v="177" actId="478"/>
-          <ac:spMkLst>
-            <pc:docMk/>
-            <pc:sldMk cId="2025693378" sldId="532"/>
-            <ac:spMk id="24582" creationId="{00000000-0000-0000-0000-000000000000}"/>
-          </ac:spMkLst>
-        </pc:spChg>
-      </pc:sldChg>
-      <pc:sldChg chg="delSp modSp">
-        <pc:chgData name="Zhao Jin" userId="cd05a825-544c-438a-9ba1-08e63db50b47" providerId="ADAL" clId="{A4A0FEF4-5388-4642-A424-D6144C2A9D07}" dt="2021-01-25T03:36:13.902" v="213" actId="403"/>
-        <pc:sldMkLst>
-          <pc:docMk/>
-          <pc:sldMk cId="266706937" sldId="533"/>
-        </pc:sldMkLst>
-        <pc:spChg chg="mod">
-          <ac:chgData name="Zhao Jin" userId="cd05a825-544c-438a-9ba1-08e63db50b47" providerId="ADAL" clId="{A4A0FEF4-5388-4642-A424-D6144C2A9D07}" dt="2021-01-25T03:36:09.661" v="211" actId="1036"/>
-          <ac:spMkLst>
-            <pc:docMk/>
-            <pc:sldMk cId="266706937" sldId="533"/>
-            <ac:spMk id="2" creationId="{00000000-0000-0000-0000-000000000000}"/>
-          </ac:spMkLst>
-        </pc:spChg>
-        <pc:spChg chg="mod">
-          <ac:chgData name="Zhao Jin" userId="cd05a825-544c-438a-9ba1-08e63db50b47" providerId="ADAL" clId="{A4A0FEF4-5388-4642-A424-D6144C2A9D07}" dt="2021-01-25T03:36:09.661" v="211" actId="1036"/>
-          <ac:spMkLst>
-            <pc:docMk/>
-            <pc:sldMk cId="266706937" sldId="533"/>
-            <ac:spMk id="9" creationId="{00000000-0000-0000-0000-000000000000}"/>
-          </ac:spMkLst>
-        </pc:spChg>
-        <pc:spChg chg="mod">
-          <ac:chgData name="Zhao Jin" userId="cd05a825-544c-438a-9ba1-08e63db50b47" providerId="ADAL" clId="{A4A0FEF4-5388-4642-A424-D6144C2A9D07}" dt="2021-01-25T03:36:09.661" v="211" actId="1036"/>
-          <ac:spMkLst>
-            <pc:docMk/>
-            <pc:sldMk cId="266706937" sldId="533"/>
-            <ac:spMk id="10" creationId="{00000000-0000-0000-0000-000000000000}"/>
-          </ac:spMkLst>
-        </pc:spChg>
-        <pc:spChg chg="mod">
-          <ac:chgData name="Zhao Jin" userId="cd05a825-544c-438a-9ba1-08e63db50b47" providerId="ADAL" clId="{A4A0FEF4-5388-4642-A424-D6144C2A9D07}" dt="2021-01-25T03:36:09.661" v="211" actId="1036"/>
-          <ac:spMkLst>
-            <pc:docMk/>
-            <pc:sldMk cId="266706937" sldId="533"/>
-            <ac:spMk id="13" creationId="{00000000-0000-0000-0000-000000000000}"/>
-          </ac:spMkLst>
-        </pc:spChg>
-        <pc:spChg chg="mod">
-          <ac:chgData name="Zhao Jin" userId="cd05a825-544c-438a-9ba1-08e63db50b47" providerId="ADAL" clId="{A4A0FEF4-5388-4642-A424-D6144C2A9D07}" dt="2021-01-25T03:36:09.661" v="211" actId="1036"/>
-          <ac:spMkLst>
-            <pc:docMk/>
-            <pc:sldMk cId="266706937" sldId="533"/>
-            <ac:spMk id="14" creationId="{00000000-0000-0000-0000-000000000000}"/>
-          </ac:spMkLst>
-        </pc:spChg>
-        <pc:spChg chg="mod">
-          <ac:chgData name="Zhao Jin" userId="cd05a825-544c-438a-9ba1-08e63db50b47" providerId="ADAL" clId="{A4A0FEF4-5388-4642-A424-D6144C2A9D07}" dt="2021-01-25T03:36:13.902" v="213" actId="403"/>
-          <ac:spMkLst>
-            <pc:docMk/>
-            <pc:sldMk cId="266706937" sldId="533"/>
-            <ac:spMk id="15" creationId="{00000000-0000-0000-0000-000000000000}"/>
-          </ac:spMkLst>
-        </pc:spChg>
-        <pc:spChg chg="mod">
-          <ac:chgData name="Zhao Jin" userId="cd05a825-544c-438a-9ba1-08e63db50b47" providerId="ADAL" clId="{A4A0FEF4-5388-4642-A424-D6144C2A9D07}" dt="2021-01-25T03:36:09.661" v="211" actId="1036"/>
-          <ac:spMkLst>
-            <pc:docMk/>
-            <pc:sldMk cId="266706937" sldId="533"/>
-            <ac:spMk id="16" creationId="{00000000-0000-0000-0000-000000000000}"/>
-          </ac:spMkLst>
-        </pc:spChg>
-        <pc:spChg chg="mod">
-          <ac:chgData name="Zhao Jin" userId="cd05a825-544c-438a-9ba1-08e63db50b47" providerId="ADAL" clId="{A4A0FEF4-5388-4642-A424-D6144C2A9D07}" dt="2021-01-25T03:33:46.226" v="179"/>
-          <ac:spMkLst>
-            <pc:docMk/>
-            <pc:sldMk cId="266706937" sldId="533"/>
-            <ac:spMk id="43" creationId="{00000000-0000-0000-0000-000000000000}"/>
-          </ac:spMkLst>
-        </pc:spChg>
-        <pc:spChg chg="del">
-          <ac:chgData name="Zhao Jin" userId="cd05a825-544c-438a-9ba1-08e63db50b47" providerId="ADAL" clId="{A4A0FEF4-5388-4642-A424-D6144C2A9D07}" dt="2021-01-25T03:33:11.850" v="174" actId="478"/>
-          <ac:spMkLst>
-            <pc:docMk/>
-            <pc:sldMk cId="266706937" sldId="533"/>
-            <ac:spMk id="24582" creationId="{00000000-0000-0000-0000-000000000000}"/>
-          </ac:spMkLst>
-        </pc:spChg>
-        <pc:picChg chg="mod">
-          <ac:chgData name="Zhao Jin" userId="cd05a825-544c-438a-9ba1-08e63db50b47" providerId="ADAL" clId="{A4A0FEF4-5388-4642-A424-D6144C2A9D07}" dt="2021-01-25T03:36:09.661" v="211" actId="1036"/>
-          <ac:picMkLst>
-            <pc:docMk/>
-            <pc:sldMk cId="266706937" sldId="533"/>
-            <ac:picMk id="7" creationId="{00000000-0000-0000-0000-000000000000}"/>
-          </ac:picMkLst>
-        </pc:picChg>
-      </pc:sldChg>
-      <pc:sldChg chg="addSp delSp modSp">
-        <pc:chgData name="Zhao Jin" userId="cd05a825-544c-438a-9ba1-08e63db50b47" providerId="ADAL" clId="{A4A0FEF4-5388-4642-A424-D6144C2A9D07}" dt="2021-01-25T03:36:28.487" v="214" actId="20577"/>
-        <pc:sldMkLst>
-          <pc:docMk/>
-          <pc:sldMk cId="3198948174" sldId="535"/>
-        </pc:sldMkLst>
-        <pc:spChg chg="add mod">
-          <ac:chgData name="Zhao Jin" userId="cd05a825-544c-438a-9ba1-08e63db50b47" providerId="ADAL" clId="{A4A0FEF4-5388-4642-A424-D6144C2A9D07}" dt="2021-01-25T03:31:40.243" v="165" actId="207"/>
-          <ac:spMkLst>
-            <pc:docMk/>
-            <pc:sldMk cId="3198948174" sldId="535"/>
-            <ac:spMk id="2" creationId="{E3422448-94B2-0F4B-AAE6-2DF38C94C92F}"/>
-          </ac:spMkLst>
-        </pc:spChg>
-        <pc:spChg chg="mod">
-          <ac:chgData name="Zhao Jin" userId="cd05a825-544c-438a-9ba1-08e63db50b47" providerId="ADAL" clId="{A4A0FEF4-5388-4642-A424-D6144C2A9D07}" dt="2021-01-25T03:36:28.487" v="214" actId="20577"/>
-          <ac:spMkLst>
-            <pc:docMk/>
-            <pc:sldMk cId="3198948174" sldId="535"/>
-            <ac:spMk id="15" creationId="{00000000-0000-0000-0000-000000000000}"/>
-          </ac:spMkLst>
-        </pc:spChg>
-        <pc:spChg chg="mod">
-          <ac:chgData name="Zhao Jin" userId="cd05a825-544c-438a-9ba1-08e63db50b47" providerId="ADAL" clId="{A4A0FEF4-5388-4642-A424-D6144C2A9D07}" dt="2021-01-25T03:33:46.226" v="179"/>
-          <ac:spMkLst>
-            <pc:docMk/>
-            <pc:sldMk cId="3198948174" sldId="535"/>
-            <ac:spMk id="43" creationId="{00000000-0000-0000-0000-000000000000}"/>
-          </ac:spMkLst>
-        </pc:spChg>
-        <pc:spChg chg="del mod">
-          <ac:chgData name="Zhao Jin" userId="cd05a825-544c-438a-9ba1-08e63db50b47" providerId="ADAL" clId="{A4A0FEF4-5388-4642-A424-D6144C2A9D07}" dt="2021-01-25T03:33:15.399" v="176" actId="478"/>
-          <ac:spMkLst>
-            <pc:docMk/>
-            <pc:sldMk cId="3198948174" sldId="535"/>
-            <ac:spMk id="24582" creationId="{00000000-0000-0000-0000-000000000000}"/>
-          </ac:spMkLst>
-        </pc:spChg>
-      </pc:sldChg>
-    </pc:docChg>
-  </pc:docChgLst>
-  <pc:docChgLst>
-    <pc:chgData name="Zhao Jin" userId="cd05a825-544c-438a-9ba1-08e63db50b47" providerId="ADAL" clId="{867F3690-C100-40EE-A937-14612E9F3314}"/>
-    <pc:docChg chg="undo custSel addSld delSld modSld">
-      <pc:chgData name="Zhao Jin" userId="cd05a825-544c-438a-9ba1-08e63db50b47" providerId="ADAL" clId="{867F3690-C100-40EE-A937-14612E9F3314}" dt="2021-02-15T05:07:12.447" v="312" actId="1076"/>
-      <pc:docMkLst>
-        <pc:docMk/>
-      </pc:docMkLst>
-      <pc:sldChg chg="modSp mod">
-        <pc:chgData name="Zhao Jin" userId="cd05a825-544c-438a-9ba1-08e63db50b47" providerId="ADAL" clId="{867F3690-C100-40EE-A937-14612E9F3314}" dt="2021-02-10T03:53:02.282" v="0" actId="20577"/>
-        <pc:sldMkLst>
-          <pc:docMk/>
-          <pc:sldMk cId="0" sldId="256"/>
-        </pc:sldMkLst>
-        <pc:spChg chg="mod">
-          <ac:chgData name="Zhao Jin" userId="cd05a825-544c-438a-9ba1-08e63db50b47" providerId="ADAL" clId="{867F3690-C100-40EE-A937-14612E9F3314}" dt="2021-02-10T03:53:02.282" v="0" actId="20577"/>
-          <ac:spMkLst>
-            <pc:docMk/>
-            <pc:sldMk cId="0" sldId="256"/>
-            <ac:spMk id="8" creationId="{00000000-0000-0000-0000-000000000000}"/>
-          </ac:spMkLst>
-        </pc:spChg>
-      </pc:sldChg>
-      <pc:sldChg chg="modSp del">
-        <pc:chgData name="Zhao Jin" userId="cd05a825-544c-438a-9ba1-08e63db50b47" providerId="ADAL" clId="{867F3690-C100-40EE-A937-14612E9F3314}" dt="2021-02-11T11:12:55.303" v="2" actId="47"/>
-        <pc:sldMkLst>
-          <pc:docMk/>
-          <pc:sldMk cId="2775173622" sldId="524"/>
-        </pc:sldMkLst>
-        <pc:spChg chg="mod">
-          <ac:chgData name="Zhao Jin" userId="cd05a825-544c-438a-9ba1-08e63db50b47" providerId="ADAL" clId="{867F3690-C100-40EE-A937-14612E9F3314}" dt="2021-02-10T03:53:20.900" v="1"/>
-          <ac:spMkLst>
-            <pc:docMk/>
-            <pc:sldMk cId="2775173622" sldId="524"/>
-            <ac:spMk id="9" creationId="{00000000-0000-0000-0000-000000000000}"/>
-          </ac:spMkLst>
-        </pc:spChg>
-      </pc:sldChg>
-      <pc:sldChg chg="modSp mod">
-        <pc:chgData name="Zhao Jin" userId="cd05a825-544c-438a-9ba1-08e63db50b47" providerId="ADAL" clId="{867F3690-C100-40EE-A937-14612E9F3314}" dt="2021-02-11T11:16:16.653" v="199" actId="207"/>
-        <pc:sldMkLst>
-          <pc:docMk/>
-          <pc:sldMk cId="4078418712" sldId="525"/>
-        </pc:sldMkLst>
-        <pc:spChg chg="mod">
-          <ac:chgData name="Zhao Jin" userId="cd05a825-544c-438a-9ba1-08e63db50b47" providerId="ADAL" clId="{867F3690-C100-40EE-A937-14612E9F3314}" dt="2021-02-11T11:16:16.653" v="199" actId="207"/>
-          <ac:spMkLst>
-            <pc:docMk/>
-            <pc:sldMk cId="4078418712" sldId="525"/>
-            <ac:spMk id="8" creationId="{00000000-0000-0000-0000-000000000000}"/>
-          </ac:spMkLst>
-        </pc:spChg>
-        <pc:spChg chg="mod">
-          <ac:chgData name="Zhao Jin" userId="cd05a825-544c-438a-9ba1-08e63db50b47" providerId="ADAL" clId="{867F3690-C100-40EE-A937-14612E9F3314}" dt="2021-02-10T03:53:20.900" v="1"/>
-          <ac:spMkLst>
-            <pc:docMk/>
-            <pc:sldMk cId="4078418712" sldId="525"/>
-            <ac:spMk id="43" creationId="{00000000-0000-0000-0000-000000000000}"/>
-          </ac:spMkLst>
-        </pc:spChg>
-      </pc:sldChg>
-      <pc:sldChg chg="modSp del">
-        <pc:chgData name="Zhao Jin" userId="cd05a825-544c-438a-9ba1-08e63db50b47" providerId="ADAL" clId="{867F3690-C100-40EE-A937-14612E9F3314}" dt="2021-02-11T11:12:55.303" v="2" actId="47"/>
-        <pc:sldMkLst>
-          <pc:docMk/>
-          <pc:sldMk cId="2882118053" sldId="552"/>
-        </pc:sldMkLst>
-        <pc:spChg chg="mod">
-          <ac:chgData name="Zhao Jin" userId="cd05a825-544c-438a-9ba1-08e63db50b47" providerId="ADAL" clId="{867F3690-C100-40EE-A937-14612E9F3314}" dt="2021-02-10T03:53:20.900" v="1"/>
-          <ac:spMkLst>
-            <pc:docMk/>
-            <pc:sldMk cId="2882118053" sldId="552"/>
-            <ac:spMk id="7" creationId="{00000000-0000-0000-0000-000000000000}"/>
-          </ac:spMkLst>
-        </pc:spChg>
-      </pc:sldChg>
-      <pc:sldChg chg="modSp add mod">
-        <pc:chgData name="Zhao Jin" userId="cd05a825-544c-438a-9ba1-08e63db50b47" providerId="ADAL" clId="{867F3690-C100-40EE-A937-14612E9F3314}" dt="2021-02-15T04:57:13.323" v="201"/>
-        <pc:sldMkLst>
-          <pc:docMk/>
-          <pc:sldMk cId="1427618944" sldId="553"/>
-        </pc:sldMkLst>
-        <pc:spChg chg="mod">
-          <ac:chgData name="Zhao Jin" userId="cd05a825-544c-438a-9ba1-08e63db50b47" providerId="ADAL" clId="{867F3690-C100-40EE-A937-14612E9F3314}" dt="2021-02-15T04:57:13.323" v="201"/>
-          <ac:spMkLst>
-            <pc:docMk/>
-            <pc:sldMk cId="1427618944" sldId="553"/>
-            <ac:spMk id="7" creationId="{00000000-0000-0000-0000-000000000000}"/>
-          </ac:spMkLst>
-        </pc:spChg>
-      </pc:sldChg>
-      <pc:sldChg chg="modSp del">
-        <pc:chgData name="Zhao Jin" userId="cd05a825-544c-438a-9ba1-08e63db50b47" providerId="ADAL" clId="{867F3690-C100-40EE-A937-14612E9F3314}" dt="2021-02-11T11:12:55.303" v="2" actId="47"/>
-        <pc:sldMkLst>
-          <pc:docMk/>
-          <pc:sldMk cId="2082920116" sldId="553"/>
-        </pc:sldMkLst>
-        <pc:spChg chg="mod">
-          <ac:chgData name="Zhao Jin" userId="cd05a825-544c-438a-9ba1-08e63db50b47" providerId="ADAL" clId="{867F3690-C100-40EE-A937-14612E9F3314}" dt="2021-02-10T03:53:20.900" v="1"/>
-          <ac:spMkLst>
-            <pc:docMk/>
-            <pc:sldMk cId="2082920116" sldId="553"/>
-            <ac:spMk id="7" creationId="{00000000-0000-0000-0000-000000000000}"/>
-          </ac:spMkLst>
-        </pc:spChg>
-      </pc:sldChg>
-      <pc:sldChg chg="modSp del">
-        <pc:chgData name="Zhao Jin" userId="cd05a825-544c-438a-9ba1-08e63db50b47" providerId="ADAL" clId="{867F3690-C100-40EE-A937-14612E9F3314}" dt="2021-02-11T11:12:55.303" v="2" actId="47"/>
-        <pc:sldMkLst>
-          <pc:docMk/>
-          <pc:sldMk cId="1659983766" sldId="554"/>
-        </pc:sldMkLst>
-        <pc:spChg chg="mod">
-          <ac:chgData name="Zhao Jin" userId="cd05a825-544c-438a-9ba1-08e63db50b47" providerId="ADAL" clId="{867F3690-C100-40EE-A937-14612E9F3314}" dt="2021-02-10T03:53:20.900" v="1"/>
-          <ac:spMkLst>
-            <pc:docMk/>
-            <pc:sldMk cId="1659983766" sldId="554"/>
-            <ac:spMk id="7" creationId="{00000000-0000-0000-0000-000000000000}"/>
-          </ac:spMkLst>
-        </pc:spChg>
-      </pc:sldChg>
-      <pc:sldChg chg="modSp del">
-        <pc:chgData name="Zhao Jin" userId="cd05a825-544c-438a-9ba1-08e63db50b47" providerId="ADAL" clId="{867F3690-C100-40EE-A937-14612E9F3314}" dt="2021-02-11T11:12:55.303" v="2" actId="47"/>
-        <pc:sldMkLst>
-          <pc:docMk/>
-          <pc:sldMk cId="686532275" sldId="558"/>
-        </pc:sldMkLst>
-        <pc:spChg chg="mod">
-          <ac:chgData name="Zhao Jin" userId="cd05a825-544c-438a-9ba1-08e63db50b47" providerId="ADAL" clId="{867F3690-C100-40EE-A937-14612E9F3314}" dt="2021-02-10T03:53:20.900" v="1"/>
-          <ac:spMkLst>
-            <pc:docMk/>
-            <pc:sldMk cId="686532275" sldId="558"/>
-            <ac:spMk id="7" creationId="{00000000-0000-0000-0000-000000000000}"/>
-          </ac:spMkLst>
-        </pc:spChg>
-      </pc:sldChg>
-      <pc:sldChg chg="modSp add del mod">
-        <pc:chgData name="Zhao Jin" userId="cd05a825-544c-438a-9ba1-08e63db50b47" providerId="ADAL" clId="{867F3690-C100-40EE-A937-14612E9F3314}" dt="2021-02-15T04:59:11.851" v="203" actId="207"/>
-        <pc:sldMkLst>
-          <pc:docMk/>
-          <pc:sldMk cId="1663851036" sldId="559"/>
-        </pc:sldMkLst>
-        <pc:spChg chg="mod">
-          <ac:chgData name="Zhao Jin" userId="cd05a825-544c-438a-9ba1-08e63db50b47" providerId="ADAL" clId="{867F3690-C100-40EE-A937-14612E9F3314}" dt="2021-02-11T11:15:11.855" v="41" actId="20577"/>
-          <ac:spMkLst>
-            <pc:docMk/>
-            <pc:sldMk cId="1663851036" sldId="559"/>
-            <ac:spMk id="7" creationId="{00000000-0000-0000-0000-000000000000}"/>
-          </ac:spMkLst>
-        </pc:spChg>
-        <pc:spChg chg="mod">
-          <ac:chgData name="Zhao Jin" userId="cd05a825-544c-438a-9ba1-08e63db50b47" providerId="ADAL" clId="{867F3690-C100-40EE-A937-14612E9F3314}" dt="2021-02-15T04:59:11.851" v="203" actId="207"/>
-          <ac:spMkLst>
-            <pc:docMk/>
-            <pc:sldMk cId="1663851036" sldId="559"/>
-            <ac:spMk id="16" creationId="{D2096CE0-F283-4186-90FF-7C54FF151885}"/>
-          </ac:spMkLst>
-        </pc:spChg>
-      </pc:sldChg>
-      <pc:sldChg chg="addSp delSp modSp add mod">
-        <pc:chgData name="Zhao Jin" userId="cd05a825-544c-438a-9ba1-08e63db50b47" providerId="ADAL" clId="{867F3690-C100-40EE-A937-14612E9F3314}" dt="2021-02-15T05:07:12.447" v="312" actId="1076"/>
-        <pc:sldMkLst>
-          <pc:docMk/>
-          <pc:sldMk cId="1971208294" sldId="560"/>
-        </pc:sldMkLst>
-        <pc:spChg chg="add del mod">
-          <ac:chgData name="Zhao Jin" userId="cd05a825-544c-438a-9ba1-08e63db50b47" providerId="ADAL" clId="{867F3690-C100-40EE-A937-14612E9F3314}" dt="2021-02-15T05:06:53.976" v="311"/>
-          <ac:spMkLst>
-            <pc:docMk/>
-            <pc:sldMk cId="1971208294" sldId="560"/>
-            <ac:spMk id="2" creationId="{E02B9526-DE6C-475A-8918-F3237759A071}"/>
-          </ac:spMkLst>
-        </pc:spChg>
-        <pc:spChg chg="mod">
-          <ac:chgData name="Zhao Jin" userId="cd05a825-544c-438a-9ba1-08e63db50b47" providerId="ADAL" clId="{867F3690-C100-40EE-A937-14612E9F3314}" dt="2021-02-11T11:15:15.706" v="42"/>
-          <ac:spMkLst>
-            <pc:docMk/>
-            <pc:sldMk cId="1971208294" sldId="560"/>
-            <ac:spMk id="7" creationId="{00000000-0000-0000-0000-000000000000}"/>
-          </ac:spMkLst>
-        </pc:spChg>
-        <pc:spChg chg="add mod">
-          <ac:chgData name="Zhao Jin" userId="cd05a825-544c-438a-9ba1-08e63db50b47" providerId="ADAL" clId="{867F3690-C100-40EE-A937-14612E9F3314}" dt="2021-02-15T05:07:12.447" v="312" actId="1076"/>
-          <ac:spMkLst>
-            <pc:docMk/>
-            <pc:sldMk cId="1971208294" sldId="560"/>
-            <ac:spMk id="9" creationId="{9D03A96E-4EDD-4A21-837D-84F7B91B2C3E}"/>
-          </ac:spMkLst>
-        </pc:spChg>
-        <pc:spChg chg="mod">
-          <ac:chgData name="Zhao Jin" userId="cd05a825-544c-438a-9ba1-08e63db50b47" providerId="ADAL" clId="{867F3690-C100-40EE-A937-14612E9F3314}" dt="2021-02-15T05:03:49.372" v="211" actId="20577"/>
-          <ac:spMkLst>
-            <pc:docMk/>
-            <pc:sldMk cId="1971208294" sldId="560"/>
-            <ac:spMk id="30" creationId="{C70A47A0-816F-405E-B986-DCD3BF78F602}"/>
-          </ac:spMkLst>
-        </pc:spChg>
-      </pc:sldChg>
-      <pc:sldChg chg="modSp del">
-        <pc:chgData name="Zhao Jin" userId="cd05a825-544c-438a-9ba1-08e63db50b47" providerId="ADAL" clId="{867F3690-C100-40EE-A937-14612E9F3314}" dt="2021-02-11T11:12:55.303" v="2" actId="47"/>
-        <pc:sldMkLst>
-          <pc:docMk/>
-          <pc:sldMk cId="1986771488" sldId="561"/>
-        </pc:sldMkLst>
-        <pc:spChg chg="mod">
-          <ac:chgData name="Zhao Jin" userId="cd05a825-544c-438a-9ba1-08e63db50b47" providerId="ADAL" clId="{867F3690-C100-40EE-A937-14612E9F3314}" dt="2021-02-10T03:53:20.900" v="1"/>
-          <ac:spMkLst>
-            <pc:docMk/>
-            <pc:sldMk cId="1986771488" sldId="561"/>
-            <ac:spMk id="7" creationId="{00000000-0000-0000-0000-000000000000}"/>
-          </ac:spMkLst>
-        </pc:spChg>
-      </pc:sldChg>
-      <pc:sldChg chg="modSp add mod">
-        <pc:chgData name="Zhao Jin" userId="cd05a825-544c-438a-9ba1-08e63db50b47" providerId="ADAL" clId="{867F3690-C100-40EE-A937-14612E9F3314}" dt="2021-02-11T11:14:08.750" v="27" actId="20577"/>
-        <pc:sldMkLst>
-          <pc:docMk/>
-          <pc:sldMk cId="894186310" sldId="564"/>
-        </pc:sldMkLst>
-        <pc:spChg chg="mod">
-          <ac:chgData name="Zhao Jin" userId="cd05a825-544c-438a-9ba1-08e63db50b47" providerId="ADAL" clId="{867F3690-C100-40EE-A937-14612E9F3314}" dt="2021-02-11T11:14:08.750" v="27" actId="20577"/>
-          <ac:spMkLst>
-            <pc:docMk/>
-            <pc:sldMk cId="894186310" sldId="564"/>
-            <ac:spMk id="7" creationId="{00000000-0000-0000-0000-000000000000}"/>
-          </ac:spMkLst>
-        </pc:spChg>
-      </pc:sldChg>
-      <pc:sldChg chg="modSp del">
-        <pc:chgData name="Zhao Jin" userId="cd05a825-544c-438a-9ba1-08e63db50b47" providerId="ADAL" clId="{867F3690-C100-40EE-A937-14612E9F3314}" dt="2021-02-11T11:12:55.303" v="2" actId="47"/>
-        <pc:sldMkLst>
-          <pc:docMk/>
-          <pc:sldMk cId="1276365520" sldId="564"/>
-        </pc:sldMkLst>
-        <pc:spChg chg="mod">
-          <ac:chgData name="Zhao Jin" userId="cd05a825-544c-438a-9ba1-08e63db50b47" providerId="ADAL" clId="{867F3690-C100-40EE-A937-14612E9F3314}" dt="2021-02-10T03:53:20.900" v="1"/>
-          <ac:spMkLst>
-            <pc:docMk/>
-            <pc:sldMk cId="1276365520" sldId="564"/>
-            <ac:spMk id="7" creationId="{00000000-0000-0000-0000-000000000000}"/>
-          </ac:spMkLst>
-        </pc:spChg>
-      </pc:sldChg>
-      <pc:sldChg chg="modSp del">
-        <pc:chgData name="Zhao Jin" userId="cd05a825-544c-438a-9ba1-08e63db50b47" providerId="ADAL" clId="{867F3690-C100-40EE-A937-14612E9F3314}" dt="2021-02-11T11:12:55.303" v="2" actId="47"/>
-        <pc:sldMkLst>
-          <pc:docMk/>
-          <pc:sldMk cId="827193018" sldId="565"/>
-        </pc:sldMkLst>
-        <pc:spChg chg="mod">
-          <ac:chgData name="Zhao Jin" userId="cd05a825-544c-438a-9ba1-08e63db50b47" providerId="ADAL" clId="{867F3690-C100-40EE-A937-14612E9F3314}" dt="2021-02-10T03:53:20.900" v="1"/>
-          <ac:spMkLst>
-            <pc:docMk/>
-            <pc:sldMk cId="827193018" sldId="565"/>
-            <ac:spMk id="7" creationId="{00000000-0000-0000-0000-000000000000}"/>
-          </ac:spMkLst>
-        </pc:spChg>
-      </pc:sldChg>
-      <pc:sldChg chg="modSp del">
-        <pc:chgData name="Zhao Jin" userId="cd05a825-544c-438a-9ba1-08e63db50b47" providerId="ADAL" clId="{867F3690-C100-40EE-A937-14612E9F3314}" dt="2021-02-11T11:12:55.303" v="2" actId="47"/>
-        <pc:sldMkLst>
-          <pc:docMk/>
-          <pc:sldMk cId="3959984611" sldId="566"/>
-        </pc:sldMkLst>
-        <pc:spChg chg="mod">
-          <ac:chgData name="Zhao Jin" userId="cd05a825-544c-438a-9ba1-08e63db50b47" providerId="ADAL" clId="{867F3690-C100-40EE-A937-14612E9F3314}" dt="2021-02-10T03:53:20.900" v="1"/>
-          <ac:spMkLst>
-            <pc:docMk/>
-            <pc:sldMk cId="3959984611" sldId="566"/>
-            <ac:spMk id="7" creationId="{00000000-0000-0000-0000-000000000000}"/>
-          </ac:spMkLst>
-        </pc:spChg>
-      </pc:sldChg>
-      <pc:sldChg chg="modSp del">
-        <pc:chgData name="Zhao Jin" userId="cd05a825-544c-438a-9ba1-08e63db50b47" providerId="ADAL" clId="{867F3690-C100-40EE-A937-14612E9F3314}" dt="2021-02-11T11:12:55.303" v="2" actId="47"/>
-        <pc:sldMkLst>
-          <pc:docMk/>
-          <pc:sldMk cId="2879329457" sldId="568"/>
-        </pc:sldMkLst>
-        <pc:spChg chg="mod">
-          <ac:chgData name="Zhao Jin" userId="cd05a825-544c-438a-9ba1-08e63db50b47" providerId="ADAL" clId="{867F3690-C100-40EE-A937-14612E9F3314}" dt="2021-02-10T03:53:20.900" v="1"/>
-          <ac:spMkLst>
-            <pc:docMk/>
-            <pc:sldMk cId="2879329457" sldId="568"/>
-            <ac:spMk id="9" creationId="{00000000-0000-0000-0000-000000000000}"/>
-          </ac:spMkLst>
-        </pc:spChg>
-      </pc:sldChg>
-      <pc:sldChg chg="modSp del">
-        <pc:chgData name="Zhao Jin" userId="cd05a825-544c-438a-9ba1-08e63db50b47" providerId="ADAL" clId="{867F3690-C100-40EE-A937-14612E9F3314}" dt="2021-02-11T11:12:55.303" v="2" actId="47"/>
-        <pc:sldMkLst>
-          <pc:docMk/>
-          <pc:sldMk cId="4240540711" sldId="569"/>
-        </pc:sldMkLst>
-        <pc:spChg chg="mod">
-          <ac:chgData name="Zhao Jin" userId="cd05a825-544c-438a-9ba1-08e63db50b47" providerId="ADAL" clId="{867F3690-C100-40EE-A937-14612E9F3314}" dt="2021-02-10T03:53:20.900" v="1"/>
-          <ac:spMkLst>
-            <pc:docMk/>
-            <pc:sldMk cId="4240540711" sldId="569"/>
-            <ac:spMk id="7" creationId="{00000000-0000-0000-0000-000000000000}"/>
-          </ac:spMkLst>
-        </pc:spChg>
-      </pc:sldChg>
-      <pc:sldChg chg="delSp modSp add mod delAnim">
-        <pc:chgData name="Zhao Jin" userId="cd05a825-544c-438a-9ba1-08e63db50b47" providerId="ADAL" clId="{867F3690-C100-40EE-A937-14612E9F3314}" dt="2021-02-15T04:58:14.889" v="202" actId="478"/>
-        <pc:sldMkLst>
-          <pc:docMk/>
-          <pc:sldMk cId="4156536479" sldId="590"/>
-        </pc:sldMkLst>
-        <pc:spChg chg="mod">
-          <ac:chgData name="Zhao Jin" userId="cd05a825-544c-438a-9ba1-08e63db50b47" providerId="ADAL" clId="{867F3690-C100-40EE-A937-14612E9F3314}" dt="2021-02-11T11:13:32.173" v="10" actId="20577"/>
-          <ac:spMkLst>
-            <pc:docMk/>
-            <pc:sldMk cId="4156536479" sldId="590"/>
-            <ac:spMk id="7" creationId="{00000000-0000-0000-0000-000000000000}"/>
-          </ac:spMkLst>
-        </pc:spChg>
-        <pc:spChg chg="del">
-          <ac:chgData name="Zhao Jin" userId="cd05a825-544c-438a-9ba1-08e63db50b47" providerId="ADAL" clId="{867F3690-C100-40EE-A937-14612E9F3314}" dt="2021-02-15T04:58:14.889" v="202" actId="478"/>
-          <ac:spMkLst>
-            <pc:docMk/>
-            <pc:sldMk cId="4156536479" sldId="590"/>
-            <ac:spMk id="34" creationId="{1DA4B870-5E05-4566-A46F-B6A051179C55}"/>
-          </ac:spMkLst>
-        </pc:spChg>
-      </pc:sldChg>
-      <pc:sldChg chg="modSp add mod">
-        <pc:chgData name="Zhao Jin" userId="cd05a825-544c-438a-9ba1-08e63db50b47" providerId="ADAL" clId="{867F3690-C100-40EE-A937-14612E9F3314}" dt="2021-02-11T11:13:35.741" v="11"/>
-        <pc:sldMkLst>
-          <pc:docMk/>
-          <pc:sldMk cId="2217225800" sldId="594"/>
-        </pc:sldMkLst>
-        <pc:spChg chg="mod">
-          <ac:chgData name="Zhao Jin" userId="cd05a825-544c-438a-9ba1-08e63db50b47" providerId="ADAL" clId="{867F3690-C100-40EE-A937-14612E9F3314}" dt="2021-02-11T11:13:35.741" v="11"/>
-          <ac:spMkLst>
-            <pc:docMk/>
-            <pc:sldMk cId="2217225800" sldId="594"/>
-            <ac:spMk id="7" creationId="{00000000-0000-0000-0000-000000000000}"/>
-          </ac:spMkLst>
-        </pc:spChg>
-      </pc:sldChg>
-      <pc:sldChg chg="delSp modSp add mod">
-        <pc:chgData name="Zhao Jin" userId="cd05a825-544c-438a-9ba1-08e63db50b47" providerId="ADAL" clId="{867F3690-C100-40EE-A937-14612E9F3314}" dt="2021-02-11T11:13:40.184" v="13" actId="478"/>
-        <pc:sldMkLst>
-          <pc:docMk/>
-          <pc:sldMk cId="2419983458" sldId="595"/>
-        </pc:sldMkLst>
-        <pc:spChg chg="mod">
-          <ac:chgData name="Zhao Jin" userId="cd05a825-544c-438a-9ba1-08e63db50b47" providerId="ADAL" clId="{867F3690-C100-40EE-A937-14612E9F3314}" dt="2021-02-11T11:13:37.679" v="12"/>
-          <ac:spMkLst>
-            <pc:docMk/>
-            <pc:sldMk cId="2419983458" sldId="595"/>
-            <ac:spMk id="7" creationId="{00000000-0000-0000-0000-000000000000}"/>
-          </ac:spMkLst>
-        </pc:spChg>
-        <pc:spChg chg="del">
-          <ac:chgData name="Zhao Jin" userId="cd05a825-544c-438a-9ba1-08e63db50b47" providerId="ADAL" clId="{867F3690-C100-40EE-A937-14612E9F3314}" dt="2021-02-11T11:13:40.184" v="13" actId="478"/>
-          <ac:spMkLst>
-            <pc:docMk/>
-            <pc:sldMk cId="2419983458" sldId="595"/>
-            <ac:spMk id="9" creationId="{02DD4937-725F-46B8-8AE4-992DF5A782AD}"/>
+          <ac:chgData name="Zhao Jin" userId="cd05a825-544c-438a-9ba1-08e63db50b47" providerId="ADAL" clId="{C328B041-D897-B548-9F0A-DA2B3CC3BF8E}" dt="2021-03-08T02:30:29.708" v="502" actId="478"/>
+          <ac:spMkLst>
+            <pc:docMk/>
+            <pc:sldMk cId="1258830549" sldId="635"/>
+            <ac:spMk id="60" creationId="{3BA40477-BBC4-485C-A481-816E23593E32}"/>
           </ac:spMkLst>
         </pc:spChg>
       </pc:sldChg>
@@ -2364,6 +891,1083 @@
     </pc:docChg>
   </pc:docChgLst>
   <pc:docChgLst>
+    <pc:chgData name="Zhao Jin" userId="cd05a825-544c-438a-9ba1-08e63db50b47" providerId="ADAL" clId="{4396834B-C94C-4A03-BF7D-9E9F456CFBC2}"/>
+    <pc:docChg chg="modSld">
+      <pc:chgData name="Zhao Jin" userId="cd05a825-544c-438a-9ba1-08e63db50b47" providerId="ADAL" clId="{4396834B-C94C-4A03-BF7D-9E9F456CFBC2}" dt="2021-03-10T03:38:09.139" v="2"/>
+      <pc:docMkLst>
+        <pc:docMk/>
+      </pc:docMkLst>
+      <pc:sldChg chg="modSp mod">
+        <pc:chgData name="Zhao Jin" userId="cd05a825-544c-438a-9ba1-08e63db50b47" providerId="ADAL" clId="{4396834B-C94C-4A03-BF7D-9E9F456CFBC2}" dt="2021-03-10T03:38:01.813" v="1" actId="20577"/>
+        <pc:sldMkLst>
+          <pc:docMk/>
+          <pc:sldMk cId="0" sldId="256"/>
+        </pc:sldMkLst>
+        <pc:spChg chg="mod">
+          <ac:chgData name="Zhao Jin" userId="cd05a825-544c-438a-9ba1-08e63db50b47" providerId="ADAL" clId="{4396834B-C94C-4A03-BF7D-9E9F456CFBC2}" dt="2021-03-10T03:38:01.813" v="1" actId="20577"/>
+          <ac:spMkLst>
+            <pc:docMk/>
+            <pc:sldMk cId="0" sldId="256"/>
+            <ac:spMk id="8" creationId="{00000000-0000-0000-0000-000000000000}"/>
+          </ac:spMkLst>
+        </pc:spChg>
+      </pc:sldChg>
+      <pc:sldChg chg="modSp">
+        <pc:chgData name="Zhao Jin" userId="cd05a825-544c-438a-9ba1-08e63db50b47" providerId="ADAL" clId="{4396834B-C94C-4A03-BF7D-9E9F456CFBC2}" dt="2021-03-10T03:38:09.139" v="2"/>
+        <pc:sldMkLst>
+          <pc:docMk/>
+          <pc:sldMk cId="4078418712" sldId="525"/>
+        </pc:sldMkLst>
+        <pc:spChg chg="mod">
+          <ac:chgData name="Zhao Jin" userId="cd05a825-544c-438a-9ba1-08e63db50b47" providerId="ADAL" clId="{4396834B-C94C-4A03-BF7D-9E9F456CFBC2}" dt="2021-03-10T03:38:09.139" v="2"/>
+          <ac:spMkLst>
+            <pc:docMk/>
+            <pc:sldMk cId="4078418712" sldId="525"/>
+            <ac:spMk id="43" creationId="{00000000-0000-0000-0000-000000000000}"/>
+          </ac:spMkLst>
+        </pc:spChg>
+      </pc:sldChg>
+      <pc:sldChg chg="modSp">
+        <pc:chgData name="Zhao Jin" userId="cd05a825-544c-438a-9ba1-08e63db50b47" providerId="ADAL" clId="{4396834B-C94C-4A03-BF7D-9E9F456CFBC2}" dt="2021-03-10T03:38:09.139" v="2"/>
+        <pc:sldMkLst>
+          <pc:docMk/>
+          <pc:sldMk cId="1427618944" sldId="553"/>
+        </pc:sldMkLst>
+        <pc:spChg chg="mod">
+          <ac:chgData name="Zhao Jin" userId="cd05a825-544c-438a-9ba1-08e63db50b47" providerId="ADAL" clId="{4396834B-C94C-4A03-BF7D-9E9F456CFBC2}" dt="2021-03-10T03:38:09.139" v="2"/>
+          <ac:spMkLst>
+            <pc:docMk/>
+            <pc:sldMk cId="1427618944" sldId="553"/>
+            <ac:spMk id="7" creationId="{00000000-0000-0000-0000-000000000000}"/>
+          </ac:spMkLst>
+        </pc:spChg>
+      </pc:sldChg>
+      <pc:sldChg chg="modSp">
+        <pc:chgData name="Zhao Jin" userId="cd05a825-544c-438a-9ba1-08e63db50b47" providerId="ADAL" clId="{4396834B-C94C-4A03-BF7D-9E9F456CFBC2}" dt="2021-03-10T03:38:09.139" v="2"/>
+        <pc:sldMkLst>
+          <pc:docMk/>
+          <pc:sldMk cId="1542002799" sldId="602"/>
+        </pc:sldMkLst>
+        <pc:spChg chg="mod">
+          <ac:chgData name="Zhao Jin" userId="cd05a825-544c-438a-9ba1-08e63db50b47" providerId="ADAL" clId="{4396834B-C94C-4A03-BF7D-9E9F456CFBC2}" dt="2021-03-10T03:38:09.139" v="2"/>
+          <ac:spMkLst>
+            <pc:docMk/>
+            <pc:sldMk cId="1542002799" sldId="602"/>
+            <ac:spMk id="7" creationId="{00000000-0000-0000-0000-000000000000}"/>
+          </ac:spMkLst>
+        </pc:spChg>
+      </pc:sldChg>
+      <pc:sldChg chg="modSp">
+        <pc:chgData name="Zhao Jin" userId="cd05a825-544c-438a-9ba1-08e63db50b47" providerId="ADAL" clId="{4396834B-C94C-4A03-BF7D-9E9F456CFBC2}" dt="2021-03-10T03:38:09.139" v="2"/>
+        <pc:sldMkLst>
+          <pc:docMk/>
+          <pc:sldMk cId="2489370454" sldId="605"/>
+        </pc:sldMkLst>
+        <pc:spChg chg="mod">
+          <ac:chgData name="Zhao Jin" userId="cd05a825-544c-438a-9ba1-08e63db50b47" providerId="ADAL" clId="{4396834B-C94C-4A03-BF7D-9E9F456CFBC2}" dt="2021-03-10T03:38:09.139" v="2"/>
+          <ac:spMkLst>
+            <pc:docMk/>
+            <pc:sldMk cId="2489370454" sldId="605"/>
+            <ac:spMk id="7" creationId="{00000000-0000-0000-0000-000000000000}"/>
+          </ac:spMkLst>
+        </pc:spChg>
+      </pc:sldChg>
+      <pc:sldChg chg="modSp">
+        <pc:chgData name="Zhao Jin" userId="cd05a825-544c-438a-9ba1-08e63db50b47" providerId="ADAL" clId="{4396834B-C94C-4A03-BF7D-9E9F456CFBC2}" dt="2021-03-10T03:38:09.139" v="2"/>
+        <pc:sldMkLst>
+          <pc:docMk/>
+          <pc:sldMk cId="640598186" sldId="606"/>
+        </pc:sldMkLst>
+        <pc:spChg chg="mod">
+          <ac:chgData name="Zhao Jin" userId="cd05a825-544c-438a-9ba1-08e63db50b47" providerId="ADAL" clId="{4396834B-C94C-4A03-BF7D-9E9F456CFBC2}" dt="2021-03-10T03:38:09.139" v="2"/>
+          <ac:spMkLst>
+            <pc:docMk/>
+            <pc:sldMk cId="640598186" sldId="606"/>
+            <ac:spMk id="7" creationId="{00000000-0000-0000-0000-000000000000}"/>
+          </ac:spMkLst>
+        </pc:spChg>
+      </pc:sldChg>
+      <pc:sldChg chg="modSp">
+        <pc:chgData name="Zhao Jin" userId="cd05a825-544c-438a-9ba1-08e63db50b47" providerId="ADAL" clId="{4396834B-C94C-4A03-BF7D-9E9F456CFBC2}" dt="2021-03-10T03:38:09.139" v="2"/>
+        <pc:sldMkLst>
+          <pc:docMk/>
+          <pc:sldMk cId="282410985" sldId="620"/>
+        </pc:sldMkLst>
+        <pc:spChg chg="mod">
+          <ac:chgData name="Zhao Jin" userId="cd05a825-544c-438a-9ba1-08e63db50b47" providerId="ADAL" clId="{4396834B-C94C-4A03-BF7D-9E9F456CFBC2}" dt="2021-03-10T03:38:09.139" v="2"/>
+          <ac:spMkLst>
+            <pc:docMk/>
+            <pc:sldMk cId="282410985" sldId="620"/>
+            <ac:spMk id="7" creationId="{00000000-0000-0000-0000-000000000000}"/>
+          </ac:spMkLst>
+        </pc:spChg>
+      </pc:sldChg>
+      <pc:sldChg chg="modSp">
+        <pc:chgData name="Zhao Jin" userId="cd05a825-544c-438a-9ba1-08e63db50b47" providerId="ADAL" clId="{4396834B-C94C-4A03-BF7D-9E9F456CFBC2}" dt="2021-03-10T03:38:09.139" v="2"/>
+        <pc:sldMkLst>
+          <pc:docMk/>
+          <pc:sldMk cId="3503582036" sldId="622"/>
+        </pc:sldMkLst>
+        <pc:spChg chg="mod">
+          <ac:chgData name="Zhao Jin" userId="cd05a825-544c-438a-9ba1-08e63db50b47" providerId="ADAL" clId="{4396834B-C94C-4A03-BF7D-9E9F456CFBC2}" dt="2021-03-10T03:38:09.139" v="2"/>
+          <ac:spMkLst>
+            <pc:docMk/>
+            <pc:sldMk cId="3503582036" sldId="622"/>
+            <ac:spMk id="7" creationId="{00000000-0000-0000-0000-000000000000}"/>
+          </ac:spMkLst>
+        </pc:spChg>
+      </pc:sldChg>
+      <pc:sldChg chg="modSp">
+        <pc:chgData name="Zhao Jin" userId="cd05a825-544c-438a-9ba1-08e63db50b47" providerId="ADAL" clId="{4396834B-C94C-4A03-BF7D-9E9F456CFBC2}" dt="2021-03-10T03:38:09.139" v="2"/>
+        <pc:sldMkLst>
+          <pc:docMk/>
+          <pc:sldMk cId="1258830549" sldId="635"/>
+        </pc:sldMkLst>
+        <pc:spChg chg="mod">
+          <ac:chgData name="Zhao Jin" userId="cd05a825-544c-438a-9ba1-08e63db50b47" providerId="ADAL" clId="{4396834B-C94C-4A03-BF7D-9E9F456CFBC2}" dt="2021-03-10T03:38:09.139" v="2"/>
+          <ac:spMkLst>
+            <pc:docMk/>
+            <pc:sldMk cId="1258830549" sldId="635"/>
+            <ac:spMk id="7" creationId="{00000000-0000-0000-0000-000000000000}"/>
+          </ac:spMkLst>
+        </pc:spChg>
+      </pc:sldChg>
+      <pc:sldChg chg="modSp">
+        <pc:chgData name="Zhao Jin" userId="cd05a825-544c-438a-9ba1-08e63db50b47" providerId="ADAL" clId="{4396834B-C94C-4A03-BF7D-9E9F456CFBC2}" dt="2021-03-10T03:38:09.139" v="2"/>
+        <pc:sldMkLst>
+          <pc:docMk/>
+          <pc:sldMk cId="1235845528" sldId="637"/>
+        </pc:sldMkLst>
+        <pc:spChg chg="mod">
+          <ac:chgData name="Zhao Jin" userId="cd05a825-544c-438a-9ba1-08e63db50b47" providerId="ADAL" clId="{4396834B-C94C-4A03-BF7D-9E9F456CFBC2}" dt="2021-03-10T03:38:09.139" v="2"/>
+          <ac:spMkLst>
+            <pc:docMk/>
+            <pc:sldMk cId="1235845528" sldId="637"/>
+            <ac:spMk id="7" creationId="{00000000-0000-0000-0000-000000000000}"/>
+          </ac:spMkLst>
+        </pc:spChg>
+      </pc:sldChg>
+      <pc:sldChg chg="modSp">
+        <pc:chgData name="Zhao Jin" userId="cd05a825-544c-438a-9ba1-08e63db50b47" providerId="ADAL" clId="{4396834B-C94C-4A03-BF7D-9E9F456CFBC2}" dt="2021-03-10T03:38:09.139" v="2"/>
+        <pc:sldMkLst>
+          <pc:docMk/>
+          <pc:sldMk cId="3042096305" sldId="638"/>
+        </pc:sldMkLst>
+        <pc:spChg chg="mod">
+          <ac:chgData name="Zhao Jin" userId="cd05a825-544c-438a-9ba1-08e63db50b47" providerId="ADAL" clId="{4396834B-C94C-4A03-BF7D-9E9F456CFBC2}" dt="2021-03-10T03:38:09.139" v="2"/>
+          <ac:spMkLst>
+            <pc:docMk/>
+            <pc:sldMk cId="3042096305" sldId="638"/>
+            <ac:spMk id="7" creationId="{00000000-0000-0000-0000-000000000000}"/>
+          </ac:spMkLst>
+        </pc:spChg>
+      </pc:sldChg>
+    </pc:docChg>
+  </pc:docChgLst>
+  <pc:docChgLst>
+    <pc:chgData name="Zhao Jin" userId="cd05a825-544c-438a-9ba1-08e63db50b47" providerId="ADAL" clId="{FB8F02A0-9B99-4C9E-A1D1-3BF41D9621D7}"/>
+    <pc:docChg chg="undo custSel addSld delSld modSld sldOrd">
+      <pc:chgData name="Zhao Jin" userId="cd05a825-544c-438a-9ba1-08e63db50b47" providerId="ADAL" clId="{FB8F02A0-9B99-4C9E-A1D1-3BF41D9621D7}" dt="2021-02-08T02:21:29.074" v="2208" actId="20577"/>
+      <pc:docMkLst>
+        <pc:docMk/>
+      </pc:docMkLst>
+      <pc:sldChg chg="modSp">
+        <pc:chgData name="Zhao Jin" userId="cd05a825-544c-438a-9ba1-08e63db50b47" providerId="ADAL" clId="{FB8F02A0-9B99-4C9E-A1D1-3BF41D9621D7}" dt="2021-02-03T06:53:35.324" v="0"/>
+        <pc:sldMkLst>
+          <pc:docMk/>
+          <pc:sldMk cId="0" sldId="256"/>
+        </pc:sldMkLst>
+        <pc:spChg chg="mod">
+          <ac:chgData name="Zhao Jin" userId="cd05a825-544c-438a-9ba1-08e63db50b47" providerId="ADAL" clId="{FB8F02A0-9B99-4C9E-A1D1-3BF41D9621D7}" dt="2021-02-03T06:53:35.324" v="0"/>
+          <ac:spMkLst>
+            <pc:docMk/>
+            <pc:sldMk cId="0" sldId="256"/>
+            <ac:spMk id="8" creationId="{00000000-0000-0000-0000-000000000000}"/>
+          </ac:spMkLst>
+        </pc:spChg>
+      </pc:sldChg>
+      <pc:sldChg chg="modSp del">
+        <pc:chgData name="Zhao Jin" userId="cd05a825-544c-438a-9ba1-08e63db50b47" providerId="ADAL" clId="{FB8F02A0-9B99-4C9E-A1D1-3BF41D9621D7}" dt="2021-02-03T07:15:04.758" v="547" actId="47"/>
+        <pc:sldMkLst>
+          <pc:docMk/>
+          <pc:sldMk cId="1492339910" sldId="485"/>
+        </pc:sldMkLst>
+        <pc:spChg chg="mod">
+          <ac:chgData name="Zhao Jin" userId="cd05a825-544c-438a-9ba1-08e63db50b47" providerId="ADAL" clId="{FB8F02A0-9B99-4C9E-A1D1-3BF41D9621D7}" dt="2021-02-03T06:53:44.883" v="1"/>
+          <ac:spMkLst>
+            <pc:docMk/>
+            <pc:sldMk cId="1492339910" sldId="485"/>
+            <ac:spMk id="9" creationId="{00000000-0000-0000-0000-000000000000}"/>
+          </ac:spMkLst>
+        </pc:spChg>
+      </pc:sldChg>
+      <pc:sldChg chg="addSp modSp add del mod">
+        <pc:chgData name="Zhao Jin" userId="cd05a825-544c-438a-9ba1-08e63db50b47" providerId="ADAL" clId="{FB8F02A0-9B99-4C9E-A1D1-3BF41D9621D7}" dt="2021-02-03T07:45:22.990" v="2123" actId="20577"/>
+        <pc:sldMkLst>
+          <pc:docMk/>
+          <pc:sldMk cId="2775173622" sldId="524"/>
+        </pc:sldMkLst>
+        <pc:spChg chg="mod">
+          <ac:chgData name="Zhao Jin" userId="cd05a825-544c-438a-9ba1-08e63db50b47" providerId="ADAL" clId="{FB8F02A0-9B99-4C9E-A1D1-3BF41D9621D7}" dt="2021-02-03T07:45:22.990" v="2123" actId="20577"/>
+          <ac:spMkLst>
+            <pc:docMk/>
+            <pc:sldMk cId="2775173622" sldId="524"/>
+            <ac:spMk id="9" creationId="{00000000-0000-0000-0000-000000000000}"/>
+          </ac:spMkLst>
+        </pc:spChg>
+        <pc:spChg chg="mod">
+          <ac:chgData name="Zhao Jin" userId="cd05a825-544c-438a-9ba1-08e63db50b47" providerId="ADAL" clId="{FB8F02A0-9B99-4C9E-A1D1-3BF41D9621D7}" dt="2021-02-03T07:33:45.435" v="1346" actId="5793"/>
+          <ac:spMkLst>
+            <pc:docMk/>
+            <pc:sldMk cId="2775173622" sldId="524"/>
+            <ac:spMk id="15" creationId="{00000000-0000-0000-0000-000000000000}"/>
+          </ac:spMkLst>
+        </pc:spChg>
+        <pc:graphicFrameChg chg="mod">
+          <ac:chgData name="Zhao Jin" userId="cd05a825-544c-438a-9ba1-08e63db50b47" providerId="ADAL" clId="{FB8F02A0-9B99-4C9E-A1D1-3BF41D9621D7}" dt="2021-02-03T07:33:48.878" v="1369" actId="1035"/>
+          <ac:graphicFrameMkLst>
+            <pc:docMk/>
+            <pc:sldMk cId="2775173622" sldId="524"/>
+            <ac:graphicFrameMk id="5" creationId="{9E742EBA-8F43-4310-AD68-B4660B9ECF59}"/>
+          </ac:graphicFrameMkLst>
+        </pc:graphicFrameChg>
+        <pc:graphicFrameChg chg="add mod modGraphic">
+          <ac:chgData name="Zhao Jin" userId="cd05a825-544c-438a-9ba1-08e63db50b47" providerId="ADAL" clId="{FB8F02A0-9B99-4C9E-A1D1-3BF41D9621D7}" dt="2021-02-03T07:40:44.294" v="1858" actId="1076"/>
+          <ac:graphicFrameMkLst>
+            <pc:docMk/>
+            <pc:sldMk cId="2775173622" sldId="524"/>
+            <ac:graphicFrameMk id="7" creationId="{1DC5F05D-202E-4474-8067-C5632E06F885}"/>
+          </ac:graphicFrameMkLst>
+        </pc:graphicFrameChg>
+      </pc:sldChg>
+      <pc:sldChg chg="modSp mod">
+        <pc:chgData name="Zhao Jin" userId="cd05a825-544c-438a-9ba1-08e63db50b47" providerId="ADAL" clId="{FB8F02A0-9B99-4C9E-A1D1-3BF41D9621D7}" dt="2021-02-03T09:16:16.308" v="2184" actId="20577"/>
+        <pc:sldMkLst>
+          <pc:docMk/>
+          <pc:sldMk cId="4078418712" sldId="525"/>
+        </pc:sldMkLst>
+        <pc:spChg chg="mod">
+          <ac:chgData name="Zhao Jin" userId="cd05a825-544c-438a-9ba1-08e63db50b47" providerId="ADAL" clId="{FB8F02A0-9B99-4C9E-A1D1-3BF41D9621D7}" dt="2021-02-03T09:16:16.308" v="2184" actId="20577"/>
+          <ac:spMkLst>
+            <pc:docMk/>
+            <pc:sldMk cId="4078418712" sldId="525"/>
+            <ac:spMk id="8" creationId="{00000000-0000-0000-0000-000000000000}"/>
+          </ac:spMkLst>
+        </pc:spChg>
+        <pc:spChg chg="mod">
+          <ac:chgData name="Zhao Jin" userId="cd05a825-544c-438a-9ba1-08e63db50b47" providerId="ADAL" clId="{FB8F02A0-9B99-4C9E-A1D1-3BF41D9621D7}" dt="2021-02-03T06:53:44.883" v="1"/>
+          <ac:spMkLst>
+            <pc:docMk/>
+            <pc:sldMk cId="4078418712" sldId="525"/>
+            <ac:spMk id="43" creationId="{00000000-0000-0000-0000-000000000000}"/>
+          </ac:spMkLst>
+        </pc:spChg>
+      </pc:sldChg>
+      <pc:sldChg chg="modSp del">
+        <pc:chgData name="Zhao Jin" userId="cd05a825-544c-438a-9ba1-08e63db50b47" providerId="ADAL" clId="{FB8F02A0-9B99-4C9E-A1D1-3BF41D9621D7}" dt="2021-02-03T07:02:36.712" v="7" actId="47"/>
+        <pc:sldMkLst>
+          <pc:docMk/>
+          <pc:sldMk cId="3949125736" sldId="548"/>
+        </pc:sldMkLst>
+        <pc:spChg chg="mod">
+          <ac:chgData name="Zhao Jin" userId="cd05a825-544c-438a-9ba1-08e63db50b47" providerId="ADAL" clId="{FB8F02A0-9B99-4C9E-A1D1-3BF41D9621D7}" dt="2021-02-03T06:53:44.883" v="1"/>
+          <ac:spMkLst>
+            <pc:docMk/>
+            <pc:sldMk cId="3949125736" sldId="548"/>
+            <ac:spMk id="7" creationId="{00000000-0000-0000-0000-000000000000}"/>
+          </ac:spMkLst>
+        </pc:spChg>
+      </pc:sldChg>
+      <pc:sldChg chg="modSp del">
+        <pc:chgData name="Zhao Jin" userId="cd05a825-544c-438a-9ba1-08e63db50b47" providerId="ADAL" clId="{FB8F02A0-9B99-4C9E-A1D1-3BF41D9621D7}" dt="2021-02-03T07:02:36.889" v="8" actId="47"/>
+        <pc:sldMkLst>
+          <pc:docMk/>
+          <pc:sldMk cId="2939077141" sldId="549"/>
+        </pc:sldMkLst>
+        <pc:spChg chg="mod">
+          <ac:chgData name="Zhao Jin" userId="cd05a825-544c-438a-9ba1-08e63db50b47" providerId="ADAL" clId="{FB8F02A0-9B99-4C9E-A1D1-3BF41D9621D7}" dt="2021-02-03T06:53:44.883" v="1"/>
+          <ac:spMkLst>
+            <pc:docMk/>
+            <pc:sldMk cId="2939077141" sldId="549"/>
+            <ac:spMk id="7" creationId="{00000000-0000-0000-0000-000000000000}"/>
+          </ac:spMkLst>
+        </pc:spChg>
+      </pc:sldChg>
+      <pc:sldChg chg="add del">
+        <pc:chgData name="Zhao Jin" userId="cd05a825-544c-438a-9ba1-08e63db50b47" providerId="ADAL" clId="{FB8F02A0-9B99-4C9E-A1D1-3BF41D9621D7}" dt="2021-02-03T07:07:45.930" v="221" actId="47"/>
+        <pc:sldMkLst>
+          <pc:docMk/>
+          <pc:sldMk cId="1352675019" sldId="551"/>
+        </pc:sldMkLst>
+      </pc:sldChg>
+      <pc:sldChg chg="addSp delSp modSp add mod">
+        <pc:chgData name="Zhao Jin" userId="cd05a825-544c-438a-9ba1-08e63db50b47" providerId="ADAL" clId="{FB8F02A0-9B99-4C9E-A1D1-3BF41D9621D7}" dt="2021-02-03T07:41:34.595" v="1864" actId="20578"/>
+        <pc:sldMkLst>
+          <pc:docMk/>
+          <pc:sldMk cId="2882118053" sldId="552"/>
+        </pc:sldMkLst>
+        <pc:spChg chg="mod">
+          <ac:chgData name="Zhao Jin" userId="cd05a825-544c-438a-9ba1-08e63db50b47" providerId="ADAL" clId="{FB8F02A0-9B99-4C9E-A1D1-3BF41D9621D7}" dt="2021-02-03T07:20:27.068" v="933"/>
+          <ac:spMkLst>
+            <pc:docMk/>
+            <pc:sldMk cId="2882118053" sldId="552"/>
+            <ac:spMk id="7" creationId="{00000000-0000-0000-0000-000000000000}"/>
+          </ac:spMkLst>
+        </pc:spChg>
+        <pc:spChg chg="del">
+          <ac:chgData name="Zhao Jin" userId="cd05a825-544c-438a-9ba1-08e63db50b47" providerId="ADAL" clId="{FB8F02A0-9B99-4C9E-A1D1-3BF41D9621D7}" dt="2021-02-03T07:09:30.600" v="244" actId="478"/>
+          <ac:spMkLst>
+            <pc:docMk/>
+            <pc:sldMk cId="2882118053" sldId="552"/>
+            <ac:spMk id="8" creationId="{2E1C1BF2-C4FF-4BFC-994A-888F6115928D}"/>
+          </ac:spMkLst>
+        </pc:spChg>
+        <pc:spChg chg="add del mod">
+          <ac:chgData name="Zhao Jin" userId="cd05a825-544c-438a-9ba1-08e63db50b47" providerId="ADAL" clId="{FB8F02A0-9B99-4C9E-A1D1-3BF41D9621D7}" dt="2021-02-03T07:11:53.207" v="461" actId="478"/>
+          <ac:spMkLst>
+            <pc:docMk/>
+            <pc:sldMk cId="2882118053" sldId="552"/>
+            <ac:spMk id="9" creationId="{35649340-5AB4-4CED-B84B-66D13E8E2455}"/>
+          </ac:spMkLst>
+        </pc:spChg>
+        <pc:spChg chg="mod">
+          <ac:chgData name="Zhao Jin" userId="cd05a825-544c-438a-9ba1-08e63db50b47" providerId="ADAL" clId="{FB8F02A0-9B99-4C9E-A1D1-3BF41D9621D7}" dt="2021-02-03T07:41:34.595" v="1864" actId="20578"/>
+          <ac:spMkLst>
+            <pc:docMk/>
+            <pc:sldMk cId="2882118053" sldId="552"/>
+            <ac:spMk id="10" creationId="{00000000-0000-0000-0000-000000000000}"/>
+          </ac:spMkLst>
+        </pc:spChg>
+        <pc:spChg chg="mod">
+          <ac:chgData name="Zhao Jin" userId="cd05a825-544c-438a-9ba1-08e63db50b47" providerId="ADAL" clId="{FB8F02A0-9B99-4C9E-A1D1-3BF41D9621D7}" dt="2021-02-03T07:12:55.107" v="512" actId="1035"/>
+          <ac:spMkLst>
+            <pc:docMk/>
+            <pc:sldMk cId="2882118053" sldId="552"/>
+            <ac:spMk id="49" creationId="{00000000-0000-0000-0000-000000000000}"/>
+          </ac:spMkLst>
+        </pc:spChg>
+      </pc:sldChg>
+      <pc:sldChg chg="modSp add mod">
+        <pc:chgData name="Zhao Jin" userId="cd05a825-544c-438a-9ba1-08e63db50b47" providerId="ADAL" clId="{FB8F02A0-9B99-4C9E-A1D1-3BF41D9621D7}" dt="2021-02-03T07:20:30.275" v="935"/>
+        <pc:sldMkLst>
+          <pc:docMk/>
+          <pc:sldMk cId="2082920116" sldId="553"/>
+        </pc:sldMkLst>
+        <pc:spChg chg="mod">
+          <ac:chgData name="Zhao Jin" userId="cd05a825-544c-438a-9ba1-08e63db50b47" providerId="ADAL" clId="{FB8F02A0-9B99-4C9E-A1D1-3BF41D9621D7}" dt="2021-02-03T07:20:30.275" v="935"/>
+          <ac:spMkLst>
+            <pc:docMk/>
+            <pc:sldMk cId="2082920116" sldId="553"/>
+            <ac:spMk id="7" creationId="{00000000-0000-0000-0000-000000000000}"/>
+          </ac:spMkLst>
+        </pc:spChg>
+      </pc:sldChg>
+      <pc:sldChg chg="addSp delSp modSp add mod modAnim">
+        <pc:chgData name="Zhao Jin" userId="cd05a825-544c-438a-9ba1-08e63db50b47" providerId="ADAL" clId="{FB8F02A0-9B99-4C9E-A1D1-3BF41D9621D7}" dt="2021-02-03T07:42:15.454" v="1867" actId="20577"/>
+        <pc:sldMkLst>
+          <pc:docMk/>
+          <pc:sldMk cId="1659983766" sldId="554"/>
+        </pc:sldMkLst>
+        <pc:spChg chg="add del mod">
+          <ac:chgData name="Zhao Jin" userId="cd05a825-544c-438a-9ba1-08e63db50b47" providerId="ADAL" clId="{FB8F02A0-9B99-4C9E-A1D1-3BF41D9621D7}" dt="2021-02-03T07:29:17.949" v="950" actId="478"/>
+          <ac:spMkLst>
+            <pc:docMk/>
+            <pc:sldMk cId="1659983766" sldId="554"/>
+            <ac:spMk id="3" creationId="{22FB21F0-0206-4164-A081-5ED30358D09D}"/>
+          </ac:spMkLst>
+        </pc:spChg>
+        <pc:spChg chg="mod">
+          <ac:chgData name="Zhao Jin" userId="cd05a825-544c-438a-9ba1-08e63db50b47" providerId="ADAL" clId="{FB8F02A0-9B99-4C9E-A1D1-3BF41D9621D7}" dt="2021-02-03T07:20:18.467" v="929"/>
+          <ac:spMkLst>
+            <pc:docMk/>
+            <pc:sldMk cId="1659983766" sldId="554"/>
+            <ac:spMk id="7" creationId="{00000000-0000-0000-0000-000000000000}"/>
+          </ac:spMkLst>
+        </pc:spChg>
+        <pc:spChg chg="del">
+          <ac:chgData name="Zhao Jin" userId="cd05a825-544c-438a-9ba1-08e63db50b47" providerId="ADAL" clId="{FB8F02A0-9B99-4C9E-A1D1-3BF41D9621D7}" dt="2021-02-03T07:29:15.261" v="948" actId="478"/>
+          <ac:spMkLst>
+            <pc:docMk/>
+            <pc:sldMk cId="1659983766" sldId="554"/>
+            <ac:spMk id="16" creationId="{00000000-0000-0000-0000-000000000000}"/>
+          </ac:spMkLst>
+        </pc:spChg>
+        <pc:spChg chg="add mod">
+          <ac:chgData name="Zhao Jin" userId="cd05a825-544c-438a-9ba1-08e63db50b47" providerId="ADAL" clId="{FB8F02A0-9B99-4C9E-A1D1-3BF41D9621D7}" dt="2021-02-03T07:29:42.701" v="1050" actId="1076"/>
+          <ac:spMkLst>
+            <pc:docMk/>
+            <pc:sldMk cId="1659983766" sldId="554"/>
+            <ac:spMk id="27" creationId="{92A14019-DDA0-4208-9F61-99DDC433B2BD}"/>
+          </ac:spMkLst>
+        </pc:spChg>
+        <pc:spChg chg="mod">
+          <ac:chgData name="Zhao Jin" userId="cd05a825-544c-438a-9ba1-08e63db50b47" providerId="ADAL" clId="{FB8F02A0-9B99-4C9E-A1D1-3BF41D9621D7}" dt="2021-02-03T07:29:26.811" v="998"/>
+          <ac:spMkLst>
+            <pc:docMk/>
+            <pc:sldMk cId="1659983766" sldId="554"/>
+            <ac:spMk id="29" creationId="{FC4C5933-B2F5-4C60-95B2-096787D10035}"/>
+          </ac:spMkLst>
+        </pc:spChg>
+        <pc:spChg chg="mod">
+          <ac:chgData name="Zhao Jin" userId="cd05a825-544c-438a-9ba1-08e63db50b47" providerId="ADAL" clId="{FB8F02A0-9B99-4C9E-A1D1-3BF41D9621D7}" dt="2021-02-03T07:29:26.811" v="998"/>
+          <ac:spMkLst>
+            <pc:docMk/>
+            <pc:sldMk cId="1659983766" sldId="554"/>
+            <ac:spMk id="48" creationId="{71808A35-3B52-4E71-8D1F-613837507E94}"/>
+          </ac:spMkLst>
+        </pc:spChg>
+        <pc:spChg chg="mod">
+          <ac:chgData name="Zhao Jin" userId="cd05a825-544c-438a-9ba1-08e63db50b47" providerId="ADAL" clId="{FB8F02A0-9B99-4C9E-A1D1-3BF41D9621D7}" dt="2021-02-03T07:30:10.231" v="1094" actId="6549"/>
+          <ac:spMkLst>
+            <pc:docMk/>
+            <pc:sldMk cId="1659983766" sldId="554"/>
+            <ac:spMk id="49" creationId="{21EEE82A-4DB6-1D4F-9A03-5951F440FE93}"/>
+          </ac:spMkLst>
+        </pc:spChg>
+        <pc:spChg chg="del">
+          <ac:chgData name="Zhao Jin" userId="cd05a825-544c-438a-9ba1-08e63db50b47" providerId="ADAL" clId="{FB8F02A0-9B99-4C9E-A1D1-3BF41D9621D7}" dt="2021-02-03T07:29:16.423" v="949" actId="478"/>
+          <ac:spMkLst>
+            <pc:docMk/>
+            <pc:sldMk cId="1659983766" sldId="554"/>
+            <ac:spMk id="50" creationId="{6A68E681-1A88-9040-8F49-07716663CAA5}"/>
+          </ac:spMkLst>
+        </pc:spChg>
+        <pc:spChg chg="mod">
+          <ac:chgData name="Zhao Jin" userId="cd05a825-544c-438a-9ba1-08e63db50b47" providerId="ADAL" clId="{FB8F02A0-9B99-4C9E-A1D1-3BF41D9621D7}" dt="2021-02-03T07:29:26.811" v="998"/>
+          <ac:spMkLst>
+            <pc:docMk/>
+            <pc:sldMk cId="1659983766" sldId="554"/>
+            <ac:spMk id="53" creationId="{9CE4D09C-17E4-46E9-BDB3-75869D51106A}"/>
+          </ac:spMkLst>
+        </pc:spChg>
+        <pc:spChg chg="mod">
+          <ac:chgData name="Zhao Jin" userId="cd05a825-544c-438a-9ba1-08e63db50b47" providerId="ADAL" clId="{FB8F02A0-9B99-4C9E-A1D1-3BF41D9621D7}" dt="2021-02-03T07:29:26.811" v="998"/>
+          <ac:spMkLst>
+            <pc:docMk/>
+            <pc:sldMk cId="1659983766" sldId="554"/>
+            <ac:spMk id="54" creationId="{660FC6E4-3A42-4DD0-B2D9-CE278C7F1A0D}"/>
+          </ac:spMkLst>
+        </pc:spChg>
+        <pc:spChg chg="mod">
+          <ac:chgData name="Zhao Jin" userId="cd05a825-544c-438a-9ba1-08e63db50b47" providerId="ADAL" clId="{FB8F02A0-9B99-4C9E-A1D1-3BF41D9621D7}" dt="2021-02-03T07:29:26.811" v="998"/>
+          <ac:spMkLst>
+            <pc:docMk/>
+            <pc:sldMk cId="1659983766" sldId="554"/>
+            <ac:spMk id="55" creationId="{6AD50E3B-D58F-4706-8F12-825A6AA8A1D4}"/>
+          </ac:spMkLst>
+        </pc:spChg>
+        <pc:spChg chg="mod">
+          <ac:chgData name="Zhao Jin" userId="cd05a825-544c-438a-9ba1-08e63db50b47" providerId="ADAL" clId="{FB8F02A0-9B99-4C9E-A1D1-3BF41D9621D7}" dt="2021-02-03T07:42:15.454" v="1867" actId="20577"/>
+          <ac:spMkLst>
+            <pc:docMk/>
+            <pc:sldMk cId="1659983766" sldId="554"/>
+            <ac:spMk id="14338" creationId="{00000000-0000-0000-0000-000000000000}"/>
+          </ac:spMkLst>
+        </pc:spChg>
+        <pc:grpChg chg="add mod">
+          <ac:chgData name="Zhao Jin" userId="cd05a825-544c-438a-9ba1-08e63db50b47" providerId="ADAL" clId="{FB8F02A0-9B99-4C9E-A1D1-3BF41D9621D7}" dt="2021-02-03T07:29:46.358" v="1075" actId="1035"/>
+          <ac:grpSpMkLst>
+            <pc:docMk/>
+            <pc:sldMk cId="1659983766" sldId="554"/>
+            <ac:grpSpMk id="28" creationId="{6DC58495-9276-4141-8C72-3141FAA48D65}"/>
+          </ac:grpSpMkLst>
+        </pc:grpChg>
+        <pc:grpChg chg="mod">
+          <ac:chgData name="Zhao Jin" userId="cd05a825-544c-438a-9ba1-08e63db50b47" providerId="ADAL" clId="{FB8F02A0-9B99-4C9E-A1D1-3BF41D9621D7}" dt="2021-02-03T07:29:21.870" v="996" actId="1036"/>
+          <ac:grpSpMkLst>
+            <pc:docMk/>
+            <pc:sldMk cId="1659983766" sldId="554"/>
+            <ac:grpSpMk id="31" creationId="{00000000-0000-0000-0000-000000000000}"/>
+          </ac:grpSpMkLst>
+        </pc:grpChg>
+        <pc:cxnChg chg="mod">
+          <ac:chgData name="Zhao Jin" userId="cd05a825-544c-438a-9ba1-08e63db50b47" providerId="ADAL" clId="{FB8F02A0-9B99-4C9E-A1D1-3BF41D9621D7}" dt="2021-02-03T07:29:26.811" v="998"/>
+          <ac:cxnSpMkLst>
+            <pc:docMk/>
+            <pc:sldMk cId="1659983766" sldId="554"/>
+            <ac:cxnSpMk id="30" creationId="{78DAB3B7-A5FF-40F9-AFF0-BE4F192AA497}"/>
+          </ac:cxnSpMkLst>
+        </pc:cxnChg>
+        <pc:cxnChg chg="mod">
+          <ac:chgData name="Zhao Jin" userId="cd05a825-544c-438a-9ba1-08e63db50b47" providerId="ADAL" clId="{FB8F02A0-9B99-4C9E-A1D1-3BF41D9621D7}" dt="2021-02-03T07:29:26.811" v="998"/>
+          <ac:cxnSpMkLst>
+            <pc:docMk/>
+            <pc:sldMk cId="1659983766" sldId="554"/>
+            <ac:cxnSpMk id="51" creationId="{354B2C0D-F342-411F-ABB8-9EC0422203C0}"/>
+          </ac:cxnSpMkLst>
+        </pc:cxnChg>
+        <pc:cxnChg chg="mod">
+          <ac:chgData name="Zhao Jin" userId="cd05a825-544c-438a-9ba1-08e63db50b47" providerId="ADAL" clId="{FB8F02A0-9B99-4C9E-A1D1-3BF41D9621D7}" dt="2021-02-03T07:29:26.811" v="998"/>
+          <ac:cxnSpMkLst>
+            <pc:docMk/>
+            <pc:sldMk cId="1659983766" sldId="554"/>
+            <ac:cxnSpMk id="52" creationId="{65622F6F-A879-483D-916A-2D3A97E78851}"/>
+          </ac:cxnSpMkLst>
+        </pc:cxnChg>
+        <pc:cxnChg chg="mod">
+          <ac:chgData name="Zhao Jin" userId="cd05a825-544c-438a-9ba1-08e63db50b47" providerId="ADAL" clId="{FB8F02A0-9B99-4C9E-A1D1-3BF41D9621D7}" dt="2021-02-03T07:29:26.811" v="998"/>
+          <ac:cxnSpMkLst>
+            <pc:docMk/>
+            <pc:sldMk cId="1659983766" sldId="554"/>
+            <ac:cxnSpMk id="56" creationId="{0D25BAB2-93E8-4D4D-AB3D-3F92C2CA5D26}"/>
+          </ac:cxnSpMkLst>
+        </pc:cxnChg>
+        <pc:cxnChg chg="mod">
+          <ac:chgData name="Zhao Jin" userId="cd05a825-544c-438a-9ba1-08e63db50b47" providerId="ADAL" clId="{FB8F02A0-9B99-4C9E-A1D1-3BF41D9621D7}" dt="2021-02-03T07:29:26.811" v="998"/>
+          <ac:cxnSpMkLst>
+            <pc:docMk/>
+            <pc:sldMk cId="1659983766" sldId="554"/>
+            <ac:cxnSpMk id="57" creationId="{BDB98A6F-4360-4DF4-BD45-A66BF7A57AA6}"/>
+          </ac:cxnSpMkLst>
+        </pc:cxnChg>
+        <pc:cxnChg chg="mod">
+          <ac:chgData name="Zhao Jin" userId="cd05a825-544c-438a-9ba1-08e63db50b47" providerId="ADAL" clId="{FB8F02A0-9B99-4C9E-A1D1-3BF41D9621D7}" dt="2021-02-03T07:29:26.811" v="998"/>
+          <ac:cxnSpMkLst>
+            <pc:docMk/>
+            <pc:sldMk cId="1659983766" sldId="554"/>
+            <ac:cxnSpMk id="58" creationId="{DF8C4210-3D97-42C9-8160-05B4C16EFF85}"/>
+          </ac:cxnSpMkLst>
+        </pc:cxnChg>
+      </pc:sldChg>
+      <pc:sldChg chg="addSp delSp modSp add del mod">
+        <pc:chgData name="Zhao Jin" userId="cd05a825-544c-438a-9ba1-08e63db50b47" providerId="ADAL" clId="{FB8F02A0-9B99-4C9E-A1D1-3BF41D9621D7}" dt="2021-02-03T07:07:06.993" v="219" actId="47"/>
+        <pc:sldMkLst>
+          <pc:docMk/>
+          <pc:sldMk cId="1268238251" sldId="555"/>
+        </pc:sldMkLst>
+        <pc:spChg chg="mod">
+          <ac:chgData name="Zhao Jin" userId="cd05a825-544c-438a-9ba1-08e63db50b47" providerId="ADAL" clId="{FB8F02A0-9B99-4C9E-A1D1-3BF41D9621D7}" dt="2021-02-03T07:04:16.379" v="103" actId="1035"/>
+          <ac:spMkLst>
+            <pc:docMk/>
+            <pc:sldMk cId="1268238251" sldId="555"/>
+            <ac:spMk id="11" creationId="{2DB8C0DD-2610-48AA-A2F1-A9AE4DD922BA}"/>
+          </ac:spMkLst>
+        </pc:spChg>
+        <pc:spChg chg="mod">
+          <ac:chgData name="Zhao Jin" userId="cd05a825-544c-438a-9ba1-08e63db50b47" providerId="ADAL" clId="{FB8F02A0-9B99-4C9E-A1D1-3BF41D9621D7}" dt="2021-02-03T07:04:16.379" v="103" actId="1035"/>
+          <ac:spMkLst>
+            <pc:docMk/>
+            <pc:sldMk cId="1268238251" sldId="555"/>
+            <ac:spMk id="13" creationId="{972B1E9B-C6E8-4DE8-871E-C214A3D77F45}"/>
+          </ac:spMkLst>
+        </pc:spChg>
+        <pc:spChg chg="add del mod">
+          <ac:chgData name="Zhao Jin" userId="cd05a825-544c-438a-9ba1-08e63db50b47" providerId="ADAL" clId="{FB8F02A0-9B99-4C9E-A1D1-3BF41D9621D7}" dt="2021-02-03T07:04:43.715" v="112" actId="478"/>
+          <ac:spMkLst>
+            <pc:docMk/>
+            <pc:sldMk cId="1268238251" sldId="555"/>
+            <ac:spMk id="14" creationId="{CD79967B-40B1-4B58-85F0-1D333E655CC2}"/>
+          </ac:spMkLst>
+        </pc:spChg>
+        <pc:spChg chg="mod">
+          <ac:chgData name="Zhao Jin" userId="cd05a825-544c-438a-9ba1-08e63db50b47" providerId="ADAL" clId="{FB8F02A0-9B99-4C9E-A1D1-3BF41D9621D7}" dt="2021-02-03T07:04:16.379" v="103" actId="1035"/>
+          <ac:spMkLst>
+            <pc:docMk/>
+            <pc:sldMk cId="1268238251" sldId="555"/>
+            <ac:spMk id="25" creationId="{F43FC8C1-7270-804E-9F1F-0B4AED0CEA28}"/>
+          </ac:spMkLst>
+        </pc:spChg>
+        <pc:spChg chg="mod">
+          <ac:chgData name="Zhao Jin" userId="cd05a825-544c-438a-9ba1-08e63db50b47" providerId="ADAL" clId="{FB8F02A0-9B99-4C9E-A1D1-3BF41D9621D7}" dt="2021-02-03T07:04:16.379" v="103" actId="1035"/>
+          <ac:spMkLst>
+            <pc:docMk/>
+            <pc:sldMk cId="1268238251" sldId="555"/>
+            <ac:spMk id="26" creationId="{D54C351E-DA02-A443-8515-857077895051}"/>
+          </ac:spMkLst>
+        </pc:spChg>
+        <pc:spChg chg="mod">
+          <ac:chgData name="Zhao Jin" userId="cd05a825-544c-438a-9ba1-08e63db50b47" providerId="ADAL" clId="{FB8F02A0-9B99-4C9E-A1D1-3BF41D9621D7}" dt="2021-02-03T07:04:16.379" v="103" actId="1035"/>
+          <ac:spMkLst>
+            <pc:docMk/>
+            <pc:sldMk cId="1268238251" sldId="555"/>
+            <ac:spMk id="27" creationId="{367D5355-0C55-2E48-9F4B-AB4FC9100A05}"/>
+          </ac:spMkLst>
+        </pc:spChg>
+        <pc:spChg chg="del">
+          <ac:chgData name="Zhao Jin" userId="cd05a825-544c-438a-9ba1-08e63db50b47" providerId="ADAL" clId="{FB8F02A0-9B99-4C9E-A1D1-3BF41D9621D7}" dt="2021-02-03T07:04:11.956" v="78" actId="478"/>
+          <ac:spMkLst>
+            <pc:docMk/>
+            <pc:sldMk cId="1268238251" sldId="555"/>
+            <ac:spMk id="49" creationId="{21EEE82A-4DB6-1D4F-9A03-5951F440FE93}"/>
+          </ac:spMkLst>
+        </pc:spChg>
+        <pc:spChg chg="mod">
+          <ac:chgData name="Zhao Jin" userId="cd05a825-544c-438a-9ba1-08e63db50b47" providerId="ADAL" clId="{FB8F02A0-9B99-4C9E-A1D1-3BF41D9621D7}" dt="2021-02-03T07:04:44.834" v="113" actId="6549"/>
+          <ac:spMkLst>
+            <pc:docMk/>
+            <pc:sldMk cId="1268238251" sldId="555"/>
+            <ac:spMk id="14338" creationId="{00000000-0000-0000-0000-000000000000}"/>
+          </ac:spMkLst>
+        </pc:spChg>
+        <pc:picChg chg="mod">
+          <ac:chgData name="Zhao Jin" userId="cd05a825-544c-438a-9ba1-08e63db50b47" providerId="ADAL" clId="{FB8F02A0-9B99-4C9E-A1D1-3BF41D9621D7}" dt="2021-02-03T07:04:16.379" v="103" actId="1035"/>
+          <ac:picMkLst>
+            <pc:docMk/>
+            <pc:sldMk cId="1268238251" sldId="555"/>
+            <ac:picMk id="10" creationId="{54864FA4-5498-40C2-AC55-7C820DE312A4}"/>
+          </ac:picMkLst>
+        </pc:picChg>
+      </pc:sldChg>
+      <pc:sldChg chg="modSp add del mod">
+        <pc:chgData name="Zhao Jin" userId="cd05a825-544c-438a-9ba1-08e63db50b47" providerId="ADAL" clId="{FB8F02A0-9B99-4C9E-A1D1-3BF41D9621D7}" dt="2021-02-03T07:42:30.854" v="1869" actId="47"/>
+        <pc:sldMkLst>
+          <pc:docMk/>
+          <pc:sldMk cId="788021743" sldId="557"/>
+        </pc:sldMkLst>
+        <pc:spChg chg="mod">
+          <ac:chgData name="Zhao Jin" userId="cd05a825-544c-438a-9ba1-08e63db50b47" providerId="ADAL" clId="{FB8F02A0-9B99-4C9E-A1D1-3BF41D9621D7}" dt="2021-02-03T07:20:23.142" v="931"/>
+          <ac:spMkLst>
+            <pc:docMk/>
+            <pc:sldMk cId="788021743" sldId="557"/>
+            <ac:spMk id="7" creationId="{00000000-0000-0000-0000-000000000000}"/>
+          </ac:spMkLst>
+        </pc:spChg>
+      </pc:sldChg>
+      <pc:sldChg chg="delSp modSp add mod">
+        <pc:chgData name="Zhao Jin" userId="cd05a825-544c-438a-9ba1-08e63db50b47" providerId="ADAL" clId="{FB8F02A0-9B99-4C9E-A1D1-3BF41D9621D7}" dt="2021-02-08T02:19:37.781" v="2198" actId="478"/>
+        <pc:sldMkLst>
+          <pc:docMk/>
+          <pc:sldMk cId="686532275" sldId="558"/>
+        </pc:sldMkLst>
+        <pc:spChg chg="mod">
+          <ac:chgData name="Zhao Jin" userId="cd05a825-544c-438a-9ba1-08e63db50b47" providerId="ADAL" clId="{FB8F02A0-9B99-4C9E-A1D1-3BF41D9621D7}" dt="2021-02-03T07:20:25.427" v="932"/>
+          <ac:spMkLst>
+            <pc:docMk/>
+            <pc:sldMk cId="686532275" sldId="558"/>
+            <ac:spMk id="7" creationId="{00000000-0000-0000-0000-000000000000}"/>
+          </ac:spMkLst>
+        </pc:spChg>
+        <pc:spChg chg="del">
+          <ac:chgData name="Zhao Jin" userId="cd05a825-544c-438a-9ba1-08e63db50b47" providerId="ADAL" clId="{FB8F02A0-9B99-4C9E-A1D1-3BF41D9621D7}" dt="2021-02-08T02:19:37.781" v="2198" actId="478"/>
+          <ac:spMkLst>
+            <pc:docMk/>
+            <pc:sldMk cId="686532275" sldId="558"/>
+            <ac:spMk id="11" creationId="{06D4AE3F-3899-440E-885D-187ED02668FA}"/>
+          </ac:spMkLst>
+        </pc:spChg>
+      </pc:sldChg>
+      <pc:sldChg chg="delSp modSp add del mod delAnim">
+        <pc:chgData name="Zhao Jin" userId="cd05a825-544c-438a-9ba1-08e63db50b47" providerId="ADAL" clId="{FB8F02A0-9B99-4C9E-A1D1-3BF41D9621D7}" dt="2021-02-03T07:30:13.895" v="1095" actId="47"/>
+        <pc:sldMkLst>
+          <pc:docMk/>
+          <pc:sldMk cId="182578491" sldId="559"/>
+        </pc:sldMkLst>
+        <pc:spChg chg="mod">
+          <ac:chgData name="Zhao Jin" userId="cd05a825-544c-438a-9ba1-08e63db50b47" providerId="ADAL" clId="{FB8F02A0-9B99-4C9E-A1D1-3BF41D9621D7}" dt="2021-02-03T07:20:21.523" v="930"/>
+          <ac:spMkLst>
+            <pc:docMk/>
+            <pc:sldMk cId="182578491" sldId="559"/>
+            <ac:spMk id="7" creationId="{00000000-0000-0000-0000-000000000000}"/>
+          </ac:spMkLst>
+        </pc:spChg>
+        <pc:spChg chg="del">
+          <ac:chgData name="Zhao Jin" userId="cd05a825-544c-438a-9ba1-08e63db50b47" providerId="ADAL" clId="{FB8F02A0-9B99-4C9E-A1D1-3BF41D9621D7}" dt="2021-02-03T07:29:25.500" v="997" actId="21"/>
+          <ac:spMkLst>
+            <pc:docMk/>
+            <pc:sldMk cId="182578491" sldId="559"/>
+            <ac:spMk id="28" creationId="{206BF097-CD0C-4B25-AF09-C35109612BC3}"/>
+          </ac:spMkLst>
+        </pc:spChg>
+        <pc:grpChg chg="del">
+          <ac:chgData name="Zhao Jin" userId="cd05a825-544c-438a-9ba1-08e63db50b47" providerId="ADAL" clId="{FB8F02A0-9B99-4C9E-A1D1-3BF41D9621D7}" dt="2021-02-03T07:29:25.500" v="997" actId="21"/>
+          <ac:grpSpMkLst>
+            <pc:docMk/>
+            <pc:sldMk cId="182578491" sldId="559"/>
+            <ac:grpSpMk id="29" creationId="{9E869CF5-5422-464C-A5AD-90C40AC515C1}"/>
+          </ac:grpSpMkLst>
+        </pc:grpChg>
+        <pc:cxnChg chg="mod">
+          <ac:chgData name="Zhao Jin" userId="cd05a825-544c-438a-9ba1-08e63db50b47" providerId="ADAL" clId="{FB8F02A0-9B99-4C9E-A1D1-3BF41D9621D7}" dt="2021-02-03T07:29:25.500" v="997" actId="21"/>
+          <ac:cxnSpMkLst>
+            <pc:docMk/>
+            <pc:sldMk cId="182578491" sldId="559"/>
+            <ac:cxnSpMk id="48" creationId="{19C9E3C2-8918-4348-A091-C253CA95276A}"/>
+          </ac:cxnSpMkLst>
+        </pc:cxnChg>
+        <pc:cxnChg chg="mod">
+          <ac:chgData name="Zhao Jin" userId="cd05a825-544c-438a-9ba1-08e63db50b47" providerId="ADAL" clId="{FB8F02A0-9B99-4C9E-A1D1-3BF41D9621D7}" dt="2021-02-03T07:29:25.500" v="997" actId="21"/>
+          <ac:cxnSpMkLst>
+            <pc:docMk/>
+            <pc:sldMk cId="182578491" sldId="559"/>
+            <ac:cxnSpMk id="52" creationId="{94324BD0-8BBD-4BC5-8957-1BA389B01E57}"/>
+          </ac:cxnSpMkLst>
+        </pc:cxnChg>
+        <pc:cxnChg chg="mod">
+          <ac:chgData name="Zhao Jin" userId="cd05a825-544c-438a-9ba1-08e63db50b47" providerId="ADAL" clId="{FB8F02A0-9B99-4C9E-A1D1-3BF41D9621D7}" dt="2021-02-03T07:29:25.500" v="997" actId="21"/>
+          <ac:cxnSpMkLst>
+            <pc:docMk/>
+            <pc:sldMk cId="182578491" sldId="559"/>
+            <ac:cxnSpMk id="57" creationId="{E4960835-B76E-476E-B973-A5E96C1CCA62}"/>
+          </ac:cxnSpMkLst>
+        </pc:cxnChg>
+        <pc:cxnChg chg="mod">
+          <ac:chgData name="Zhao Jin" userId="cd05a825-544c-438a-9ba1-08e63db50b47" providerId="ADAL" clId="{FB8F02A0-9B99-4C9E-A1D1-3BF41D9621D7}" dt="2021-02-03T07:29:25.500" v="997" actId="21"/>
+          <ac:cxnSpMkLst>
+            <pc:docMk/>
+            <pc:sldMk cId="182578491" sldId="559"/>
+            <ac:cxnSpMk id="58" creationId="{AE2C6753-7EF0-42E0-B4A9-E162D01D3DB4}"/>
+          </ac:cxnSpMkLst>
+        </pc:cxnChg>
+      </pc:sldChg>
+      <pc:sldChg chg="modSp add mod">
+        <pc:chgData name="Zhao Jin" userId="cd05a825-544c-438a-9ba1-08e63db50b47" providerId="ADAL" clId="{FB8F02A0-9B99-4C9E-A1D1-3BF41D9621D7}" dt="2021-02-03T07:20:33.509" v="937"/>
+        <pc:sldMkLst>
+          <pc:docMk/>
+          <pc:sldMk cId="1986771488" sldId="561"/>
+        </pc:sldMkLst>
+        <pc:spChg chg="mod">
+          <ac:chgData name="Zhao Jin" userId="cd05a825-544c-438a-9ba1-08e63db50b47" providerId="ADAL" clId="{FB8F02A0-9B99-4C9E-A1D1-3BF41D9621D7}" dt="2021-02-03T07:20:33.509" v="937"/>
+          <ac:spMkLst>
+            <pc:docMk/>
+            <pc:sldMk cId="1986771488" sldId="561"/>
+            <ac:spMk id="7" creationId="{00000000-0000-0000-0000-000000000000}"/>
+          </ac:spMkLst>
+        </pc:spChg>
+      </pc:sldChg>
+      <pc:sldChg chg="addSp delSp modSp add del mod delAnim modAnim">
+        <pc:chgData name="Zhao Jin" userId="cd05a825-544c-438a-9ba1-08e63db50b47" providerId="ADAL" clId="{FB8F02A0-9B99-4C9E-A1D1-3BF41D9621D7}" dt="2021-02-03T07:41:57.313" v="1865" actId="47"/>
+        <pc:sldMkLst>
+          <pc:docMk/>
+          <pc:sldMk cId="92291925" sldId="563"/>
+        </pc:sldMkLst>
+        <pc:spChg chg="mod">
+          <ac:chgData name="Zhao Jin" userId="cd05a825-544c-438a-9ba1-08e63db50b47" providerId="ADAL" clId="{FB8F02A0-9B99-4C9E-A1D1-3BF41D9621D7}" dt="2021-02-03T07:20:15.168" v="928" actId="20577"/>
+          <ac:spMkLst>
+            <pc:docMk/>
+            <pc:sldMk cId="92291925" sldId="563"/>
+            <ac:spMk id="7" creationId="{00000000-0000-0000-0000-000000000000}"/>
+          </ac:spMkLst>
+        </pc:spChg>
+        <pc:spChg chg="add del mod">
+          <ac:chgData name="Zhao Jin" userId="cd05a825-544c-438a-9ba1-08e63db50b47" providerId="ADAL" clId="{FB8F02A0-9B99-4C9E-A1D1-3BF41D9621D7}" dt="2021-02-03T07:01:50.109" v="5" actId="478"/>
+          <ac:spMkLst>
+            <pc:docMk/>
+            <pc:sldMk cId="92291925" sldId="563"/>
+            <ac:spMk id="13" creationId="{A018A939-88C1-46BC-BAB4-25876F9F5000}"/>
+          </ac:spMkLst>
+        </pc:spChg>
+        <pc:spChg chg="del">
+          <ac:chgData name="Zhao Jin" userId="cd05a825-544c-438a-9ba1-08e63db50b47" providerId="ADAL" clId="{FB8F02A0-9B99-4C9E-A1D1-3BF41D9621D7}" dt="2021-02-03T07:01:53.900" v="6" actId="478"/>
+          <ac:spMkLst>
+            <pc:docMk/>
+            <pc:sldMk cId="92291925" sldId="563"/>
+            <ac:spMk id="14340" creationId="{00000000-0000-0000-0000-000000000000}"/>
+          </ac:spMkLst>
+        </pc:spChg>
+      </pc:sldChg>
+      <pc:sldChg chg="addSp modSp add mod modAnim">
+        <pc:chgData name="Zhao Jin" userId="cd05a825-544c-438a-9ba1-08e63db50b47" providerId="ADAL" clId="{FB8F02A0-9B99-4C9E-A1D1-3BF41D9621D7}" dt="2021-02-03T07:20:31.915" v="936"/>
+        <pc:sldMkLst>
+          <pc:docMk/>
+          <pc:sldMk cId="1276365520" sldId="564"/>
+        </pc:sldMkLst>
+        <pc:spChg chg="mod">
+          <ac:chgData name="Zhao Jin" userId="cd05a825-544c-438a-9ba1-08e63db50b47" providerId="ADAL" clId="{FB8F02A0-9B99-4C9E-A1D1-3BF41D9621D7}" dt="2021-02-03T07:20:31.915" v="936"/>
+          <ac:spMkLst>
+            <pc:docMk/>
+            <pc:sldMk cId="1276365520" sldId="564"/>
+            <ac:spMk id="7" creationId="{00000000-0000-0000-0000-000000000000}"/>
+          </ac:spMkLst>
+        </pc:spChg>
+        <pc:spChg chg="mod">
+          <ac:chgData name="Zhao Jin" userId="cd05a825-544c-438a-9ba1-08e63db50b47" providerId="ADAL" clId="{FB8F02A0-9B99-4C9E-A1D1-3BF41D9621D7}" dt="2021-02-03T07:15:50.668" v="577" actId="1035"/>
+          <ac:spMkLst>
+            <pc:docMk/>
+            <pc:sldMk cId="1276365520" sldId="564"/>
+            <ac:spMk id="13" creationId="{972B1E9B-C6E8-4DE8-871E-C214A3D77F45}"/>
+          </ac:spMkLst>
+        </pc:spChg>
+        <pc:spChg chg="add mod">
+          <ac:chgData name="Zhao Jin" userId="cd05a825-544c-438a-9ba1-08e63db50b47" providerId="ADAL" clId="{FB8F02A0-9B99-4C9E-A1D1-3BF41D9621D7}" dt="2021-02-03T07:18:58.912" v="843" actId="255"/>
+          <ac:spMkLst>
+            <pc:docMk/>
+            <pc:sldMk cId="1276365520" sldId="564"/>
+            <ac:spMk id="14" creationId="{3BE09EC5-9C6D-4841-A5F4-9A5837974E20}"/>
+          </ac:spMkLst>
+        </pc:spChg>
+        <pc:spChg chg="add mod">
+          <ac:chgData name="Zhao Jin" userId="cd05a825-544c-438a-9ba1-08e63db50b47" providerId="ADAL" clId="{FB8F02A0-9B99-4C9E-A1D1-3BF41D9621D7}" dt="2021-02-03T07:19:03.130" v="844" actId="1076"/>
+          <ac:spMkLst>
+            <pc:docMk/>
+            <pc:sldMk cId="1276365520" sldId="564"/>
+            <ac:spMk id="15" creationId="{096B9094-1E2A-402A-A1B2-0B1E3DBA221D}"/>
+          </ac:spMkLst>
+        </pc:spChg>
+        <pc:spChg chg="add mod">
+          <ac:chgData name="Zhao Jin" userId="cd05a825-544c-438a-9ba1-08e63db50b47" providerId="ADAL" clId="{FB8F02A0-9B99-4C9E-A1D1-3BF41D9621D7}" dt="2021-02-03T07:18:21.030" v="805" actId="1076"/>
+          <ac:spMkLst>
+            <pc:docMk/>
+            <pc:sldMk cId="1276365520" sldId="564"/>
+            <ac:spMk id="16" creationId="{8D87AA11-3E4E-46CD-ABF1-3B99CD8A7ECE}"/>
+          </ac:spMkLst>
+        </pc:spChg>
+        <pc:spChg chg="add mod">
+          <ac:chgData name="Zhao Jin" userId="cd05a825-544c-438a-9ba1-08e63db50b47" providerId="ADAL" clId="{FB8F02A0-9B99-4C9E-A1D1-3BF41D9621D7}" dt="2021-02-03T07:19:34.904" v="892" actId="1076"/>
+          <ac:spMkLst>
+            <pc:docMk/>
+            <pc:sldMk cId="1276365520" sldId="564"/>
+            <ac:spMk id="18" creationId="{B16D4AFD-E818-4047-959F-C04354558EAF}"/>
+          </ac:spMkLst>
+        </pc:spChg>
+        <pc:picChg chg="add mod">
+          <ac:chgData name="Zhao Jin" userId="cd05a825-544c-438a-9ba1-08e63db50b47" providerId="ADAL" clId="{FB8F02A0-9B99-4C9E-A1D1-3BF41D9621D7}" dt="2021-02-03T07:18:22.576" v="806" actId="1076"/>
+          <ac:picMkLst>
+            <pc:docMk/>
+            <pc:sldMk cId="1276365520" sldId="564"/>
+            <ac:picMk id="17" creationId="{ED2DFF4D-A89B-45E0-B4A6-9463A17A340E}"/>
+          </ac:picMkLst>
+        </pc:picChg>
+      </pc:sldChg>
+      <pc:sldChg chg="delSp modSp add mod">
+        <pc:chgData name="Zhao Jin" userId="cd05a825-544c-438a-9ba1-08e63db50b47" providerId="ADAL" clId="{FB8F02A0-9B99-4C9E-A1D1-3BF41D9621D7}" dt="2021-02-03T07:20:28.829" v="934"/>
+        <pc:sldMkLst>
+          <pc:docMk/>
+          <pc:sldMk cId="827193018" sldId="565"/>
+        </pc:sldMkLst>
+        <pc:spChg chg="mod">
+          <ac:chgData name="Zhao Jin" userId="cd05a825-544c-438a-9ba1-08e63db50b47" providerId="ADAL" clId="{FB8F02A0-9B99-4C9E-A1D1-3BF41D9621D7}" dt="2021-02-03T07:20:28.829" v="934"/>
+          <ac:spMkLst>
+            <pc:docMk/>
+            <pc:sldMk cId="827193018" sldId="565"/>
+            <ac:spMk id="7" creationId="{00000000-0000-0000-0000-000000000000}"/>
+          </ac:spMkLst>
+        </pc:spChg>
+        <pc:spChg chg="mod">
+          <ac:chgData name="Zhao Jin" userId="cd05a825-544c-438a-9ba1-08e63db50b47" providerId="ADAL" clId="{FB8F02A0-9B99-4C9E-A1D1-3BF41D9621D7}" dt="2021-02-03T07:14:20.921" v="546" actId="20577"/>
+          <ac:spMkLst>
+            <pc:docMk/>
+            <pc:sldMk cId="827193018" sldId="565"/>
+            <ac:spMk id="9" creationId="{35649340-5AB4-4CED-B84B-66D13E8E2455}"/>
+          </ac:spMkLst>
+        </pc:spChg>
+        <pc:spChg chg="del mod">
+          <ac:chgData name="Zhao Jin" userId="cd05a825-544c-438a-9ba1-08e63db50b47" providerId="ADAL" clId="{FB8F02A0-9B99-4C9E-A1D1-3BF41D9621D7}" dt="2021-02-03T07:11:55.316" v="463" actId="478"/>
+          <ac:spMkLst>
+            <pc:docMk/>
+            <pc:sldMk cId="827193018" sldId="565"/>
+            <ac:spMk id="10" creationId="{00000000-0000-0000-0000-000000000000}"/>
+          </ac:spMkLst>
+        </pc:spChg>
+        <pc:spChg chg="mod">
+          <ac:chgData name="Zhao Jin" userId="cd05a825-544c-438a-9ba1-08e63db50b47" providerId="ADAL" clId="{FB8F02A0-9B99-4C9E-A1D1-3BF41D9621D7}" dt="2021-02-03T07:11:57.461" v="465" actId="5793"/>
+          <ac:spMkLst>
+            <pc:docMk/>
+            <pc:sldMk cId="827193018" sldId="565"/>
+            <ac:spMk id="49" creationId="{00000000-0000-0000-0000-000000000000}"/>
+          </ac:spMkLst>
+        </pc:spChg>
+      </pc:sldChg>
+      <pc:sldChg chg="modSp add mod">
+        <pc:chgData name="Zhao Jin" userId="cd05a825-544c-438a-9ba1-08e63db50b47" providerId="ADAL" clId="{FB8F02A0-9B99-4C9E-A1D1-3BF41D9621D7}" dt="2021-02-08T02:21:29.074" v="2208" actId="20577"/>
+        <pc:sldMkLst>
+          <pc:docMk/>
+          <pc:sldMk cId="3959984611" sldId="566"/>
+        </pc:sldMkLst>
+        <pc:spChg chg="mod">
+          <ac:chgData name="Zhao Jin" userId="cd05a825-544c-438a-9ba1-08e63db50b47" providerId="ADAL" clId="{FB8F02A0-9B99-4C9E-A1D1-3BF41D9621D7}" dt="2021-02-03T07:20:36.970" v="938"/>
+          <ac:spMkLst>
+            <pc:docMk/>
+            <pc:sldMk cId="3959984611" sldId="566"/>
+            <ac:spMk id="7" creationId="{00000000-0000-0000-0000-000000000000}"/>
+          </ac:spMkLst>
+        </pc:spChg>
+        <pc:spChg chg="mod">
+          <ac:chgData name="Zhao Jin" userId="cd05a825-544c-438a-9ba1-08e63db50b47" providerId="ADAL" clId="{FB8F02A0-9B99-4C9E-A1D1-3BF41D9621D7}" dt="2021-02-08T02:21:29.074" v="2208" actId="20577"/>
+          <ac:spMkLst>
+            <pc:docMk/>
+            <pc:sldMk cId="3959984611" sldId="566"/>
+            <ac:spMk id="8" creationId="{00000000-0000-0000-0000-000000000000}"/>
+          </ac:spMkLst>
+        </pc:spChg>
+        <pc:spChg chg="mod">
+          <ac:chgData name="Zhao Jin" userId="cd05a825-544c-438a-9ba1-08e63db50b47" providerId="ADAL" clId="{FB8F02A0-9B99-4C9E-A1D1-3BF41D9621D7}" dt="2021-02-03T07:20:03.399" v="922" actId="20577"/>
+          <ac:spMkLst>
+            <pc:docMk/>
+            <pc:sldMk cId="3959984611" sldId="566"/>
+            <ac:spMk id="14338" creationId="{00000000-0000-0000-0000-000000000000}"/>
+          </ac:spMkLst>
+        </pc:spChg>
+      </pc:sldChg>
+      <pc:sldChg chg="add del">
+        <pc:chgData name="Zhao Jin" userId="cd05a825-544c-438a-9ba1-08e63db50b47" providerId="ADAL" clId="{FB8F02A0-9B99-4C9E-A1D1-3BF41D9621D7}" dt="2021-02-03T07:34:00.322" v="1372" actId="47"/>
+        <pc:sldMkLst>
+          <pc:docMk/>
+          <pc:sldMk cId="243231529" sldId="567"/>
+        </pc:sldMkLst>
+      </pc:sldChg>
+      <pc:sldChg chg="modSp add del mod">
+        <pc:chgData name="Zhao Jin" userId="cd05a825-544c-438a-9ba1-08e63db50b47" providerId="ADAL" clId="{FB8F02A0-9B99-4C9E-A1D1-3BF41D9621D7}" dt="2021-02-03T07:30:57.488" v="1096" actId="47"/>
+        <pc:sldMkLst>
+          <pc:docMk/>
+          <pc:sldMk cId="3003604107" sldId="567"/>
+        </pc:sldMkLst>
+        <pc:spChg chg="mod">
+          <ac:chgData name="Zhao Jin" userId="cd05a825-544c-438a-9ba1-08e63db50b47" providerId="ADAL" clId="{FB8F02A0-9B99-4C9E-A1D1-3BF41D9621D7}" dt="2021-02-03T07:20:41.505" v="939"/>
+          <ac:spMkLst>
+            <pc:docMk/>
+            <pc:sldMk cId="3003604107" sldId="567"/>
+            <ac:spMk id="7" creationId="{00000000-0000-0000-0000-000000000000}"/>
+          </ac:spMkLst>
+        </pc:spChg>
+      </pc:sldChg>
+      <pc:sldChg chg="addSp delSp modSp add mod ord">
+        <pc:chgData name="Zhao Jin" userId="cd05a825-544c-438a-9ba1-08e63db50b47" providerId="ADAL" clId="{FB8F02A0-9B99-4C9E-A1D1-3BF41D9621D7}" dt="2021-02-03T07:45:20.173" v="2121" actId="20577"/>
+        <pc:sldMkLst>
+          <pc:docMk/>
+          <pc:sldMk cId="2879329457" sldId="568"/>
+        </pc:sldMkLst>
+        <pc:spChg chg="mod">
+          <ac:chgData name="Zhao Jin" userId="cd05a825-544c-438a-9ba1-08e63db50b47" providerId="ADAL" clId="{FB8F02A0-9B99-4C9E-A1D1-3BF41D9621D7}" dt="2021-02-03T07:45:20.173" v="2121" actId="20577"/>
+          <ac:spMkLst>
+            <pc:docMk/>
+            <pc:sldMk cId="2879329457" sldId="568"/>
+            <ac:spMk id="9" creationId="{00000000-0000-0000-0000-000000000000}"/>
+          </ac:spMkLst>
+        </pc:spChg>
+        <pc:graphicFrameChg chg="del mod modGraphic">
+          <ac:chgData name="Zhao Jin" userId="cd05a825-544c-438a-9ba1-08e63db50b47" providerId="ADAL" clId="{FB8F02A0-9B99-4C9E-A1D1-3BF41D9621D7}" dt="2021-02-03T07:34:55.508" v="1419" actId="478"/>
+          <ac:graphicFrameMkLst>
+            <pc:docMk/>
+            <pc:sldMk cId="2879329457" sldId="568"/>
+            <ac:graphicFrameMk id="7" creationId="{1DC5F05D-202E-4474-8067-C5632E06F885}"/>
+          </ac:graphicFrameMkLst>
+        </pc:graphicFrameChg>
+        <pc:graphicFrameChg chg="add mod modGraphic">
+          <ac:chgData name="Zhao Jin" userId="cd05a825-544c-438a-9ba1-08e63db50b47" providerId="ADAL" clId="{FB8F02A0-9B99-4C9E-A1D1-3BF41D9621D7}" dt="2021-02-03T07:41:24.626" v="1863" actId="1076"/>
+          <ac:graphicFrameMkLst>
+            <pc:docMk/>
+            <pc:sldMk cId="2879329457" sldId="568"/>
+            <ac:graphicFrameMk id="8" creationId="{C8DA87BB-C4AB-4A3F-B99E-7CAF8E3AC125}"/>
+          </ac:graphicFrameMkLst>
+        </pc:graphicFrameChg>
+      </pc:sldChg>
+      <pc:sldChg chg="modSp add mod">
+        <pc:chgData name="Zhao Jin" userId="cd05a825-544c-438a-9ba1-08e63db50b47" providerId="ADAL" clId="{FB8F02A0-9B99-4C9E-A1D1-3BF41D9621D7}" dt="2021-02-03T07:42:36.973" v="1870"/>
+        <pc:sldMkLst>
+          <pc:docMk/>
+          <pc:sldMk cId="4240540711" sldId="569"/>
+        </pc:sldMkLst>
+        <pc:spChg chg="mod">
+          <ac:chgData name="Zhao Jin" userId="cd05a825-544c-438a-9ba1-08e63db50b47" providerId="ADAL" clId="{FB8F02A0-9B99-4C9E-A1D1-3BF41D9621D7}" dt="2021-02-03T07:42:36.973" v="1870"/>
+          <ac:spMkLst>
+            <pc:docMk/>
+            <pc:sldMk cId="4240540711" sldId="569"/>
+            <ac:spMk id="7" creationId="{00000000-0000-0000-0000-000000000000}"/>
+          </ac:spMkLst>
+        </pc:spChg>
+      </pc:sldChg>
+    </pc:docChg>
+  </pc:docChgLst>
+  <pc:docChgLst>
+    <pc:chgData name="Zhao Jin" userId="cd05a825-544c-438a-9ba1-08e63db50b47" providerId="ADAL" clId="{40B02829-7445-394A-990C-032942059FD9}"/>
+    <pc:docChg chg="custSel modSld">
+      <pc:chgData name="Zhao Jin" userId="cd05a825-544c-438a-9ba1-08e63db50b47" providerId="ADAL" clId="{40B02829-7445-394A-990C-032942059FD9}" dt="2021-01-18T05:50:34.611" v="4" actId="478"/>
+      <pc:docMkLst>
+        <pc:docMk/>
+      </pc:docMkLst>
+      <pc:sldChg chg="delSp">
+        <pc:chgData name="Zhao Jin" userId="cd05a825-544c-438a-9ba1-08e63db50b47" providerId="ADAL" clId="{40B02829-7445-394A-990C-032942059FD9}" dt="2021-01-18T05:50:34.611" v="4" actId="478"/>
+        <pc:sldMkLst>
+          <pc:docMk/>
+          <pc:sldMk cId="3871162519" sldId="525"/>
+        </pc:sldMkLst>
+        <pc:spChg chg="del">
+          <ac:chgData name="Zhao Jin" userId="cd05a825-544c-438a-9ba1-08e63db50b47" providerId="ADAL" clId="{40B02829-7445-394A-990C-032942059FD9}" dt="2021-01-18T05:50:34.611" v="4" actId="478"/>
+          <ac:spMkLst>
+            <pc:docMk/>
+            <pc:sldMk cId="3871162519" sldId="525"/>
+            <ac:spMk id="24582" creationId="{00000000-0000-0000-0000-000000000000}"/>
+          </ac:spMkLst>
+        </pc:spChg>
+      </pc:sldChg>
+      <pc:sldChg chg="modSp">
+        <pc:chgData name="Zhao Jin" userId="cd05a825-544c-438a-9ba1-08e63db50b47" providerId="ADAL" clId="{40B02829-7445-394A-990C-032942059FD9}" dt="2021-01-18T05:50:03.685" v="3" actId="122"/>
+        <pc:sldMkLst>
+          <pc:docMk/>
+          <pc:sldMk cId="770306953" sldId="526"/>
+        </pc:sldMkLst>
+        <pc:graphicFrameChg chg="modGraphic">
+          <ac:chgData name="Zhao Jin" userId="cd05a825-544c-438a-9ba1-08e63db50b47" providerId="ADAL" clId="{40B02829-7445-394A-990C-032942059FD9}" dt="2021-01-18T05:50:03.685" v="3" actId="122"/>
+          <ac:graphicFrameMkLst>
+            <pc:docMk/>
+            <pc:sldMk cId="770306953" sldId="526"/>
+            <ac:graphicFrameMk id="7" creationId="{00000000-0000-0000-0000-000000000000}"/>
+          </ac:graphicFrameMkLst>
+        </pc:graphicFrameChg>
+        <pc:graphicFrameChg chg="modGraphic">
+          <ac:chgData name="Zhao Jin" userId="cd05a825-544c-438a-9ba1-08e63db50b47" providerId="ADAL" clId="{40B02829-7445-394A-990C-032942059FD9}" dt="2021-01-18T05:49:57.612" v="2" actId="122"/>
+          <ac:graphicFrameMkLst>
+            <pc:docMk/>
+            <pc:sldMk cId="770306953" sldId="526"/>
+            <ac:graphicFrameMk id="16" creationId="{00000000-0000-0000-0000-000000000000}"/>
+          </ac:graphicFrameMkLst>
+        </pc:graphicFrameChg>
+      </pc:sldChg>
+      <pc:sldChg chg="modAnim">
+        <pc:chgData name="Zhao Jin" userId="cd05a825-544c-438a-9ba1-08e63db50b47" providerId="ADAL" clId="{40B02829-7445-394A-990C-032942059FD9}" dt="2021-01-18T05:49:08.491" v="0"/>
+        <pc:sldMkLst>
+          <pc:docMk/>
+          <pc:sldMk cId="4288789163" sldId="527"/>
+        </pc:sldMkLst>
+      </pc:sldChg>
+    </pc:docChg>
+  </pc:docChgLst>
+  <pc:docChgLst>
+    <pc:chgData name="Zhao Jin" userId="cd05a825-544c-438a-9ba1-08e63db50b47" providerId="ADAL" clId="{6A3951C8-7780-4031-8A2B-7971BC0F9707}"/>
+    <pc:docChg chg="modSld">
+      <pc:chgData name="Zhao Jin" userId="cd05a825-544c-438a-9ba1-08e63db50b47" providerId="ADAL" clId="{6A3951C8-7780-4031-8A2B-7971BC0F9707}" dt="2021-01-27T06:40:05.693" v="157" actId="20577"/>
+      <pc:docMkLst>
+        <pc:docMk/>
+      </pc:docMkLst>
+      <pc:sldChg chg="addSp modSp mod">
+        <pc:chgData name="Zhao Jin" userId="cd05a825-544c-438a-9ba1-08e63db50b47" providerId="ADAL" clId="{6A3951C8-7780-4031-8A2B-7971BC0F9707}" dt="2021-01-27T06:39:09.281" v="89" actId="1036"/>
+        <pc:sldMkLst>
+          <pc:docMk/>
+          <pc:sldMk cId="3949125736" sldId="548"/>
+        </pc:sldMkLst>
+        <pc:spChg chg="add mod">
+          <ac:chgData name="Zhao Jin" userId="cd05a825-544c-438a-9ba1-08e63db50b47" providerId="ADAL" clId="{6A3951C8-7780-4031-8A2B-7971BC0F9707}" dt="2021-01-27T06:39:09.281" v="89" actId="1036"/>
+          <ac:spMkLst>
+            <pc:docMk/>
+            <pc:sldMk cId="3949125736" sldId="548"/>
+            <ac:spMk id="2" creationId="{62B1CF73-04DC-472B-B45B-71CEBE9E2875}"/>
+          </ac:spMkLst>
+        </pc:spChg>
+        <pc:spChg chg="mod">
+          <ac:chgData name="Zhao Jin" userId="cd05a825-544c-438a-9ba1-08e63db50b47" providerId="ADAL" clId="{6A3951C8-7780-4031-8A2B-7971BC0F9707}" dt="2021-01-27T06:38:06.592" v="2" actId="20577"/>
+          <ac:spMkLst>
+            <pc:docMk/>
+            <pc:sldMk cId="3949125736" sldId="548"/>
+            <ac:spMk id="9" creationId="{00000000-0000-0000-0000-000000000000}"/>
+          </ac:spMkLst>
+        </pc:spChg>
+      </pc:sldChg>
+      <pc:sldChg chg="addSp modSp mod">
+        <pc:chgData name="Zhao Jin" userId="cd05a825-544c-438a-9ba1-08e63db50b47" providerId="ADAL" clId="{6A3951C8-7780-4031-8A2B-7971BC0F9707}" dt="2021-01-27T06:40:05.693" v="157" actId="20577"/>
+        <pc:sldMkLst>
+          <pc:docMk/>
+          <pc:sldMk cId="2939077141" sldId="549"/>
+        </pc:sldMkLst>
+        <pc:spChg chg="mod">
+          <ac:chgData name="Zhao Jin" userId="cd05a825-544c-438a-9ba1-08e63db50b47" providerId="ADAL" clId="{6A3951C8-7780-4031-8A2B-7971BC0F9707}" dt="2021-01-27T06:38:01.505" v="1" actId="13926"/>
+          <ac:spMkLst>
+            <pc:docMk/>
+            <pc:sldMk cId="2939077141" sldId="549"/>
+            <ac:spMk id="9" creationId="{00000000-0000-0000-0000-000000000000}"/>
+          </ac:spMkLst>
+        </pc:spChg>
+        <pc:spChg chg="add mod">
+          <ac:chgData name="Zhao Jin" userId="cd05a825-544c-438a-9ba1-08e63db50b47" providerId="ADAL" clId="{6A3951C8-7780-4031-8A2B-7971BC0F9707}" dt="2021-01-27T06:40:05.693" v="157" actId="20577"/>
+          <ac:spMkLst>
+            <pc:docMk/>
+            <pc:sldMk cId="2939077141" sldId="549"/>
+            <ac:spMk id="10" creationId="{1850E95F-4DF3-444D-BDF1-AF8F205268DD}"/>
+          </ac:spMkLst>
+        </pc:spChg>
+      </pc:sldChg>
+    </pc:docChg>
+  </pc:docChgLst>
+  <pc:docChgLst>
     <pc:chgData name="Zhao Jin" userId="cd05a825-544c-438a-9ba1-08e63db50b47" providerId="ADAL" clId="{D2C53CB4-D98E-4A4D-AB3B-F903C3FA77B9}"/>
     <pc:docChg chg="undo custSel addSld delSld modSld">
       <pc:chgData name="Zhao Jin" userId="cd05a825-544c-438a-9ba1-08e63db50b47" providerId="ADAL" clId="{D2C53CB4-D98E-4A4D-AB3B-F903C3FA77B9}" dt="2021-03-08T05:37:18.936" v="540"/>
@@ -2528,20 +2132,454 @@
     </pc:docChg>
   </pc:docChgLst>
   <pc:docChgLst>
-    <pc:chgData name="Zhao Jin" userId="cd05a825-544c-438a-9ba1-08e63db50b47" providerId="ADAL" clId="{4396834B-C94C-4A03-BF7D-9E9F456CFBC2}"/>
-    <pc:docChg chg="modSld">
-      <pc:chgData name="Zhao Jin" userId="cd05a825-544c-438a-9ba1-08e63db50b47" providerId="ADAL" clId="{4396834B-C94C-4A03-BF7D-9E9F456CFBC2}" dt="2021-03-10T03:38:09.139" v="2"/>
+    <pc:chgData name="Zhao Jin" userId="cd05a825-544c-438a-9ba1-08e63db50b47" providerId="ADAL" clId="{4F3FAF49-1DF7-4F24-BD45-0FCF078AB041}"/>
+    <pc:docChg chg="undo custSel addSld delSld modSld">
+      <pc:chgData name="Zhao Jin" userId="cd05a825-544c-438a-9ba1-08e63db50b47" providerId="ADAL" clId="{4F3FAF49-1DF7-4F24-BD45-0FCF078AB041}" dt="2024-04-09T06:23:26.892" v="677" actId="20577"/>
+      <pc:docMkLst>
+        <pc:docMk/>
+      </pc:docMkLst>
+      <pc:sldChg chg="modSp">
+        <pc:chgData name="Zhao Jin" userId="cd05a825-544c-438a-9ba1-08e63db50b47" providerId="ADAL" clId="{4F3FAF49-1DF7-4F24-BD45-0FCF078AB041}" dt="2024-04-09T06:23:21.435" v="676"/>
+        <pc:sldMkLst>
+          <pc:docMk/>
+          <pc:sldMk cId="2438607696" sldId="468"/>
+        </pc:sldMkLst>
+        <pc:spChg chg="mod">
+          <ac:chgData name="Zhao Jin" userId="cd05a825-544c-438a-9ba1-08e63db50b47" providerId="ADAL" clId="{4F3FAF49-1DF7-4F24-BD45-0FCF078AB041}" dt="2024-04-09T06:23:21.435" v="676"/>
+          <ac:spMkLst>
+            <pc:docMk/>
+            <pc:sldMk cId="2438607696" sldId="468"/>
+            <ac:spMk id="7" creationId="{00000000-0000-0000-0000-000000000000}"/>
+          </ac:spMkLst>
+        </pc:spChg>
+      </pc:sldChg>
+      <pc:sldChg chg="modSp mod">
+        <pc:chgData name="Zhao Jin" userId="cd05a825-544c-438a-9ba1-08e63db50b47" providerId="ADAL" clId="{4F3FAF49-1DF7-4F24-BD45-0FCF078AB041}" dt="2024-04-09T06:23:26.892" v="677" actId="20577"/>
+        <pc:sldMkLst>
+          <pc:docMk/>
+          <pc:sldMk cId="4078418712" sldId="525"/>
+        </pc:sldMkLst>
+        <pc:spChg chg="mod">
+          <ac:chgData name="Zhao Jin" userId="cd05a825-544c-438a-9ba1-08e63db50b47" providerId="ADAL" clId="{4F3FAF49-1DF7-4F24-BD45-0FCF078AB041}" dt="2024-04-09T06:23:26.892" v="677" actId="20577"/>
+          <ac:spMkLst>
+            <pc:docMk/>
+            <pc:sldMk cId="4078418712" sldId="525"/>
+            <ac:spMk id="43" creationId="{00000000-0000-0000-0000-000000000000}"/>
+          </ac:spMkLst>
+        </pc:spChg>
+      </pc:sldChg>
+      <pc:sldChg chg="modSp mod">
+        <pc:chgData name="Zhao Jin" userId="cd05a825-544c-438a-9ba1-08e63db50b47" providerId="ADAL" clId="{4F3FAF49-1DF7-4F24-BD45-0FCF078AB041}" dt="2024-04-09T06:23:21.435" v="676"/>
+        <pc:sldMkLst>
+          <pc:docMk/>
+          <pc:sldMk cId="1542002799" sldId="602"/>
+        </pc:sldMkLst>
+        <pc:spChg chg="mod">
+          <ac:chgData name="Zhao Jin" userId="cd05a825-544c-438a-9ba1-08e63db50b47" providerId="ADAL" clId="{4F3FAF49-1DF7-4F24-BD45-0FCF078AB041}" dt="2024-04-09T06:23:21.435" v="676"/>
+          <ac:spMkLst>
+            <pc:docMk/>
+            <pc:sldMk cId="1542002799" sldId="602"/>
+            <ac:spMk id="7" creationId="{00000000-0000-0000-0000-000000000000}"/>
+          </ac:spMkLst>
+        </pc:spChg>
+        <pc:spChg chg="mod">
+          <ac:chgData name="Zhao Jin" userId="cd05a825-544c-438a-9ba1-08e63db50b47" providerId="ADAL" clId="{4F3FAF49-1DF7-4F24-BD45-0FCF078AB041}" dt="2024-04-09T06:07:23.213" v="239" actId="20577"/>
+          <ac:spMkLst>
+            <pc:docMk/>
+            <pc:sldMk cId="1542002799" sldId="602"/>
+            <ac:spMk id="8" creationId="{00000000-0000-0000-0000-000000000000}"/>
+          </ac:spMkLst>
+        </pc:spChg>
+      </pc:sldChg>
+      <pc:sldChg chg="modSp mod">
+        <pc:chgData name="Zhao Jin" userId="cd05a825-544c-438a-9ba1-08e63db50b47" providerId="ADAL" clId="{4F3FAF49-1DF7-4F24-BD45-0FCF078AB041}" dt="2024-04-09T06:23:21.435" v="676"/>
+        <pc:sldMkLst>
+          <pc:docMk/>
+          <pc:sldMk cId="4071526340" sldId="603"/>
+        </pc:sldMkLst>
+        <pc:spChg chg="mod">
+          <ac:chgData name="Zhao Jin" userId="cd05a825-544c-438a-9ba1-08e63db50b47" providerId="ADAL" clId="{4F3FAF49-1DF7-4F24-BD45-0FCF078AB041}" dt="2024-04-09T06:23:21.435" v="676"/>
+          <ac:spMkLst>
+            <pc:docMk/>
+            <pc:sldMk cId="4071526340" sldId="603"/>
+            <ac:spMk id="7" creationId="{00000000-0000-0000-0000-000000000000}"/>
+          </ac:spMkLst>
+        </pc:spChg>
+        <pc:spChg chg="mod">
+          <ac:chgData name="Zhao Jin" userId="cd05a825-544c-438a-9ba1-08e63db50b47" providerId="ADAL" clId="{4F3FAF49-1DF7-4F24-BD45-0FCF078AB041}" dt="2024-04-09T06:13:22.937" v="586" actId="20577"/>
+          <ac:spMkLst>
+            <pc:docMk/>
+            <pc:sldMk cId="4071526340" sldId="603"/>
+            <ac:spMk id="8" creationId="{00000000-0000-0000-0000-000000000000}"/>
+          </ac:spMkLst>
+        </pc:spChg>
+      </pc:sldChg>
+      <pc:sldChg chg="modSp">
+        <pc:chgData name="Zhao Jin" userId="cd05a825-544c-438a-9ba1-08e63db50b47" providerId="ADAL" clId="{4F3FAF49-1DF7-4F24-BD45-0FCF078AB041}" dt="2024-04-09T06:23:21.435" v="676"/>
+        <pc:sldMkLst>
+          <pc:docMk/>
+          <pc:sldMk cId="3733356969" sldId="604"/>
+        </pc:sldMkLst>
+        <pc:spChg chg="mod">
+          <ac:chgData name="Zhao Jin" userId="cd05a825-544c-438a-9ba1-08e63db50b47" providerId="ADAL" clId="{4F3FAF49-1DF7-4F24-BD45-0FCF078AB041}" dt="2024-04-09T06:23:21.435" v="676"/>
+          <ac:spMkLst>
+            <pc:docMk/>
+            <pc:sldMk cId="3733356969" sldId="604"/>
+            <ac:spMk id="7" creationId="{00000000-0000-0000-0000-000000000000}"/>
+          </ac:spMkLst>
+        </pc:spChg>
+      </pc:sldChg>
+      <pc:sldChg chg="modSp mod">
+        <pc:chgData name="Zhao Jin" userId="cd05a825-544c-438a-9ba1-08e63db50b47" providerId="ADAL" clId="{4F3FAF49-1DF7-4F24-BD45-0FCF078AB041}" dt="2024-04-09T06:23:21.435" v="676"/>
+        <pc:sldMkLst>
+          <pc:docMk/>
+          <pc:sldMk cId="1986457205" sldId="605"/>
+        </pc:sldMkLst>
+        <pc:spChg chg="mod">
+          <ac:chgData name="Zhao Jin" userId="cd05a825-544c-438a-9ba1-08e63db50b47" providerId="ADAL" clId="{4F3FAF49-1DF7-4F24-BD45-0FCF078AB041}" dt="2024-04-09T06:23:21.435" v="676"/>
+          <ac:spMkLst>
+            <pc:docMk/>
+            <pc:sldMk cId="1986457205" sldId="605"/>
+            <ac:spMk id="7" creationId="{00000000-0000-0000-0000-000000000000}"/>
+          </ac:spMkLst>
+        </pc:spChg>
+        <pc:spChg chg="mod">
+          <ac:chgData name="Zhao Jin" userId="cd05a825-544c-438a-9ba1-08e63db50b47" providerId="ADAL" clId="{4F3FAF49-1DF7-4F24-BD45-0FCF078AB041}" dt="2024-04-09T06:10:02.544" v="330" actId="20577"/>
+          <ac:spMkLst>
+            <pc:docMk/>
+            <pc:sldMk cId="1986457205" sldId="605"/>
+            <ac:spMk id="8" creationId="{00000000-0000-0000-0000-000000000000}"/>
+          </ac:spMkLst>
+        </pc:spChg>
+      </pc:sldChg>
+      <pc:sldChg chg="addSp delSp modSp mod">
+        <pc:chgData name="Zhao Jin" userId="cd05a825-544c-438a-9ba1-08e63db50b47" providerId="ADAL" clId="{4F3FAF49-1DF7-4F24-BD45-0FCF078AB041}" dt="2024-04-09T06:23:21.435" v="676"/>
+        <pc:sldMkLst>
+          <pc:docMk/>
+          <pc:sldMk cId="244432225" sldId="608"/>
+        </pc:sldMkLst>
+        <pc:spChg chg="mod">
+          <ac:chgData name="Zhao Jin" userId="cd05a825-544c-438a-9ba1-08e63db50b47" providerId="ADAL" clId="{4F3FAF49-1DF7-4F24-BD45-0FCF078AB041}" dt="2024-04-09T06:23:21.435" v="676"/>
+          <ac:spMkLst>
+            <pc:docMk/>
+            <pc:sldMk cId="244432225" sldId="608"/>
+            <ac:spMk id="7" creationId="{00000000-0000-0000-0000-000000000000}"/>
+          </ac:spMkLst>
+        </pc:spChg>
+        <pc:spChg chg="mod">
+          <ac:chgData name="Zhao Jin" userId="cd05a825-544c-438a-9ba1-08e63db50b47" providerId="ADAL" clId="{4F3FAF49-1DF7-4F24-BD45-0FCF078AB041}" dt="2024-04-09T06:10:30.252" v="377" actId="20577"/>
+          <ac:spMkLst>
+            <pc:docMk/>
+            <pc:sldMk cId="244432225" sldId="608"/>
+            <ac:spMk id="8" creationId="{00000000-0000-0000-0000-000000000000}"/>
+          </ac:spMkLst>
+        </pc:spChg>
+        <pc:graphicFrameChg chg="add del mod">
+          <ac:chgData name="Zhao Jin" userId="cd05a825-544c-438a-9ba1-08e63db50b47" providerId="ADAL" clId="{4F3FAF49-1DF7-4F24-BD45-0FCF078AB041}" dt="2024-04-09T06:09:55.233" v="325" actId="478"/>
+          <ac:graphicFrameMkLst>
+            <pc:docMk/>
+            <pc:sldMk cId="244432225" sldId="608"/>
+            <ac:graphicFrameMk id="2" creationId="{F36DA40C-A844-8E71-1822-5B3282E35586}"/>
+          </ac:graphicFrameMkLst>
+        </pc:graphicFrameChg>
+      </pc:sldChg>
+      <pc:sldChg chg="modSp del mod">
+        <pc:chgData name="Zhao Jin" userId="cd05a825-544c-438a-9ba1-08e63db50b47" providerId="ADAL" clId="{4F3FAF49-1DF7-4F24-BD45-0FCF078AB041}" dt="2024-04-09T06:13:35.599" v="587" actId="47"/>
+        <pc:sldMkLst>
+          <pc:docMk/>
+          <pc:sldMk cId="1540855360" sldId="609"/>
+        </pc:sldMkLst>
+        <pc:spChg chg="mod">
+          <ac:chgData name="Zhao Jin" userId="cd05a825-544c-438a-9ba1-08e63db50b47" providerId="ADAL" clId="{4F3FAF49-1DF7-4F24-BD45-0FCF078AB041}" dt="2024-04-09T06:10:49.741" v="378" actId="6549"/>
+          <ac:spMkLst>
+            <pc:docMk/>
+            <pc:sldMk cId="1540855360" sldId="609"/>
+            <ac:spMk id="8" creationId="{00000000-0000-0000-0000-000000000000}"/>
+          </ac:spMkLst>
+        </pc:spChg>
+      </pc:sldChg>
+      <pc:sldChg chg="modSp">
+        <pc:chgData name="Zhao Jin" userId="cd05a825-544c-438a-9ba1-08e63db50b47" providerId="ADAL" clId="{4F3FAF49-1DF7-4F24-BD45-0FCF078AB041}" dt="2024-04-09T06:23:21.435" v="676"/>
+        <pc:sldMkLst>
+          <pc:docMk/>
+          <pc:sldMk cId="1712697869" sldId="610"/>
+        </pc:sldMkLst>
+        <pc:spChg chg="mod">
+          <ac:chgData name="Zhao Jin" userId="cd05a825-544c-438a-9ba1-08e63db50b47" providerId="ADAL" clId="{4F3FAF49-1DF7-4F24-BD45-0FCF078AB041}" dt="2024-04-09T06:23:21.435" v="676"/>
+          <ac:spMkLst>
+            <pc:docMk/>
+            <pc:sldMk cId="1712697869" sldId="610"/>
+            <ac:spMk id="7" creationId="{00000000-0000-0000-0000-000000000000}"/>
+          </ac:spMkLst>
+        </pc:spChg>
+      </pc:sldChg>
+      <pc:sldChg chg="modSp">
+        <pc:chgData name="Zhao Jin" userId="cd05a825-544c-438a-9ba1-08e63db50b47" providerId="ADAL" clId="{4F3FAF49-1DF7-4F24-BD45-0FCF078AB041}" dt="2024-04-09T06:23:21.435" v="676"/>
+        <pc:sldMkLst>
+          <pc:docMk/>
+          <pc:sldMk cId="875106389" sldId="611"/>
+        </pc:sldMkLst>
+        <pc:spChg chg="mod">
+          <ac:chgData name="Zhao Jin" userId="cd05a825-544c-438a-9ba1-08e63db50b47" providerId="ADAL" clId="{4F3FAF49-1DF7-4F24-BD45-0FCF078AB041}" dt="2024-04-09T06:23:21.435" v="676"/>
+          <ac:spMkLst>
+            <pc:docMk/>
+            <pc:sldMk cId="875106389" sldId="611"/>
+            <ac:spMk id="7" creationId="{00000000-0000-0000-0000-000000000000}"/>
+          </ac:spMkLst>
+        </pc:spChg>
+      </pc:sldChg>
+      <pc:sldChg chg="modSp mod">
+        <pc:chgData name="Zhao Jin" userId="cd05a825-544c-438a-9ba1-08e63db50b47" providerId="ADAL" clId="{4F3FAF49-1DF7-4F24-BD45-0FCF078AB041}" dt="2024-04-09T06:23:21.435" v="676"/>
+        <pc:sldMkLst>
+          <pc:docMk/>
+          <pc:sldMk cId="4053289514" sldId="612"/>
+        </pc:sldMkLst>
+        <pc:spChg chg="mod">
+          <ac:chgData name="Zhao Jin" userId="cd05a825-544c-438a-9ba1-08e63db50b47" providerId="ADAL" clId="{4F3FAF49-1DF7-4F24-BD45-0FCF078AB041}" dt="2024-04-09T06:23:21.435" v="676"/>
+          <ac:spMkLst>
+            <pc:docMk/>
+            <pc:sldMk cId="4053289514" sldId="612"/>
+            <ac:spMk id="7" creationId="{00000000-0000-0000-0000-000000000000}"/>
+          </ac:spMkLst>
+        </pc:spChg>
+        <pc:spChg chg="mod">
+          <ac:chgData name="Zhao Jin" userId="cd05a825-544c-438a-9ba1-08e63db50b47" providerId="ADAL" clId="{4F3FAF49-1DF7-4F24-BD45-0FCF078AB041}" dt="2024-04-09T06:15:17.256" v="675" actId="20577"/>
+          <ac:spMkLst>
+            <pc:docMk/>
+            <pc:sldMk cId="4053289514" sldId="612"/>
+            <ac:spMk id="8" creationId="{00000000-0000-0000-0000-000000000000}"/>
+          </ac:spMkLst>
+        </pc:spChg>
+      </pc:sldChg>
+      <pc:sldChg chg="modSp add mod">
+        <pc:chgData name="Zhao Jin" userId="cd05a825-544c-438a-9ba1-08e63db50b47" providerId="ADAL" clId="{4F3FAF49-1DF7-4F24-BD45-0FCF078AB041}" dt="2024-04-09T06:23:21.435" v="676"/>
+        <pc:sldMkLst>
+          <pc:docMk/>
+          <pc:sldMk cId="1485799118" sldId="613"/>
+        </pc:sldMkLst>
+        <pc:spChg chg="mod">
+          <ac:chgData name="Zhao Jin" userId="cd05a825-544c-438a-9ba1-08e63db50b47" providerId="ADAL" clId="{4F3FAF49-1DF7-4F24-BD45-0FCF078AB041}" dt="2024-04-09T06:23:21.435" v="676"/>
+          <ac:spMkLst>
+            <pc:docMk/>
+            <pc:sldMk cId="1485799118" sldId="613"/>
+            <ac:spMk id="7" creationId="{00000000-0000-0000-0000-000000000000}"/>
+          </ac:spMkLst>
+        </pc:spChg>
+        <pc:spChg chg="mod">
+          <ac:chgData name="Zhao Jin" userId="cd05a825-544c-438a-9ba1-08e63db50b47" providerId="ADAL" clId="{4F3FAF49-1DF7-4F24-BD45-0FCF078AB041}" dt="2024-04-09T06:14:37.684" v="637" actId="6549"/>
+          <ac:spMkLst>
+            <pc:docMk/>
+            <pc:sldMk cId="1485799118" sldId="613"/>
+            <ac:spMk id="8" creationId="{00000000-0000-0000-0000-000000000000}"/>
+          </ac:spMkLst>
+        </pc:spChg>
+      </pc:sldChg>
+    </pc:docChg>
+  </pc:docChgLst>
+  <pc:docChgLst>
+    <pc:chgData name="Zhao Jin" userId="cd05a825-544c-438a-9ba1-08e63db50b47" providerId="ADAL" clId="{A4A0FEF4-5388-4642-A424-D6144C2A9D07}"/>
+    <pc:docChg chg="undo custSel modSld">
+      <pc:chgData name="Zhao Jin" userId="cd05a825-544c-438a-9ba1-08e63db50b47" providerId="ADAL" clId="{A4A0FEF4-5388-4642-A424-D6144C2A9D07}" dt="2021-01-25T03:36:28.487" v="214" actId="20577"/>
+      <pc:docMkLst>
+        <pc:docMk/>
+      </pc:docMkLst>
+      <pc:sldChg chg="delSp modSp">
+        <pc:chgData name="Zhao Jin" userId="cd05a825-544c-438a-9ba1-08e63db50b47" providerId="ADAL" clId="{A4A0FEF4-5388-4642-A424-D6144C2A9D07}" dt="2021-01-25T03:33:46.226" v="179"/>
+        <pc:sldMkLst>
+          <pc:docMk/>
+          <pc:sldMk cId="2543678377" sldId="531"/>
+        </pc:sldMkLst>
+        <pc:spChg chg="mod">
+          <ac:chgData name="Zhao Jin" userId="cd05a825-544c-438a-9ba1-08e63db50b47" providerId="ADAL" clId="{A4A0FEF4-5388-4642-A424-D6144C2A9D07}" dt="2021-01-25T03:30:31.833" v="157" actId="20577"/>
+          <ac:spMkLst>
+            <pc:docMk/>
+            <pc:sldMk cId="2543678377" sldId="531"/>
+            <ac:spMk id="10" creationId="{00000000-0000-0000-0000-000000000000}"/>
+          </ac:spMkLst>
+        </pc:spChg>
+        <pc:spChg chg="mod">
+          <ac:chgData name="Zhao Jin" userId="cd05a825-544c-438a-9ba1-08e63db50b47" providerId="ADAL" clId="{A4A0FEF4-5388-4642-A424-D6144C2A9D07}" dt="2021-01-25T03:33:46.226" v="179"/>
+          <ac:spMkLst>
+            <pc:docMk/>
+            <pc:sldMk cId="2543678377" sldId="531"/>
+            <ac:spMk id="43" creationId="{00000000-0000-0000-0000-000000000000}"/>
+          </ac:spMkLst>
+        </pc:spChg>
+        <pc:spChg chg="del">
+          <ac:chgData name="Zhao Jin" userId="cd05a825-544c-438a-9ba1-08e63db50b47" providerId="ADAL" clId="{A4A0FEF4-5388-4642-A424-D6144C2A9D07}" dt="2021-01-25T03:33:24.782" v="178" actId="478"/>
+          <ac:spMkLst>
+            <pc:docMk/>
+            <pc:sldMk cId="2543678377" sldId="531"/>
+            <ac:spMk id="24582" creationId="{00000000-0000-0000-0000-000000000000}"/>
+          </ac:spMkLst>
+        </pc:spChg>
+      </pc:sldChg>
+      <pc:sldChg chg="delSp modSp">
+        <pc:chgData name="Zhao Jin" userId="cd05a825-544c-438a-9ba1-08e63db50b47" providerId="ADAL" clId="{A4A0FEF4-5388-4642-A424-D6144C2A9D07}" dt="2021-01-25T03:33:46.226" v="179"/>
+        <pc:sldMkLst>
+          <pc:docMk/>
+          <pc:sldMk cId="2025693378" sldId="532"/>
+        </pc:sldMkLst>
+        <pc:spChg chg="mod">
+          <ac:chgData name="Zhao Jin" userId="cd05a825-544c-438a-9ba1-08e63db50b47" providerId="ADAL" clId="{A4A0FEF4-5388-4642-A424-D6144C2A9D07}" dt="2021-01-25T03:33:46.226" v="179"/>
+          <ac:spMkLst>
+            <pc:docMk/>
+            <pc:sldMk cId="2025693378" sldId="532"/>
+            <ac:spMk id="43" creationId="{00000000-0000-0000-0000-000000000000}"/>
+          </ac:spMkLst>
+        </pc:spChg>
+        <pc:spChg chg="del">
+          <ac:chgData name="Zhao Jin" userId="cd05a825-544c-438a-9ba1-08e63db50b47" providerId="ADAL" clId="{A4A0FEF4-5388-4642-A424-D6144C2A9D07}" dt="2021-01-25T03:33:20.558" v="177" actId="478"/>
+          <ac:spMkLst>
+            <pc:docMk/>
+            <pc:sldMk cId="2025693378" sldId="532"/>
+            <ac:spMk id="24582" creationId="{00000000-0000-0000-0000-000000000000}"/>
+          </ac:spMkLst>
+        </pc:spChg>
+      </pc:sldChg>
+      <pc:sldChg chg="delSp modSp">
+        <pc:chgData name="Zhao Jin" userId="cd05a825-544c-438a-9ba1-08e63db50b47" providerId="ADAL" clId="{A4A0FEF4-5388-4642-A424-D6144C2A9D07}" dt="2021-01-25T03:36:13.902" v="213" actId="403"/>
+        <pc:sldMkLst>
+          <pc:docMk/>
+          <pc:sldMk cId="266706937" sldId="533"/>
+        </pc:sldMkLst>
+        <pc:spChg chg="mod">
+          <ac:chgData name="Zhao Jin" userId="cd05a825-544c-438a-9ba1-08e63db50b47" providerId="ADAL" clId="{A4A0FEF4-5388-4642-A424-D6144C2A9D07}" dt="2021-01-25T03:36:09.661" v="211" actId="1036"/>
+          <ac:spMkLst>
+            <pc:docMk/>
+            <pc:sldMk cId="266706937" sldId="533"/>
+            <ac:spMk id="2" creationId="{00000000-0000-0000-0000-000000000000}"/>
+          </ac:spMkLst>
+        </pc:spChg>
+        <pc:spChg chg="mod">
+          <ac:chgData name="Zhao Jin" userId="cd05a825-544c-438a-9ba1-08e63db50b47" providerId="ADAL" clId="{A4A0FEF4-5388-4642-A424-D6144C2A9D07}" dt="2021-01-25T03:36:09.661" v="211" actId="1036"/>
+          <ac:spMkLst>
+            <pc:docMk/>
+            <pc:sldMk cId="266706937" sldId="533"/>
+            <ac:spMk id="9" creationId="{00000000-0000-0000-0000-000000000000}"/>
+          </ac:spMkLst>
+        </pc:spChg>
+        <pc:spChg chg="mod">
+          <ac:chgData name="Zhao Jin" userId="cd05a825-544c-438a-9ba1-08e63db50b47" providerId="ADAL" clId="{A4A0FEF4-5388-4642-A424-D6144C2A9D07}" dt="2021-01-25T03:36:09.661" v="211" actId="1036"/>
+          <ac:spMkLst>
+            <pc:docMk/>
+            <pc:sldMk cId="266706937" sldId="533"/>
+            <ac:spMk id="10" creationId="{00000000-0000-0000-0000-000000000000}"/>
+          </ac:spMkLst>
+        </pc:spChg>
+        <pc:spChg chg="mod">
+          <ac:chgData name="Zhao Jin" userId="cd05a825-544c-438a-9ba1-08e63db50b47" providerId="ADAL" clId="{A4A0FEF4-5388-4642-A424-D6144C2A9D07}" dt="2021-01-25T03:36:09.661" v="211" actId="1036"/>
+          <ac:spMkLst>
+            <pc:docMk/>
+            <pc:sldMk cId="266706937" sldId="533"/>
+            <ac:spMk id="13" creationId="{00000000-0000-0000-0000-000000000000}"/>
+          </ac:spMkLst>
+        </pc:spChg>
+        <pc:spChg chg="mod">
+          <ac:chgData name="Zhao Jin" userId="cd05a825-544c-438a-9ba1-08e63db50b47" providerId="ADAL" clId="{A4A0FEF4-5388-4642-A424-D6144C2A9D07}" dt="2021-01-25T03:36:09.661" v="211" actId="1036"/>
+          <ac:spMkLst>
+            <pc:docMk/>
+            <pc:sldMk cId="266706937" sldId="533"/>
+            <ac:spMk id="14" creationId="{00000000-0000-0000-0000-000000000000}"/>
+          </ac:spMkLst>
+        </pc:spChg>
+        <pc:spChg chg="mod">
+          <ac:chgData name="Zhao Jin" userId="cd05a825-544c-438a-9ba1-08e63db50b47" providerId="ADAL" clId="{A4A0FEF4-5388-4642-A424-D6144C2A9D07}" dt="2021-01-25T03:36:13.902" v="213" actId="403"/>
+          <ac:spMkLst>
+            <pc:docMk/>
+            <pc:sldMk cId="266706937" sldId="533"/>
+            <ac:spMk id="15" creationId="{00000000-0000-0000-0000-000000000000}"/>
+          </ac:spMkLst>
+        </pc:spChg>
+        <pc:spChg chg="mod">
+          <ac:chgData name="Zhao Jin" userId="cd05a825-544c-438a-9ba1-08e63db50b47" providerId="ADAL" clId="{A4A0FEF4-5388-4642-A424-D6144C2A9D07}" dt="2021-01-25T03:36:09.661" v="211" actId="1036"/>
+          <ac:spMkLst>
+            <pc:docMk/>
+            <pc:sldMk cId="266706937" sldId="533"/>
+            <ac:spMk id="16" creationId="{00000000-0000-0000-0000-000000000000}"/>
+          </ac:spMkLst>
+        </pc:spChg>
+        <pc:spChg chg="mod">
+          <ac:chgData name="Zhao Jin" userId="cd05a825-544c-438a-9ba1-08e63db50b47" providerId="ADAL" clId="{A4A0FEF4-5388-4642-A424-D6144C2A9D07}" dt="2021-01-25T03:33:46.226" v="179"/>
+          <ac:spMkLst>
+            <pc:docMk/>
+            <pc:sldMk cId="266706937" sldId="533"/>
+            <ac:spMk id="43" creationId="{00000000-0000-0000-0000-000000000000}"/>
+          </ac:spMkLst>
+        </pc:spChg>
+        <pc:spChg chg="del">
+          <ac:chgData name="Zhao Jin" userId="cd05a825-544c-438a-9ba1-08e63db50b47" providerId="ADAL" clId="{A4A0FEF4-5388-4642-A424-D6144C2A9D07}" dt="2021-01-25T03:33:11.850" v="174" actId="478"/>
+          <ac:spMkLst>
+            <pc:docMk/>
+            <pc:sldMk cId="266706937" sldId="533"/>
+            <ac:spMk id="24582" creationId="{00000000-0000-0000-0000-000000000000}"/>
+          </ac:spMkLst>
+        </pc:spChg>
+        <pc:picChg chg="mod">
+          <ac:chgData name="Zhao Jin" userId="cd05a825-544c-438a-9ba1-08e63db50b47" providerId="ADAL" clId="{A4A0FEF4-5388-4642-A424-D6144C2A9D07}" dt="2021-01-25T03:36:09.661" v="211" actId="1036"/>
+          <ac:picMkLst>
+            <pc:docMk/>
+            <pc:sldMk cId="266706937" sldId="533"/>
+            <ac:picMk id="7" creationId="{00000000-0000-0000-0000-000000000000}"/>
+          </ac:picMkLst>
+        </pc:picChg>
+      </pc:sldChg>
+      <pc:sldChg chg="addSp delSp modSp">
+        <pc:chgData name="Zhao Jin" userId="cd05a825-544c-438a-9ba1-08e63db50b47" providerId="ADAL" clId="{A4A0FEF4-5388-4642-A424-D6144C2A9D07}" dt="2021-01-25T03:36:28.487" v="214" actId="20577"/>
+        <pc:sldMkLst>
+          <pc:docMk/>
+          <pc:sldMk cId="3198948174" sldId="535"/>
+        </pc:sldMkLst>
+        <pc:spChg chg="add mod">
+          <ac:chgData name="Zhao Jin" userId="cd05a825-544c-438a-9ba1-08e63db50b47" providerId="ADAL" clId="{A4A0FEF4-5388-4642-A424-D6144C2A9D07}" dt="2021-01-25T03:31:40.243" v="165" actId="207"/>
+          <ac:spMkLst>
+            <pc:docMk/>
+            <pc:sldMk cId="3198948174" sldId="535"/>
+            <ac:spMk id="2" creationId="{E3422448-94B2-0F4B-AAE6-2DF38C94C92F}"/>
+          </ac:spMkLst>
+        </pc:spChg>
+        <pc:spChg chg="mod">
+          <ac:chgData name="Zhao Jin" userId="cd05a825-544c-438a-9ba1-08e63db50b47" providerId="ADAL" clId="{A4A0FEF4-5388-4642-A424-D6144C2A9D07}" dt="2021-01-25T03:36:28.487" v="214" actId="20577"/>
+          <ac:spMkLst>
+            <pc:docMk/>
+            <pc:sldMk cId="3198948174" sldId="535"/>
+            <ac:spMk id="15" creationId="{00000000-0000-0000-0000-000000000000}"/>
+          </ac:spMkLst>
+        </pc:spChg>
+        <pc:spChg chg="mod">
+          <ac:chgData name="Zhao Jin" userId="cd05a825-544c-438a-9ba1-08e63db50b47" providerId="ADAL" clId="{A4A0FEF4-5388-4642-A424-D6144C2A9D07}" dt="2021-01-25T03:33:46.226" v="179"/>
+          <ac:spMkLst>
+            <pc:docMk/>
+            <pc:sldMk cId="3198948174" sldId="535"/>
+            <ac:spMk id="43" creationId="{00000000-0000-0000-0000-000000000000}"/>
+          </ac:spMkLst>
+        </pc:spChg>
+        <pc:spChg chg="del mod">
+          <ac:chgData name="Zhao Jin" userId="cd05a825-544c-438a-9ba1-08e63db50b47" providerId="ADAL" clId="{A4A0FEF4-5388-4642-A424-D6144C2A9D07}" dt="2021-01-25T03:33:15.399" v="176" actId="478"/>
+          <ac:spMkLst>
+            <pc:docMk/>
+            <pc:sldMk cId="3198948174" sldId="535"/>
+            <ac:spMk id="24582" creationId="{00000000-0000-0000-0000-000000000000}"/>
+          </ac:spMkLst>
+        </pc:spChg>
+      </pc:sldChg>
+    </pc:docChg>
+  </pc:docChgLst>
+  <pc:docChgLst>
+    <pc:chgData name="Zhao Jin" userId="cd05a825-544c-438a-9ba1-08e63db50b47" providerId="ADAL" clId="{867F3690-C100-40EE-A937-14612E9F3314}"/>
+    <pc:docChg chg="undo custSel addSld delSld modSld">
+      <pc:chgData name="Zhao Jin" userId="cd05a825-544c-438a-9ba1-08e63db50b47" providerId="ADAL" clId="{867F3690-C100-40EE-A937-14612E9F3314}" dt="2021-02-15T05:07:12.447" v="312" actId="1076"/>
       <pc:docMkLst>
         <pc:docMk/>
       </pc:docMkLst>
       <pc:sldChg chg="modSp mod">
-        <pc:chgData name="Zhao Jin" userId="cd05a825-544c-438a-9ba1-08e63db50b47" providerId="ADAL" clId="{4396834B-C94C-4A03-BF7D-9E9F456CFBC2}" dt="2021-03-10T03:38:01.813" v="1" actId="20577"/>
+        <pc:chgData name="Zhao Jin" userId="cd05a825-544c-438a-9ba1-08e63db50b47" providerId="ADAL" clId="{867F3690-C100-40EE-A937-14612E9F3314}" dt="2021-02-10T03:53:02.282" v="0" actId="20577"/>
         <pc:sldMkLst>
           <pc:docMk/>
           <pc:sldMk cId="0" sldId="256"/>
         </pc:sldMkLst>
         <pc:spChg chg="mod">
-          <ac:chgData name="Zhao Jin" userId="cd05a825-544c-438a-9ba1-08e63db50b47" providerId="ADAL" clId="{4396834B-C94C-4A03-BF7D-9E9F456CFBC2}" dt="2021-03-10T03:38:01.813" v="1" actId="20577"/>
+          <ac:chgData name="Zhao Jin" userId="cd05a825-544c-438a-9ba1-08e63db50b47" providerId="ADAL" clId="{867F3690-C100-40EE-A937-14612E9F3314}" dt="2021-02-10T03:53:02.282" v="0" actId="20577"/>
           <ac:spMkLst>
             <pc:docMk/>
             <pc:sldMk cId="0" sldId="256"/>
@@ -2549,14 +2587,37 @@
           </ac:spMkLst>
         </pc:spChg>
       </pc:sldChg>
-      <pc:sldChg chg="modSp">
-        <pc:chgData name="Zhao Jin" userId="cd05a825-544c-438a-9ba1-08e63db50b47" providerId="ADAL" clId="{4396834B-C94C-4A03-BF7D-9E9F456CFBC2}" dt="2021-03-10T03:38:09.139" v="2"/>
+      <pc:sldChg chg="modSp del">
+        <pc:chgData name="Zhao Jin" userId="cd05a825-544c-438a-9ba1-08e63db50b47" providerId="ADAL" clId="{867F3690-C100-40EE-A937-14612E9F3314}" dt="2021-02-11T11:12:55.303" v="2" actId="47"/>
+        <pc:sldMkLst>
+          <pc:docMk/>
+          <pc:sldMk cId="2775173622" sldId="524"/>
+        </pc:sldMkLst>
+        <pc:spChg chg="mod">
+          <ac:chgData name="Zhao Jin" userId="cd05a825-544c-438a-9ba1-08e63db50b47" providerId="ADAL" clId="{867F3690-C100-40EE-A937-14612E9F3314}" dt="2021-02-10T03:53:20.900" v="1"/>
+          <ac:spMkLst>
+            <pc:docMk/>
+            <pc:sldMk cId="2775173622" sldId="524"/>
+            <ac:spMk id="9" creationId="{00000000-0000-0000-0000-000000000000}"/>
+          </ac:spMkLst>
+        </pc:spChg>
+      </pc:sldChg>
+      <pc:sldChg chg="modSp mod">
+        <pc:chgData name="Zhao Jin" userId="cd05a825-544c-438a-9ba1-08e63db50b47" providerId="ADAL" clId="{867F3690-C100-40EE-A937-14612E9F3314}" dt="2021-02-11T11:16:16.653" v="199" actId="207"/>
         <pc:sldMkLst>
           <pc:docMk/>
           <pc:sldMk cId="4078418712" sldId="525"/>
         </pc:sldMkLst>
         <pc:spChg chg="mod">
-          <ac:chgData name="Zhao Jin" userId="cd05a825-544c-438a-9ba1-08e63db50b47" providerId="ADAL" clId="{4396834B-C94C-4A03-BF7D-9E9F456CFBC2}" dt="2021-03-10T03:38:09.139" v="2"/>
+          <ac:chgData name="Zhao Jin" userId="cd05a825-544c-438a-9ba1-08e63db50b47" providerId="ADAL" clId="{867F3690-C100-40EE-A937-14612E9F3314}" dt="2021-02-11T11:16:16.653" v="199" actId="207"/>
+          <ac:spMkLst>
+            <pc:docMk/>
+            <pc:sldMk cId="4078418712" sldId="525"/>
+            <ac:spMk id="8" creationId="{00000000-0000-0000-0000-000000000000}"/>
+          </ac:spMkLst>
+        </pc:spChg>
+        <pc:spChg chg="mod">
+          <ac:chgData name="Zhao Jin" userId="cd05a825-544c-438a-9ba1-08e63db50b47" providerId="ADAL" clId="{867F3690-C100-40EE-A937-14612E9F3314}" dt="2021-02-10T03:53:20.900" v="1"/>
           <ac:spMkLst>
             <pc:docMk/>
             <pc:sldMk cId="4078418712" sldId="525"/>
@@ -2564,14 +2625,29 @@
           </ac:spMkLst>
         </pc:spChg>
       </pc:sldChg>
-      <pc:sldChg chg="modSp">
-        <pc:chgData name="Zhao Jin" userId="cd05a825-544c-438a-9ba1-08e63db50b47" providerId="ADAL" clId="{4396834B-C94C-4A03-BF7D-9E9F456CFBC2}" dt="2021-03-10T03:38:09.139" v="2"/>
+      <pc:sldChg chg="modSp del">
+        <pc:chgData name="Zhao Jin" userId="cd05a825-544c-438a-9ba1-08e63db50b47" providerId="ADAL" clId="{867F3690-C100-40EE-A937-14612E9F3314}" dt="2021-02-11T11:12:55.303" v="2" actId="47"/>
+        <pc:sldMkLst>
+          <pc:docMk/>
+          <pc:sldMk cId="2882118053" sldId="552"/>
+        </pc:sldMkLst>
+        <pc:spChg chg="mod">
+          <ac:chgData name="Zhao Jin" userId="cd05a825-544c-438a-9ba1-08e63db50b47" providerId="ADAL" clId="{867F3690-C100-40EE-A937-14612E9F3314}" dt="2021-02-10T03:53:20.900" v="1"/>
+          <ac:spMkLst>
+            <pc:docMk/>
+            <pc:sldMk cId="2882118053" sldId="552"/>
+            <ac:spMk id="7" creationId="{00000000-0000-0000-0000-000000000000}"/>
+          </ac:spMkLst>
+        </pc:spChg>
+      </pc:sldChg>
+      <pc:sldChg chg="modSp add mod">
+        <pc:chgData name="Zhao Jin" userId="cd05a825-544c-438a-9ba1-08e63db50b47" providerId="ADAL" clId="{867F3690-C100-40EE-A937-14612E9F3314}" dt="2021-02-15T04:57:13.323" v="201"/>
         <pc:sldMkLst>
           <pc:docMk/>
           <pc:sldMk cId="1427618944" sldId="553"/>
         </pc:sldMkLst>
         <pc:spChg chg="mod">
-          <ac:chgData name="Zhao Jin" userId="cd05a825-544c-438a-9ba1-08e63db50b47" providerId="ADAL" clId="{4396834B-C94C-4A03-BF7D-9E9F456CFBC2}" dt="2021-03-10T03:38:09.139" v="2"/>
+          <ac:chgData name="Zhao Jin" userId="cd05a825-544c-438a-9ba1-08e63db50b47" providerId="ADAL" clId="{867F3690-C100-40EE-A937-14612E9F3314}" dt="2021-02-15T04:57:13.323" v="201"/>
           <ac:spMkLst>
             <pc:docMk/>
             <pc:sldMk cId="1427618944" sldId="553"/>
@@ -2579,123 +2655,276 @@
           </ac:spMkLst>
         </pc:spChg>
       </pc:sldChg>
-      <pc:sldChg chg="modSp">
-        <pc:chgData name="Zhao Jin" userId="cd05a825-544c-438a-9ba1-08e63db50b47" providerId="ADAL" clId="{4396834B-C94C-4A03-BF7D-9E9F456CFBC2}" dt="2021-03-10T03:38:09.139" v="2"/>
+      <pc:sldChg chg="modSp del">
+        <pc:chgData name="Zhao Jin" userId="cd05a825-544c-438a-9ba1-08e63db50b47" providerId="ADAL" clId="{867F3690-C100-40EE-A937-14612E9F3314}" dt="2021-02-11T11:12:55.303" v="2" actId="47"/>
         <pc:sldMkLst>
           <pc:docMk/>
-          <pc:sldMk cId="1542002799" sldId="602"/>
+          <pc:sldMk cId="2082920116" sldId="553"/>
         </pc:sldMkLst>
         <pc:spChg chg="mod">
-          <ac:chgData name="Zhao Jin" userId="cd05a825-544c-438a-9ba1-08e63db50b47" providerId="ADAL" clId="{4396834B-C94C-4A03-BF7D-9E9F456CFBC2}" dt="2021-03-10T03:38:09.139" v="2"/>
-          <ac:spMkLst>
-            <pc:docMk/>
-            <pc:sldMk cId="1542002799" sldId="602"/>
+          <ac:chgData name="Zhao Jin" userId="cd05a825-544c-438a-9ba1-08e63db50b47" providerId="ADAL" clId="{867F3690-C100-40EE-A937-14612E9F3314}" dt="2021-02-10T03:53:20.900" v="1"/>
+          <ac:spMkLst>
+            <pc:docMk/>
+            <pc:sldMk cId="2082920116" sldId="553"/>
             <ac:spMk id="7" creationId="{00000000-0000-0000-0000-000000000000}"/>
           </ac:spMkLst>
         </pc:spChg>
       </pc:sldChg>
-      <pc:sldChg chg="modSp">
-        <pc:chgData name="Zhao Jin" userId="cd05a825-544c-438a-9ba1-08e63db50b47" providerId="ADAL" clId="{4396834B-C94C-4A03-BF7D-9E9F456CFBC2}" dt="2021-03-10T03:38:09.139" v="2"/>
+      <pc:sldChg chg="modSp del">
+        <pc:chgData name="Zhao Jin" userId="cd05a825-544c-438a-9ba1-08e63db50b47" providerId="ADAL" clId="{867F3690-C100-40EE-A937-14612E9F3314}" dt="2021-02-11T11:12:55.303" v="2" actId="47"/>
         <pc:sldMkLst>
           <pc:docMk/>
-          <pc:sldMk cId="2489370454" sldId="605"/>
+          <pc:sldMk cId="1659983766" sldId="554"/>
         </pc:sldMkLst>
         <pc:spChg chg="mod">
-          <ac:chgData name="Zhao Jin" userId="cd05a825-544c-438a-9ba1-08e63db50b47" providerId="ADAL" clId="{4396834B-C94C-4A03-BF7D-9E9F456CFBC2}" dt="2021-03-10T03:38:09.139" v="2"/>
-          <ac:spMkLst>
-            <pc:docMk/>
-            <pc:sldMk cId="2489370454" sldId="605"/>
+          <ac:chgData name="Zhao Jin" userId="cd05a825-544c-438a-9ba1-08e63db50b47" providerId="ADAL" clId="{867F3690-C100-40EE-A937-14612E9F3314}" dt="2021-02-10T03:53:20.900" v="1"/>
+          <ac:spMkLst>
+            <pc:docMk/>
+            <pc:sldMk cId="1659983766" sldId="554"/>
             <ac:spMk id="7" creationId="{00000000-0000-0000-0000-000000000000}"/>
           </ac:spMkLst>
         </pc:spChg>
       </pc:sldChg>
-      <pc:sldChg chg="modSp">
-        <pc:chgData name="Zhao Jin" userId="cd05a825-544c-438a-9ba1-08e63db50b47" providerId="ADAL" clId="{4396834B-C94C-4A03-BF7D-9E9F456CFBC2}" dt="2021-03-10T03:38:09.139" v="2"/>
+      <pc:sldChg chg="modSp del">
+        <pc:chgData name="Zhao Jin" userId="cd05a825-544c-438a-9ba1-08e63db50b47" providerId="ADAL" clId="{867F3690-C100-40EE-A937-14612E9F3314}" dt="2021-02-11T11:12:55.303" v="2" actId="47"/>
         <pc:sldMkLst>
           <pc:docMk/>
-          <pc:sldMk cId="640598186" sldId="606"/>
+          <pc:sldMk cId="686532275" sldId="558"/>
         </pc:sldMkLst>
         <pc:spChg chg="mod">
-          <ac:chgData name="Zhao Jin" userId="cd05a825-544c-438a-9ba1-08e63db50b47" providerId="ADAL" clId="{4396834B-C94C-4A03-BF7D-9E9F456CFBC2}" dt="2021-03-10T03:38:09.139" v="2"/>
-          <ac:spMkLst>
-            <pc:docMk/>
-            <pc:sldMk cId="640598186" sldId="606"/>
+          <ac:chgData name="Zhao Jin" userId="cd05a825-544c-438a-9ba1-08e63db50b47" providerId="ADAL" clId="{867F3690-C100-40EE-A937-14612E9F3314}" dt="2021-02-10T03:53:20.900" v="1"/>
+          <ac:spMkLst>
+            <pc:docMk/>
+            <pc:sldMk cId="686532275" sldId="558"/>
             <ac:spMk id="7" creationId="{00000000-0000-0000-0000-000000000000}"/>
           </ac:spMkLst>
         </pc:spChg>
       </pc:sldChg>
-      <pc:sldChg chg="modSp">
-        <pc:chgData name="Zhao Jin" userId="cd05a825-544c-438a-9ba1-08e63db50b47" providerId="ADAL" clId="{4396834B-C94C-4A03-BF7D-9E9F456CFBC2}" dt="2021-03-10T03:38:09.139" v="2"/>
+      <pc:sldChg chg="modSp add del mod">
+        <pc:chgData name="Zhao Jin" userId="cd05a825-544c-438a-9ba1-08e63db50b47" providerId="ADAL" clId="{867F3690-C100-40EE-A937-14612E9F3314}" dt="2021-02-15T04:59:11.851" v="203" actId="207"/>
         <pc:sldMkLst>
           <pc:docMk/>
-          <pc:sldMk cId="282410985" sldId="620"/>
+          <pc:sldMk cId="1663851036" sldId="559"/>
         </pc:sldMkLst>
         <pc:spChg chg="mod">
-          <ac:chgData name="Zhao Jin" userId="cd05a825-544c-438a-9ba1-08e63db50b47" providerId="ADAL" clId="{4396834B-C94C-4A03-BF7D-9E9F456CFBC2}" dt="2021-03-10T03:38:09.139" v="2"/>
-          <ac:spMkLst>
-            <pc:docMk/>
-            <pc:sldMk cId="282410985" sldId="620"/>
+          <ac:chgData name="Zhao Jin" userId="cd05a825-544c-438a-9ba1-08e63db50b47" providerId="ADAL" clId="{867F3690-C100-40EE-A937-14612E9F3314}" dt="2021-02-11T11:15:11.855" v="41" actId="20577"/>
+          <ac:spMkLst>
+            <pc:docMk/>
+            <pc:sldMk cId="1663851036" sldId="559"/>
             <ac:spMk id="7" creationId="{00000000-0000-0000-0000-000000000000}"/>
           </ac:spMkLst>
         </pc:spChg>
+        <pc:spChg chg="mod">
+          <ac:chgData name="Zhao Jin" userId="cd05a825-544c-438a-9ba1-08e63db50b47" providerId="ADAL" clId="{867F3690-C100-40EE-A937-14612E9F3314}" dt="2021-02-15T04:59:11.851" v="203" actId="207"/>
+          <ac:spMkLst>
+            <pc:docMk/>
+            <pc:sldMk cId="1663851036" sldId="559"/>
+            <ac:spMk id="16" creationId="{D2096CE0-F283-4186-90FF-7C54FF151885}"/>
+          </ac:spMkLst>
+        </pc:spChg>
       </pc:sldChg>
-      <pc:sldChg chg="modSp">
-        <pc:chgData name="Zhao Jin" userId="cd05a825-544c-438a-9ba1-08e63db50b47" providerId="ADAL" clId="{4396834B-C94C-4A03-BF7D-9E9F456CFBC2}" dt="2021-03-10T03:38:09.139" v="2"/>
+      <pc:sldChg chg="addSp delSp modSp add mod">
+        <pc:chgData name="Zhao Jin" userId="cd05a825-544c-438a-9ba1-08e63db50b47" providerId="ADAL" clId="{867F3690-C100-40EE-A937-14612E9F3314}" dt="2021-02-15T05:07:12.447" v="312" actId="1076"/>
         <pc:sldMkLst>
           <pc:docMk/>
-          <pc:sldMk cId="3503582036" sldId="622"/>
+          <pc:sldMk cId="1971208294" sldId="560"/>
         </pc:sldMkLst>
-        <pc:spChg chg="mod">
-          <ac:chgData name="Zhao Jin" userId="cd05a825-544c-438a-9ba1-08e63db50b47" providerId="ADAL" clId="{4396834B-C94C-4A03-BF7D-9E9F456CFBC2}" dt="2021-03-10T03:38:09.139" v="2"/>
-          <ac:spMkLst>
-            <pc:docMk/>
-            <pc:sldMk cId="3503582036" sldId="622"/>
+        <pc:spChg chg="add del mod">
+          <ac:chgData name="Zhao Jin" userId="cd05a825-544c-438a-9ba1-08e63db50b47" providerId="ADAL" clId="{867F3690-C100-40EE-A937-14612E9F3314}" dt="2021-02-15T05:06:53.976" v="311"/>
+          <ac:spMkLst>
+            <pc:docMk/>
+            <pc:sldMk cId="1971208294" sldId="560"/>
+            <ac:spMk id="2" creationId="{E02B9526-DE6C-475A-8918-F3237759A071}"/>
+          </ac:spMkLst>
+        </pc:spChg>
+        <pc:spChg chg="mod">
+          <ac:chgData name="Zhao Jin" userId="cd05a825-544c-438a-9ba1-08e63db50b47" providerId="ADAL" clId="{867F3690-C100-40EE-A937-14612E9F3314}" dt="2021-02-11T11:15:15.706" v="42"/>
+          <ac:spMkLst>
+            <pc:docMk/>
+            <pc:sldMk cId="1971208294" sldId="560"/>
             <ac:spMk id="7" creationId="{00000000-0000-0000-0000-000000000000}"/>
           </ac:spMkLst>
         </pc:spChg>
+        <pc:spChg chg="add mod">
+          <ac:chgData name="Zhao Jin" userId="cd05a825-544c-438a-9ba1-08e63db50b47" providerId="ADAL" clId="{867F3690-C100-40EE-A937-14612E9F3314}" dt="2021-02-15T05:07:12.447" v="312" actId="1076"/>
+          <ac:spMkLst>
+            <pc:docMk/>
+            <pc:sldMk cId="1971208294" sldId="560"/>
+            <ac:spMk id="9" creationId="{9D03A96E-4EDD-4A21-837D-84F7B91B2C3E}"/>
+          </ac:spMkLst>
+        </pc:spChg>
+        <pc:spChg chg="mod">
+          <ac:chgData name="Zhao Jin" userId="cd05a825-544c-438a-9ba1-08e63db50b47" providerId="ADAL" clId="{867F3690-C100-40EE-A937-14612E9F3314}" dt="2021-02-15T05:03:49.372" v="211" actId="20577"/>
+          <ac:spMkLst>
+            <pc:docMk/>
+            <pc:sldMk cId="1971208294" sldId="560"/>
+            <ac:spMk id="30" creationId="{C70A47A0-816F-405E-B986-DCD3BF78F602}"/>
+          </ac:spMkLst>
+        </pc:spChg>
       </pc:sldChg>
-      <pc:sldChg chg="modSp">
-        <pc:chgData name="Zhao Jin" userId="cd05a825-544c-438a-9ba1-08e63db50b47" providerId="ADAL" clId="{4396834B-C94C-4A03-BF7D-9E9F456CFBC2}" dt="2021-03-10T03:38:09.139" v="2"/>
+      <pc:sldChg chg="modSp del">
+        <pc:chgData name="Zhao Jin" userId="cd05a825-544c-438a-9ba1-08e63db50b47" providerId="ADAL" clId="{867F3690-C100-40EE-A937-14612E9F3314}" dt="2021-02-11T11:12:55.303" v="2" actId="47"/>
         <pc:sldMkLst>
           <pc:docMk/>
-          <pc:sldMk cId="1258830549" sldId="635"/>
+          <pc:sldMk cId="1986771488" sldId="561"/>
         </pc:sldMkLst>
         <pc:spChg chg="mod">
-          <ac:chgData name="Zhao Jin" userId="cd05a825-544c-438a-9ba1-08e63db50b47" providerId="ADAL" clId="{4396834B-C94C-4A03-BF7D-9E9F456CFBC2}" dt="2021-03-10T03:38:09.139" v="2"/>
-          <ac:spMkLst>
-            <pc:docMk/>
-            <pc:sldMk cId="1258830549" sldId="635"/>
+          <ac:chgData name="Zhao Jin" userId="cd05a825-544c-438a-9ba1-08e63db50b47" providerId="ADAL" clId="{867F3690-C100-40EE-A937-14612E9F3314}" dt="2021-02-10T03:53:20.900" v="1"/>
+          <ac:spMkLst>
+            <pc:docMk/>
+            <pc:sldMk cId="1986771488" sldId="561"/>
             <ac:spMk id="7" creationId="{00000000-0000-0000-0000-000000000000}"/>
           </ac:spMkLst>
         </pc:spChg>
       </pc:sldChg>
-      <pc:sldChg chg="modSp">
-        <pc:chgData name="Zhao Jin" userId="cd05a825-544c-438a-9ba1-08e63db50b47" providerId="ADAL" clId="{4396834B-C94C-4A03-BF7D-9E9F456CFBC2}" dt="2021-03-10T03:38:09.139" v="2"/>
+      <pc:sldChg chg="modSp add mod">
+        <pc:chgData name="Zhao Jin" userId="cd05a825-544c-438a-9ba1-08e63db50b47" providerId="ADAL" clId="{867F3690-C100-40EE-A937-14612E9F3314}" dt="2021-02-11T11:14:08.750" v="27" actId="20577"/>
         <pc:sldMkLst>
           <pc:docMk/>
-          <pc:sldMk cId="1235845528" sldId="637"/>
+          <pc:sldMk cId="894186310" sldId="564"/>
         </pc:sldMkLst>
         <pc:spChg chg="mod">
-          <ac:chgData name="Zhao Jin" userId="cd05a825-544c-438a-9ba1-08e63db50b47" providerId="ADAL" clId="{4396834B-C94C-4A03-BF7D-9E9F456CFBC2}" dt="2021-03-10T03:38:09.139" v="2"/>
-          <ac:spMkLst>
-            <pc:docMk/>
-            <pc:sldMk cId="1235845528" sldId="637"/>
+          <ac:chgData name="Zhao Jin" userId="cd05a825-544c-438a-9ba1-08e63db50b47" providerId="ADAL" clId="{867F3690-C100-40EE-A937-14612E9F3314}" dt="2021-02-11T11:14:08.750" v="27" actId="20577"/>
+          <ac:spMkLst>
+            <pc:docMk/>
+            <pc:sldMk cId="894186310" sldId="564"/>
             <ac:spMk id="7" creationId="{00000000-0000-0000-0000-000000000000}"/>
           </ac:spMkLst>
         </pc:spChg>
       </pc:sldChg>
-      <pc:sldChg chg="modSp">
-        <pc:chgData name="Zhao Jin" userId="cd05a825-544c-438a-9ba1-08e63db50b47" providerId="ADAL" clId="{4396834B-C94C-4A03-BF7D-9E9F456CFBC2}" dt="2021-03-10T03:38:09.139" v="2"/>
+      <pc:sldChg chg="modSp del">
+        <pc:chgData name="Zhao Jin" userId="cd05a825-544c-438a-9ba1-08e63db50b47" providerId="ADAL" clId="{867F3690-C100-40EE-A937-14612E9F3314}" dt="2021-02-11T11:12:55.303" v="2" actId="47"/>
         <pc:sldMkLst>
           <pc:docMk/>
-          <pc:sldMk cId="3042096305" sldId="638"/>
+          <pc:sldMk cId="1276365520" sldId="564"/>
         </pc:sldMkLst>
         <pc:spChg chg="mod">
-          <ac:chgData name="Zhao Jin" userId="cd05a825-544c-438a-9ba1-08e63db50b47" providerId="ADAL" clId="{4396834B-C94C-4A03-BF7D-9E9F456CFBC2}" dt="2021-03-10T03:38:09.139" v="2"/>
-          <ac:spMkLst>
-            <pc:docMk/>
-            <pc:sldMk cId="3042096305" sldId="638"/>
+          <ac:chgData name="Zhao Jin" userId="cd05a825-544c-438a-9ba1-08e63db50b47" providerId="ADAL" clId="{867F3690-C100-40EE-A937-14612E9F3314}" dt="2021-02-10T03:53:20.900" v="1"/>
+          <ac:spMkLst>
+            <pc:docMk/>
+            <pc:sldMk cId="1276365520" sldId="564"/>
             <ac:spMk id="7" creationId="{00000000-0000-0000-0000-000000000000}"/>
+          </ac:spMkLst>
+        </pc:spChg>
+      </pc:sldChg>
+      <pc:sldChg chg="modSp del">
+        <pc:chgData name="Zhao Jin" userId="cd05a825-544c-438a-9ba1-08e63db50b47" providerId="ADAL" clId="{867F3690-C100-40EE-A937-14612E9F3314}" dt="2021-02-11T11:12:55.303" v="2" actId="47"/>
+        <pc:sldMkLst>
+          <pc:docMk/>
+          <pc:sldMk cId="827193018" sldId="565"/>
+        </pc:sldMkLst>
+        <pc:spChg chg="mod">
+          <ac:chgData name="Zhao Jin" userId="cd05a825-544c-438a-9ba1-08e63db50b47" providerId="ADAL" clId="{867F3690-C100-40EE-A937-14612E9F3314}" dt="2021-02-10T03:53:20.900" v="1"/>
+          <ac:spMkLst>
+            <pc:docMk/>
+            <pc:sldMk cId="827193018" sldId="565"/>
+            <ac:spMk id="7" creationId="{00000000-0000-0000-0000-000000000000}"/>
+          </ac:spMkLst>
+        </pc:spChg>
+      </pc:sldChg>
+      <pc:sldChg chg="modSp del">
+        <pc:chgData name="Zhao Jin" userId="cd05a825-544c-438a-9ba1-08e63db50b47" providerId="ADAL" clId="{867F3690-C100-40EE-A937-14612E9F3314}" dt="2021-02-11T11:12:55.303" v="2" actId="47"/>
+        <pc:sldMkLst>
+          <pc:docMk/>
+          <pc:sldMk cId="3959984611" sldId="566"/>
+        </pc:sldMkLst>
+        <pc:spChg chg="mod">
+          <ac:chgData name="Zhao Jin" userId="cd05a825-544c-438a-9ba1-08e63db50b47" providerId="ADAL" clId="{867F3690-C100-40EE-A937-14612E9F3314}" dt="2021-02-10T03:53:20.900" v="1"/>
+          <ac:spMkLst>
+            <pc:docMk/>
+            <pc:sldMk cId="3959984611" sldId="566"/>
+            <ac:spMk id="7" creationId="{00000000-0000-0000-0000-000000000000}"/>
+          </ac:spMkLst>
+        </pc:spChg>
+      </pc:sldChg>
+      <pc:sldChg chg="modSp del">
+        <pc:chgData name="Zhao Jin" userId="cd05a825-544c-438a-9ba1-08e63db50b47" providerId="ADAL" clId="{867F3690-C100-40EE-A937-14612E9F3314}" dt="2021-02-11T11:12:55.303" v="2" actId="47"/>
+        <pc:sldMkLst>
+          <pc:docMk/>
+          <pc:sldMk cId="2879329457" sldId="568"/>
+        </pc:sldMkLst>
+        <pc:spChg chg="mod">
+          <ac:chgData name="Zhao Jin" userId="cd05a825-544c-438a-9ba1-08e63db50b47" providerId="ADAL" clId="{867F3690-C100-40EE-A937-14612E9F3314}" dt="2021-02-10T03:53:20.900" v="1"/>
+          <ac:spMkLst>
+            <pc:docMk/>
+            <pc:sldMk cId="2879329457" sldId="568"/>
+            <ac:spMk id="9" creationId="{00000000-0000-0000-0000-000000000000}"/>
+          </ac:spMkLst>
+        </pc:spChg>
+      </pc:sldChg>
+      <pc:sldChg chg="modSp del">
+        <pc:chgData name="Zhao Jin" userId="cd05a825-544c-438a-9ba1-08e63db50b47" providerId="ADAL" clId="{867F3690-C100-40EE-A937-14612E9F3314}" dt="2021-02-11T11:12:55.303" v="2" actId="47"/>
+        <pc:sldMkLst>
+          <pc:docMk/>
+          <pc:sldMk cId="4240540711" sldId="569"/>
+        </pc:sldMkLst>
+        <pc:spChg chg="mod">
+          <ac:chgData name="Zhao Jin" userId="cd05a825-544c-438a-9ba1-08e63db50b47" providerId="ADAL" clId="{867F3690-C100-40EE-A937-14612E9F3314}" dt="2021-02-10T03:53:20.900" v="1"/>
+          <ac:spMkLst>
+            <pc:docMk/>
+            <pc:sldMk cId="4240540711" sldId="569"/>
+            <ac:spMk id="7" creationId="{00000000-0000-0000-0000-000000000000}"/>
+          </ac:spMkLst>
+        </pc:spChg>
+      </pc:sldChg>
+      <pc:sldChg chg="delSp modSp add mod delAnim">
+        <pc:chgData name="Zhao Jin" userId="cd05a825-544c-438a-9ba1-08e63db50b47" providerId="ADAL" clId="{867F3690-C100-40EE-A937-14612E9F3314}" dt="2021-02-15T04:58:14.889" v="202" actId="478"/>
+        <pc:sldMkLst>
+          <pc:docMk/>
+          <pc:sldMk cId="4156536479" sldId="590"/>
+        </pc:sldMkLst>
+        <pc:spChg chg="mod">
+          <ac:chgData name="Zhao Jin" userId="cd05a825-544c-438a-9ba1-08e63db50b47" providerId="ADAL" clId="{867F3690-C100-40EE-A937-14612E9F3314}" dt="2021-02-11T11:13:32.173" v="10" actId="20577"/>
+          <ac:spMkLst>
+            <pc:docMk/>
+            <pc:sldMk cId="4156536479" sldId="590"/>
+            <ac:spMk id="7" creationId="{00000000-0000-0000-0000-000000000000}"/>
+          </ac:spMkLst>
+        </pc:spChg>
+        <pc:spChg chg="del">
+          <ac:chgData name="Zhao Jin" userId="cd05a825-544c-438a-9ba1-08e63db50b47" providerId="ADAL" clId="{867F3690-C100-40EE-A937-14612E9F3314}" dt="2021-02-15T04:58:14.889" v="202" actId="478"/>
+          <ac:spMkLst>
+            <pc:docMk/>
+            <pc:sldMk cId="4156536479" sldId="590"/>
+            <ac:spMk id="34" creationId="{1DA4B870-5E05-4566-A46F-B6A051179C55}"/>
+          </ac:spMkLst>
+        </pc:spChg>
+      </pc:sldChg>
+      <pc:sldChg chg="modSp add mod">
+        <pc:chgData name="Zhao Jin" userId="cd05a825-544c-438a-9ba1-08e63db50b47" providerId="ADAL" clId="{867F3690-C100-40EE-A937-14612E9F3314}" dt="2021-02-11T11:13:35.741" v="11"/>
+        <pc:sldMkLst>
+          <pc:docMk/>
+          <pc:sldMk cId="2217225800" sldId="594"/>
+        </pc:sldMkLst>
+        <pc:spChg chg="mod">
+          <ac:chgData name="Zhao Jin" userId="cd05a825-544c-438a-9ba1-08e63db50b47" providerId="ADAL" clId="{867F3690-C100-40EE-A937-14612E9F3314}" dt="2021-02-11T11:13:35.741" v="11"/>
+          <ac:spMkLst>
+            <pc:docMk/>
+            <pc:sldMk cId="2217225800" sldId="594"/>
+            <ac:spMk id="7" creationId="{00000000-0000-0000-0000-000000000000}"/>
+          </ac:spMkLst>
+        </pc:spChg>
+      </pc:sldChg>
+      <pc:sldChg chg="delSp modSp add mod">
+        <pc:chgData name="Zhao Jin" userId="cd05a825-544c-438a-9ba1-08e63db50b47" providerId="ADAL" clId="{867F3690-C100-40EE-A937-14612E9F3314}" dt="2021-02-11T11:13:40.184" v="13" actId="478"/>
+        <pc:sldMkLst>
+          <pc:docMk/>
+          <pc:sldMk cId="2419983458" sldId="595"/>
+        </pc:sldMkLst>
+        <pc:spChg chg="mod">
+          <ac:chgData name="Zhao Jin" userId="cd05a825-544c-438a-9ba1-08e63db50b47" providerId="ADAL" clId="{867F3690-C100-40EE-A937-14612E9F3314}" dt="2021-02-11T11:13:37.679" v="12"/>
+          <ac:spMkLst>
+            <pc:docMk/>
+            <pc:sldMk cId="2419983458" sldId="595"/>
+            <ac:spMk id="7" creationId="{00000000-0000-0000-0000-000000000000}"/>
+          </ac:spMkLst>
+        </pc:spChg>
+        <pc:spChg chg="del">
+          <ac:chgData name="Zhao Jin" userId="cd05a825-544c-438a-9ba1-08e63db50b47" providerId="ADAL" clId="{867F3690-C100-40EE-A937-14612E9F3314}" dt="2021-02-11T11:13:40.184" v="13" actId="478"/>
+          <ac:spMkLst>
+            <pc:docMk/>
+            <pc:sldMk cId="2419983458" sldId="595"/>
+            <ac:spMk id="9" creationId="{02DD4937-725F-46B8-8AE4-992DF5A782AD}"/>
           </ac:spMkLst>
         </pc:spChg>
       </pc:sldChg>
@@ -4264,384 +4493,6 @@
           <pc:docMk/>
           <pc:sldMk cId="3042096305" sldId="638"/>
         </pc:sldMkLst>
-      </pc:sldChg>
-    </pc:docChg>
-  </pc:docChgLst>
-  <pc:docChgLst>
-    <pc:chgData name="Zhao Jin" userId="cd05a825-544c-438a-9ba1-08e63db50b47" providerId="ADAL" clId="{C328B041-D897-B548-9F0A-DA2B3CC3BF8E}"/>
-    <pc:docChg chg="undo custSel modSld">
-      <pc:chgData name="Zhao Jin" userId="cd05a825-544c-438a-9ba1-08e63db50b47" providerId="ADAL" clId="{C328B041-D897-B548-9F0A-DA2B3CC3BF8E}" dt="2021-03-08T02:30:29.708" v="502" actId="478"/>
-      <pc:docMkLst>
-        <pc:docMk/>
-      </pc:docMkLst>
-      <pc:sldChg chg="addSp delSp modSp">
-        <pc:chgData name="Zhao Jin" userId="cd05a825-544c-438a-9ba1-08e63db50b47" providerId="ADAL" clId="{C328B041-D897-B548-9F0A-DA2B3CC3BF8E}" dt="2021-03-08T01:59:34.595" v="472" actId="1076"/>
-        <pc:sldMkLst>
-          <pc:docMk/>
-          <pc:sldMk cId="640598186" sldId="606"/>
-        </pc:sldMkLst>
-        <pc:spChg chg="del mod">
-          <ac:chgData name="Zhao Jin" userId="cd05a825-544c-438a-9ba1-08e63db50b47" providerId="ADAL" clId="{C328B041-D897-B548-9F0A-DA2B3CC3BF8E}" dt="2021-03-08T01:57:38.912" v="292" actId="478"/>
-          <ac:spMkLst>
-            <pc:docMk/>
-            <pc:sldMk cId="640598186" sldId="606"/>
-            <ac:spMk id="2" creationId="{51C58C27-3B14-42B9-A7E7-EA4CB9CA7257}"/>
-          </ac:spMkLst>
-        </pc:spChg>
-        <pc:spChg chg="mod">
-          <ac:chgData name="Zhao Jin" userId="cd05a825-544c-438a-9ba1-08e63db50b47" providerId="ADAL" clId="{C328B041-D897-B548-9F0A-DA2B3CC3BF8E}" dt="2021-03-08T01:59:21.250" v="468" actId="20577"/>
-          <ac:spMkLst>
-            <pc:docMk/>
-            <pc:sldMk cId="640598186" sldId="606"/>
-            <ac:spMk id="8" creationId="{00000000-0000-0000-0000-000000000000}"/>
-          </ac:spMkLst>
-        </pc:spChg>
-        <pc:spChg chg="del mod">
-          <ac:chgData name="Zhao Jin" userId="cd05a825-544c-438a-9ba1-08e63db50b47" providerId="ADAL" clId="{C328B041-D897-B548-9F0A-DA2B3CC3BF8E}" dt="2021-03-08T01:57:38.912" v="292" actId="478"/>
-          <ac:spMkLst>
-            <pc:docMk/>
-            <pc:sldMk cId="640598186" sldId="606"/>
-            <ac:spMk id="11" creationId="{77437CA0-C20C-4626-A0E0-998E2B6D678A}"/>
-          </ac:spMkLst>
-        </pc:spChg>
-        <pc:picChg chg="add del mod">
-          <ac:chgData name="Zhao Jin" userId="cd05a825-544c-438a-9ba1-08e63db50b47" providerId="ADAL" clId="{C328B041-D897-B548-9F0A-DA2B3CC3BF8E}" dt="2021-03-08T01:57:23.305" v="289" actId="478"/>
-          <ac:picMkLst>
-            <pc:docMk/>
-            <pc:sldMk cId="640598186" sldId="606"/>
-            <ac:picMk id="3" creationId="{C72129A9-B0B8-864C-B99F-BE66C680F726}"/>
-          </ac:picMkLst>
-        </pc:picChg>
-        <pc:picChg chg="add mod">
-          <ac:chgData name="Zhao Jin" userId="cd05a825-544c-438a-9ba1-08e63db50b47" providerId="ADAL" clId="{C328B041-D897-B548-9F0A-DA2B3CC3BF8E}" dt="2021-03-08T01:59:34.595" v="472" actId="1076"/>
-          <ac:picMkLst>
-            <pc:docMk/>
-            <pc:sldMk cId="640598186" sldId="606"/>
-            <ac:picMk id="4" creationId="{1D40ECF6-344B-FE48-B159-24A367AE2581}"/>
-          </ac:picMkLst>
-        </pc:picChg>
-        <pc:picChg chg="del mod">
-          <ac:chgData name="Zhao Jin" userId="cd05a825-544c-438a-9ba1-08e63db50b47" providerId="ADAL" clId="{C328B041-D897-B548-9F0A-DA2B3CC3BF8E}" dt="2021-03-08T01:57:38.912" v="292" actId="478"/>
-          <ac:picMkLst>
-            <pc:docMk/>
-            <pc:sldMk cId="640598186" sldId="606"/>
-            <ac:picMk id="5" creationId="{242BC886-F834-413A-AE89-A5BA4EA26039}"/>
-          </ac:picMkLst>
-        </pc:picChg>
-        <pc:picChg chg="del mod">
-          <ac:chgData name="Zhao Jin" userId="cd05a825-544c-438a-9ba1-08e63db50b47" providerId="ADAL" clId="{C328B041-D897-B548-9F0A-DA2B3CC3BF8E}" dt="2021-03-08T01:57:38.912" v="292" actId="478"/>
-          <ac:picMkLst>
-            <pc:docMk/>
-            <pc:sldMk cId="640598186" sldId="606"/>
-            <ac:picMk id="13" creationId="{099946CC-D55C-427B-87A8-2A28E4640BC5}"/>
-          </ac:picMkLst>
-        </pc:picChg>
-        <pc:cxnChg chg="del mod">
-          <ac:chgData name="Zhao Jin" userId="cd05a825-544c-438a-9ba1-08e63db50b47" providerId="ADAL" clId="{C328B041-D897-B548-9F0A-DA2B3CC3BF8E}" dt="2021-03-08T01:57:38.912" v="292" actId="478"/>
-          <ac:cxnSpMkLst>
-            <pc:docMk/>
-            <pc:sldMk cId="640598186" sldId="606"/>
-            <ac:cxnSpMk id="18" creationId="{370E7FFF-A963-44C1-90E8-1FD6843962A5}"/>
-          </ac:cxnSpMkLst>
-        </pc:cxnChg>
-      </pc:sldChg>
-      <pc:sldChg chg="addSp delSp modSp delAnim modAnim">
-        <pc:chgData name="Zhao Jin" userId="cd05a825-544c-438a-9ba1-08e63db50b47" providerId="ADAL" clId="{C328B041-D897-B548-9F0A-DA2B3CC3BF8E}" dt="2021-03-08T02:29:23.604" v="485"/>
-        <pc:sldMkLst>
-          <pc:docMk/>
-          <pc:sldMk cId="282410985" sldId="620"/>
-        </pc:sldMkLst>
-        <pc:spChg chg="add">
-          <ac:chgData name="Zhao Jin" userId="cd05a825-544c-438a-9ba1-08e63db50b47" providerId="ADAL" clId="{C328B041-D897-B548-9F0A-DA2B3CC3BF8E}" dt="2021-03-08T02:29:17.041" v="484"/>
-          <ac:spMkLst>
-            <pc:docMk/>
-            <pc:sldMk cId="282410985" sldId="620"/>
-            <ac:spMk id="10" creationId="{2EDFDD67-6333-9844-8194-21DDDD857199}"/>
-          </ac:spMkLst>
-        </pc:spChg>
-        <pc:spChg chg="del">
-          <ac:chgData name="Zhao Jin" userId="cd05a825-544c-438a-9ba1-08e63db50b47" providerId="ADAL" clId="{C328B041-D897-B548-9F0A-DA2B3CC3BF8E}" dt="2021-03-08T02:09:27.105" v="473" actId="478"/>
-          <ac:spMkLst>
-            <pc:docMk/>
-            <pc:sldMk cId="282410985" sldId="620"/>
-            <ac:spMk id="10" creationId="{DC015A31-59EB-4945-B34A-AB4D01672DA6}"/>
-          </ac:spMkLst>
-        </pc:spChg>
-        <pc:spChg chg="mod">
-          <ac:chgData name="Zhao Jin" userId="cd05a825-544c-438a-9ba1-08e63db50b47" providerId="ADAL" clId="{C328B041-D897-B548-9F0A-DA2B3CC3BF8E}" dt="2021-03-08T02:27:37.686" v="482" actId="368"/>
-          <ac:spMkLst>
-            <pc:docMk/>
-            <pc:sldMk cId="282410985" sldId="620"/>
-            <ac:spMk id="13" creationId="{A6C30920-C994-477D-BF38-FB31A7971AB0}"/>
-          </ac:spMkLst>
-        </pc:spChg>
-        <pc:spChg chg="mod">
-          <ac:chgData name="Zhao Jin" userId="cd05a825-544c-438a-9ba1-08e63db50b47" providerId="ADAL" clId="{C328B041-D897-B548-9F0A-DA2B3CC3BF8E}" dt="2021-03-08T02:26:37.837" v="474" actId="207"/>
-          <ac:spMkLst>
-            <pc:docMk/>
-            <pc:sldMk cId="282410985" sldId="620"/>
-            <ac:spMk id="16" creationId="{7D612F80-F399-47C0-9F5C-4D60AC2C8B4A}"/>
-          </ac:spMkLst>
-        </pc:spChg>
-        <pc:spChg chg="mod">
-          <ac:chgData name="Zhao Jin" userId="cd05a825-544c-438a-9ba1-08e63db50b47" providerId="ADAL" clId="{C328B041-D897-B548-9F0A-DA2B3CC3BF8E}" dt="2021-03-08T02:27:17.031" v="480" actId="20577"/>
-          <ac:spMkLst>
-            <pc:docMk/>
-            <pc:sldMk cId="282410985" sldId="620"/>
-            <ac:spMk id="17" creationId="{C3484D0C-7905-4424-BBC9-B23C55F335D2}"/>
-          </ac:spMkLst>
-        </pc:spChg>
-        <pc:cxnChg chg="add">
-          <ac:chgData name="Zhao Jin" userId="cd05a825-544c-438a-9ba1-08e63db50b47" providerId="ADAL" clId="{C328B041-D897-B548-9F0A-DA2B3CC3BF8E}" dt="2021-03-08T02:29:17.041" v="484"/>
-          <ac:cxnSpMkLst>
-            <pc:docMk/>
-            <pc:sldMk cId="282410985" sldId="620"/>
-            <ac:cxnSpMk id="11" creationId="{3EB55ED0-34DD-3648-82BE-386DCFECCD9D}"/>
-          </ac:cxnSpMkLst>
-        </pc:cxnChg>
-        <pc:cxnChg chg="del mod">
-          <ac:chgData name="Zhao Jin" userId="cd05a825-544c-438a-9ba1-08e63db50b47" providerId="ADAL" clId="{C328B041-D897-B548-9F0A-DA2B3CC3BF8E}" dt="2021-03-08T02:09:27.105" v="473" actId="478"/>
-          <ac:cxnSpMkLst>
-            <pc:docMk/>
-            <pc:sldMk cId="282410985" sldId="620"/>
-            <ac:cxnSpMk id="11" creationId="{692DA3A9-F762-430E-A74A-81B0C7CCC482}"/>
-          </ac:cxnSpMkLst>
-        </pc:cxnChg>
-      </pc:sldChg>
-      <pc:sldChg chg="modAnim">
-        <pc:chgData name="Zhao Jin" userId="cd05a825-544c-438a-9ba1-08e63db50b47" providerId="ADAL" clId="{C328B041-D897-B548-9F0A-DA2B3CC3BF8E}" dt="2021-03-08T02:28:00.489" v="483"/>
-        <pc:sldMkLst>
-          <pc:docMk/>
-          <pc:sldMk cId="3503582036" sldId="622"/>
-        </pc:sldMkLst>
-      </pc:sldChg>
-      <pc:sldChg chg="delSp modSp modAnim">
-        <pc:chgData name="Zhao Jin" userId="cd05a825-544c-438a-9ba1-08e63db50b47" providerId="ADAL" clId="{C328B041-D897-B548-9F0A-DA2B3CC3BF8E}" dt="2021-03-08T02:30:29.708" v="502" actId="478"/>
-        <pc:sldMkLst>
-          <pc:docMk/>
-          <pc:sldMk cId="1258830549" sldId="635"/>
-        </pc:sldMkLst>
-        <pc:spChg chg="mod">
-          <ac:chgData name="Zhao Jin" userId="cd05a825-544c-438a-9ba1-08e63db50b47" providerId="ADAL" clId="{C328B041-D897-B548-9F0A-DA2B3CC3BF8E}" dt="2021-03-08T02:30:07.762" v="498" actId="20577"/>
-          <ac:spMkLst>
-            <pc:docMk/>
-            <pc:sldMk cId="1258830549" sldId="635"/>
-            <ac:spMk id="13" creationId="{00000000-0000-0000-0000-000000000000}"/>
-          </ac:spMkLst>
-        </pc:spChg>
-        <pc:spChg chg="del mod">
-          <ac:chgData name="Zhao Jin" userId="cd05a825-544c-438a-9ba1-08e63db50b47" providerId="ADAL" clId="{C328B041-D897-B548-9F0A-DA2B3CC3BF8E}" dt="2021-03-08T02:30:29.708" v="502" actId="478"/>
-          <ac:spMkLst>
-            <pc:docMk/>
-            <pc:sldMk cId="1258830549" sldId="635"/>
-            <ac:spMk id="60" creationId="{3BA40477-BBC4-485C-A481-816E23593E32}"/>
-          </ac:spMkLst>
-        </pc:spChg>
-      </pc:sldChg>
-    </pc:docChg>
-  </pc:docChgLst>
-  <pc:docChgLst>
-    <pc:chgData name="Zhao Jin" userId="cd05a825-544c-438a-9ba1-08e63db50b47" providerId="ADAL" clId="{58C03815-4E31-4955-A4FF-9C307A06DDB5}"/>
-    <pc:docChg chg="undo custSel modSld">
-      <pc:chgData name="Zhao Jin" userId="cd05a825-544c-438a-9ba1-08e63db50b47" providerId="ADAL" clId="{58C03815-4E31-4955-A4FF-9C307A06DDB5}" dt="2024-01-31T05:16:52.631" v="26"/>
-      <pc:docMkLst>
-        <pc:docMk/>
-      </pc:docMkLst>
-      <pc:sldChg chg="addSp modSp">
-        <pc:chgData name="Zhao Jin" userId="cd05a825-544c-438a-9ba1-08e63db50b47" providerId="ADAL" clId="{58C03815-4E31-4955-A4FF-9C307A06DDB5}" dt="2024-01-31T05:13:36.886" v="0"/>
-        <pc:sldMkLst>
-          <pc:docMk/>
-          <pc:sldMk cId="0" sldId="256"/>
-        </pc:sldMkLst>
-        <pc:spChg chg="add mod">
-          <ac:chgData name="Zhao Jin" userId="cd05a825-544c-438a-9ba1-08e63db50b47" providerId="ADAL" clId="{58C03815-4E31-4955-A4FF-9C307A06DDB5}" dt="2024-01-31T05:13:36.886" v="0"/>
-          <ac:spMkLst>
-            <pc:docMk/>
-            <pc:sldMk cId="0" sldId="256"/>
-            <ac:spMk id="3" creationId="{9FF3ABFF-186A-9E9A-E2DA-7353E5AEDE82}"/>
-          </ac:spMkLst>
-        </pc:spChg>
-        <pc:picChg chg="add mod">
-          <ac:chgData name="Zhao Jin" userId="cd05a825-544c-438a-9ba1-08e63db50b47" providerId="ADAL" clId="{58C03815-4E31-4955-A4FF-9C307A06DDB5}" dt="2024-01-31T05:13:36.886" v="0"/>
-          <ac:picMkLst>
-            <pc:docMk/>
-            <pc:sldMk cId="0" sldId="256"/>
-            <ac:picMk id="2" creationId="{AD1A5B2C-4502-7337-B6D0-8684F0B243DF}"/>
-          </ac:picMkLst>
-        </pc:picChg>
-      </pc:sldChg>
-      <pc:sldChg chg="modSp mod">
-        <pc:chgData name="Zhao Jin" userId="cd05a825-544c-438a-9ba1-08e63db50b47" providerId="ADAL" clId="{58C03815-4E31-4955-A4FF-9C307A06DDB5}" dt="2024-01-31T05:16:18.293" v="13" actId="27636"/>
-        <pc:sldMkLst>
-          <pc:docMk/>
-          <pc:sldMk cId="2438607696" sldId="468"/>
-        </pc:sldMkLst>
-        <pc:spChg chg="mod">
-          <ac:chgData name="Zhao Jin" userId="cd05a825-544c-438a-9ba1-08e63db50b47" providerId="ADAL" clId="{58C03815-4E31-4955-A4FF-9C307A06DDB5}" dt="2024-01-31T05:16:18.293" v="13" actId="27636"/>
-          <ac:spMkLst>
-            <pc:docMk/>
-            <pc:sldMk cId="2438607696" sldId="468"/>
-            <ac:spMk id="7" creationId="{00000000-0000-0000-0000-000000000000}"/>
-          </ac:spMkLst>
-        </pc:spChg>
-      </pc:sldChg>
-      <pc:sldChg chg="addSp delSp modSp mod">
-        <pc:chgData name="Zhao Jin" userId="cd05a825-544c-438a-9ba1-08e63db50b47" providerId="ADAL" clId="{58C03815-4E31-4955-A4FF-9C307A06DDB5}" dt="2024-01-31T05:16:52.631" v="26"/>
-        <pc:sldMkLst>
-          <pc:docMk/>
-          <pc:sldMk cId="4078418712" sldId="525"/>
-        </pc:sldMkLst>
-        <pc:spChg chg="add mod">
-          <ac:chgData name="Zhao Jin" userId="cd05a825-544c-438a-9ba1-08e63db50b47" providerId="ADAL" clId="{58C03815-4E31-4955-A4FF-9C307A06DDB5}" dt="2024-01-31T05:16:52.631" v="26"/>
-          <ac:spMkLst>
-            <pc:docMk/>
-            <pc:sldMk cId="4078418712" sldId="525"/>
-            <ac:spMk id="2" creationId="{6172AC33-6572-4278-0EAA-FB83F57774A9}"/>
-          </ac:spMkLst>
-        </pc:spChg>
-        <pc:spChg chg="del">
-          <ac:chgData name="Zhao Jin" userId="cd05a825-544c-438a-9ba1-08e63db50b47" providerId="ADAL" clId="{58C03815-4E31-4955-A4FF-9C307A06DDB5}" dt="2024-01-31T05:16:51.710" v="25" actId="478"/>
-          <ac:spMkLst>
-            <pc:docMk/>
-            <pc:sldMk cId="4078418712" sldId="525"/>
-            <ac:spMk id="43" creationId="{00000000-0000-0000-0000-000000000000}"/>
-          </ac:spMkLst>
-        </pc:spChg>
-      </pc:sldChg>
-      <pc:sldChg chg="modSp mod">
-        <pc:chgData name="Zhao Jin" userId="cd05a825-544c-438a-9ba1-08e63db50b47" providerId="ADAL" clId="{58C03815-4E31-4955-A4FF-9C307A06DDB5}" dt="2024-01-31T05:16:18.298" v="15" actId="27636"/>
-        <pc:sldMkLst>
-          <pc:docMk/>
-          <pc:sldMk cId="1542002799" sldId="602"/>
-        </pc:sldMkLst>
-        <pc:spChg chg="mod">
-          <ac:chgData name="Zhao Jin" userId="cd05a825-544c-438a-9ba1-08e63db50b47" providerId="ADAL" clId="{58C03815-4E31-4955-A4FF-9C307A06DDB5}" dt="2024-01-31T05:16:18.298" v="15" actId="27636"/>
-          <ac:spMkLst>
-            <pc:docMk/>
-            <pc:sldMk cId="1542002799" sldId="602"/>
-            <ac:spMk id="7" creationId="{00000000-0000-0000-0000-000000000000}"/>
-          </ac:spMkLst>
-        </pc:spChg>
-      </pc:sldChg>
-      <pc:sldChg chg="modSp mod">
-        <pc:chgData name="Zhao Jin" userId="cd05a825-544c-438a-9ba1-08e63db50b47" providerId="ADAL" clId="{58C03815-4E31-4955-A4FF-9C307A06DDB5}" dt="2024-01-31T05:16:18.296" v="14" actId="27636"/>
-        <pc:sldMkLst>
-          <pc:docMk/>
-          <pc:sldMk cId="4071526340" sldId="603"/>
-        </pc:sldMkLst>
-        <pc:spChg chg="mod">
-          <ac:chgData name="Zhao Jin" userId="cd05a825-544c-438a-9ba1-08e63db50b47" providerId="ADAL" clId="{58C03815-4E31-4955-A4FF-9C307A06DDB5}" dt="2024-01-31T05:16:18.296" v="14" actId="27636"/>
-          <ac:spMkLst>
-            <pc:docMk/>
-            <pc:sldMk cId="4071526340" sldId="603"/>
-            <ac:spMk id="7" creationId="{00000000-0000-0000-0000-000000000000}"/>
-          </ac:spMkLst>
-        </pc:spChg>
-      </pc:sldChg>
-      <pc:sldChg chg="modSp mod">
-        <pc:chgData name="Zhao Jin" userId="cd05a825-544c-438a-9ba1-08e63db50b47" providerId="ADAL" clId="{58C03815-4E31-4955-A4FF-9C307A06DDB5}" dt="2024-01-31T05:16:37.568" v="24" actId="255"/>
-        <pc:sldMkLst>
-          <pc:docMk/>
-          <pc:sldMk cId="3733356969" sldId="604"/>
-        </pc:sldMkLst>
-        <pc:spChg chg="mod">
-          <ac:chgData name="Zhao Jin" userId="cd05a825-544c-438a-9ba1-08e63db50b47" providerId="ADAL" clId="{58C03815-4E31-4955-A4FF-9C307A06DDB5}" dt="2024-01-31T05:16:37.568" v="24" actId="255"/>
-          <ac:spMkLst>
-            <pc:docMk/>
-            <pc:sldMk cId="3733356969" sldId="604"/>
-            <ac:spMk id="7" creationId="{00000000-0000-0000-0000-000000000000}"/>
-          </ac:spMkLst>
-        </pc:spChg>
-      </pc:sldChg>
-      <pc:sldChg chg="modSp mod">
-        <pc:chgData name="Zhao Jin" userId="cd05a825-544c-438a-9ba1-08e63db50b47" providerId="ADAL" clId="{58C03815-4E31-4955-A4FF-9C307A06DDB5}" dt="2024-01-31T05:16:18.300" v="16" actId="27636"/>
-        <pc:sldMkLst>
-          <pc:docMk/>
-          <pc:sldMk cId="1986457205" sldId="605"/>
-        </pc:sldMkLst>
-        <pc:spChg chg="mod">
-          <ac:chgData name="Zhao Jin" userId="cd05a825-544c-438a-9ba1-08e63db50b47" providerId="ADAL" clId="{58C03815-4E31-4955-A4FF-9C307A06DDB5}" dt="2024-01-31T05:16:18.300" v="16" actId="27636"/>
-          <ac:spMkLst>
-            <pc:docMk/>
-            <pc:sldMk cId="1986457205" sldId="605"/>
-            <ac:spMk id="7" creationId="{00000000-0000-0000-0000-000000000000}"/>
-          </ac:spMkLst>
-        </pc:spChg>
-      </pc:sldChg>
-      <pc:sldChg chg="modSp mod">
-        <pc:chgData name="Zhao Jin" userId="cd05a825-544c-438a-9ba1-08e63db50b47" providerId="ADAL" clId="{58C03815-4E31-4955-A4FF-9C307A06DDB5}" dt="2024-01-31T05:16:18.302" v="17" actId="27636"/>
-        <pc:sldMkLst>
-          <pc:docMk/>
-          <pc:sldMk cId="244432225" sldId="608"/>
-        </pc:sldMkLst>
-        <pc:spChg chg="mod">
-          <ac:chgData name="Zhao Jin" userId="cd05a825-544c-438a-9ba1-08e63db50b47" providerId="ADAL" clId="{58C03815-4E31-4955-A4FF-9C307A06DDB5}" dt="2024-01-31T05:16:18.302" v="17" actId="27636"/>
-          <ac:spMkLst>
-            <pc:docMk/>
-            <pc:sldMk cId="244432225" sldId="608"/>
-            <ac:spMk id="7" creationId="{00000000-0000-0000-0000-000000000000}"/>
-          </ac:spMkLst>
-        </pc:spChg>
-      </pc:sldChg>
-      <pc:sldChg chg="modSp mod">
-        <pc:chgData name="Zhao Jin" userId="cd05a825-544c-438a-9ba1-08e63db50b47" providerId="ADAL" clId="{58C03815-4E31-4955-A4FF-9C307A06DDB5}" dt="2024-01-31T05:16:18.305" v="18" actId="27636"/>
-        <pc:sldMkLst>
-          <pc:docMk/>
-          <pc:sldMk cId="1540855360" sldId="609"/>
-        </pc:sldMkLst>
-        <pc:spChg chg="mod">
-          <ac:chgData name="Zhao Jin" userId="cd05a825-544c-438a-9ba1-08e63db50b47" providerId="ADAL" clId="{58C03815-4E31-4955-A4FF-9C307A06DDB5}" dt="2024-01-31T05:16:18.305" v="18" actId="27636"/>
-          <ac:spMkLst>
-            <pc:docMk/>
-            <pc:sldMk cId="1540855360" sldId="609"/>
-            <ac:spMk id="7" creationId="{00000000-0000-0000-0000-000000000000}"/>
-          </ac:spMkLst>
-        </pc:spChg>
-      </pc:sldChg>
-      <pc:sldChg chg="modSp mod">
-        <pc:chgData name="Zhao Jin" userId="cd05a825-544c-438a-9ba1-08e63db50b47" providerId="ADAL" clId="{58C03815-4E31-4955-A4FF-9C307A06DDB5}" dt="2024-01-31T05:16:18.322" v="22" actId="27636"/>
-        <pc:sldMkLst>
-          <pc:docMk/>
-          <pc:sldMk cId="1712697869" sldId="610"/>
-        </pc:sldMkLst>
-        <pc:spChg chg="mod">
-          <ac:chgData name="Zhao Jin" userId="cd05a825-544c-438a-9ba1-08e63db50b47" providerId="ADAL" clId="{58C03815-4E31-4955-A4FF-9C307A06DDB5}" dt="2024-01-31T05:16:18.322" v="22" actId="27636"/>
-          <ac:spMkLst>
-            <pc:docMk/>
-            <pc:sldMk cId="1712697869" sldId="610"/>
-            <ac:spMk id="7" creationId="{00000000-0000-0000-0000-000000000000}"/>
-          </ac:spMkLst>
-        </pc:spChg>
-      </pc:sldChg>
-      <pc:sldChg chg="modSp mod">
-        <pc:chgData name="Zhao Jin" userId="cd05a825-544c-438a-9ba1-08e63db50b47" providerId="ADAL" clId="{58C03815-4E31-4955-A4FF-9C307A06DDB5}" dt="2024-01-31T05:16:18.313" v="20" actId="27636"/>
-        <pc:sldMkLst>
-          <pc:docMk/>
-          <pc:sldMk cId="875106389" sldId="611"/>
-        </pc:sldMkLst>
-        <pc:spChg chg="mod">
-          <ac:chgData name="Zhao Jin" userId="cd05a825-544c-438a-9ba1-08e63db50b47" providerId="ADAL" clId="{58C03815-4E31-4955-A4FF-9C307A06DDB5}" dt="2024-01-31T05:16:18.313" v="20" actId="27636"/>
-          <ac:spMkLst>
-            <pc:docMk/>
-            <pc:sldMk cId="875106389" sldId="611"/>
-            <ac:spMk id="7" creationId="{00000000-0000-0000-0000-000000000000}"/>
-          </ac:spMkLst>
-        </pc:spChg>
-      </pc:sldChg>
-      <pc:sldChg chg="modSp mod">
-        <pc:chgData name="Zhao Jin" userId="cd05a825-544c-438a-9ba1-08e63db50b47" providerId="ADAL" clId="{58C03815-4E31-4955-A4FF-9C307A06DDB5}" dt="2024-01-31T05:16:18.310" v="19" actId="27636"/>
-        <pc:sldMkLst>
-          <pc:docMk/>
-          <pc:sldMk cId="4053289514" sldId="612"/>
-        </pc:sldMkLst>
-        <pc:spChg chg="mod">
-          <ac:chgData name="Zhao Jin" userId="cd05a825-544c-438a-9ba1-08e63db50b47" providerId="ADAL" clId="{58C03815-4E31-4955-A4FF-9C307A06DDB5}" dt="2024-01-31T05:16:18.310" v="19" actId="27636"/>
-          <ac:spMkLst>
-            <pc:docMk/>
-            <pc:sldMk cId="4053289514" sldId="612"/>
-            <ac:spMk id="7" creationId="{00000000-0000-0000-0000-000000000000}"/>
-          </ac:spMkLst>
-        </pc:spChg>
       </pc:sldChg>
     </pc:docChg>
   </pc:docChgLst>
@@ -5122,7 +4973,7 @@
               <a:pPr>
                 <a:defRPr/>
               </a:pPr>
-              <a:t>2/1/2024</a:t>
+              <a:t>4/9/2024</a:t>
             </a:fld>
             <a:endParaRPr lang="en-US"/>
           </a:p>
@@ -6491,7 +6342,7 @@
     </p:spTree>
     <p:extLst>
       <p:ext uri="{BB962C8B-B14F-4D97-AF65-F5344CB8AC3E}">
-        <p14:creationId xmlns:p14="http://schemas.microsoft.com/office/powerpoint/2010/main" val="777828733"/>
+        <p14:creationId xmlns:p14="http://schemas.microsoft.com/office/powerpoint/2010/main" val="1865637633"/>
       </p:ext>
     </p:extLst>
   </p:cSld>
@@ -6947,10 +6798,7 @@
             <a:pPr algn="l">
               <a:defRPr/>
             </a:pPr>
-            <a:r>
-              <a:rPr lang="en-US"/>
-              <a:t>CS1010 (AY2023/24 Semester 2)</a:t>
-            </a:r>
+            <a:endParaRPr lang="en-US"/>
           </a:p>
         </p:txBody>
       </p:sp>
@@ -7170,10 +7018,7 @@
             <a:pPr algn="l">
               <a:defRPr/>
             </a:pPr>
-            <a:r>
-              <a:rPr lang="en-US"/>
-              <a:t>CS1010 (AY2023/24 Semester 2)</a:t>
-            </a:r>
+            <a:endParaRPr lang="en-US"/>
           </a:p>
         </p:txBody>
       </p:sp>
@@ -7364,10 +7209,7 @@
             <a:pPr algn="l">
               <a:defRPr/>
             </a:pPr>
-            <a:r>
-              <a:rPr lang="en-US"/>
-              <a:t>CS1010 (AY2023/24 Semester 2)</a:t>
-            </a:r>
+            <a:endParaRPr lang="en-US"/>
           </a:p>
         </p:txBody>
       </p:sp>
@@ -7548,10 +7390,7 @@
             <a:pPr algn="l">
               <a:defRPr/>
             </a:pPr>
-            <a:r>
-              <a:rPr lang="en-US"/>
-              <a:t>CS1010 (AY2023/24 Semester 2)</a:t>
-            </a:r>
+            <a:endParaRPr lang="en-US"/>
           </a:p>
         </p:txBody>
       </p:sp>
@@ -7820,10 +7659,7 @@
             <a:pPr algn="l">
               <a:defRPr/>
             </a:pPr>
-            <a:r>
-              <a:rPr lang="en-US"/>
-              <a:t>CS1010 (AY2023/24 Semester 2)</a:t>
-            </a:r>
+            <a:endParaRPr lang="en-US"/>
           </a:p>
         </p:txBody>
       </p:sp>
@@ -8160,10 +7996,7 @@
             <a:pPr algn="l">
               <a:defRPr/>
             </a:pPr>
-            <a:r>
-              <a:rPr lang="en-US"/>
-              <a:t>CS1010 (AY2023/24 Semester 2)</a:t>
-            </a:r>
+            <a:endParaRPr lang="en-US"/>
           </a:p>
         </p:txBody>
       </p:sp>
@@ -8644,10 +8477,7 @@
             <a:pPr algn="l">
               <a:defRPr/>
             </a:pPr>
-            <a:r>
-              <a:rPr lang="en-US"/>
-              <a:t>CS1010 (AY2023/24 Semester 2)</a:t>
-            </a:r>
+            <a:endParaRPr lang="en-US"/>
           </a:p>
         </p:txBody>
       </p:sp>
@@ -8812,10 +8642,7 @@
             <a:pPr algn="l">
               <a:defRPr/>
             </a:pPr>
-            <a:r>
-              <a:rPr lang="en-US"/>
-              <a:t>CS1010 (AY2023/24 Semester 2)</a:t>
-            </a:r>
+            <a:endParaRPr lang="en-US"/>
           </a:p>
         </p:txBody>
       </p:sp>
@@ -8923,10 +8750,7 @@
             <a:pPr algn="l">
               <a:defRPr/>
             </a:pPr>
-            <a:r>
-              <a:rPr lang="en-US"/>
-              <a:t>CS1010 (AY2023/24 Semester 2)</a:t>
-            </a:r>
+            <a:endParaRPr lang="en-US"/>
           </a:p>
         </p:txBody>
       </p:sp>
@@ -9216,10 +9040,7 @@
             <a:pPr algn="l">
               <a:defRPr/>
             </a:pPr>
-            <a:r>
-              <a:rPr lang="en-US"/>
-              <a:t>CS1010 (AY2023/24 Semester 2)</a:t>
-            </a:r>
+            <a:endParaRPr lang="en-US"/>
           </a:p>
         </p:txBody>
       </p:sp>
@@ -9540,10 +9361,7 @@
             <a:pPr algn="l">
               <a:defRPr/>
             </a:pPr>
-            <a:r>
-              <a:rPr lang="en-US"/>
-              <a:t>CS1010 (AY2023/24 Semester 2)</a:t>
-            </a:r>
+            <a:endParaRPr lang="en-US"/>
           </a:p>
         </p:txBody>
       </p:sp>
@@ -9875,7 +9693,7 @@
             </a:pPr>
             <a:r>
               <a:rPr lang="en-US"/>
-              <a:t>CS1010 (AY2023/24 Semester 2)</a:t>
+              <a:t>CS1010 (AY2012/3 Semester 1)</a:t>
             </a:r>
           </a:p>
         </p:txBody>
@@ -9948,7 +9766,7 @@
   <p:transition>
     <p:fade/>
   </p:transition>
-  <p:hf hdr="0"/>
+  <p:hf hdr="0" dt="0"/>
   <p:txStyles>
     <p:titleStyle>
       <a:lvl1pPr algn="l" defTabSz="914400" rtl="0" eaLnBrk="1" latinLnBrk="0" hangingPunct="1">
@@ -10282,6 +10100,41 @@
       </p:pic>
       <p:sp>
         <p:nvSpPr>
+          <p:cNvPr id="8" name="[TextBox 7]"/>
+          <p:cNvSpPr txBox="1"/>
+          <p:nvPr/>
+        </p:nvSpPr>
+        <p:spPr>
+          <a:xfrm>
+            <a:off x="3513667" y="2912533"/>
+            <a:ext cx="2218267" cy="461665"/>
+          </a:xfrm>
+          <a:prstGeom prst="rect">
+            <a:avLst/>
+          </a:prstGeom>
+          <a:noFill/>
+        </p:spPr>
+        <p:txBody>
+          <a:bodyPr wrap="square" rtlCol="0">
+            <a:spAutoFit/>
+          </a:bodyPr>
+          <a:lstStyle/>
+          <a:p>
+            <a:pPr algn="ctr"/>
+            <a:r>
+              <a:rPr lang="en-US" sz="2400" dirty="0">
+                <a:solidFill>
+                  <a:srgbClr val="C00000"/>
+                </a:solidFill>
+                <a:latin typeface="Calibri" panose="020F0502020204030204" pitchFamily="34" charset="0"/>
+              </a:rPr>
+              <a:t>Week 13</a:t>
+            </a:r>
+          </a:p>
+        </p:txBody>
+      </p:sp>
+      <p:sp>
+        <p:nvSpPr>
           <p:cNvPr id="11" name="[TextBox 7]"/>
           <p:cNvSpPr txBox="1"/>
           <p:nvPr/>
@@ -10408,83 +10261,6 @@
               <a:ea typeface="+mj-ea"/>
               <a:cs typeface="+mj-cs"/>
             </a:endParaRPr>
-          </a:p>
-        </p:txBody>
-      </p:sp>
-      <p:pic>
-        <p:nvPicPr>
-          <p:cNvPr id="2" name="Picture 1" descr="Qr code&#10;&#10;Description automatically generated">
-            <a:extLst>
-              <a:ext uri="{FF2B5EF4-FFF2-40B4-BE49-F238E27FC236}">
-                <a16:creationId xmlns:a16="http://schemas.microsoft.com/office/drawing/2014/main" id="{AD1A5B2C-4502-7337-B6D0-8684F0B243DF}"/>
-              </a:ext>
-            </a:extLst>
-          </p:cNvPr>
-          <p:cNvPicPr>
-            <a:picLocks noChangeAspect="1"/>
-          </p:cNvPicPr>
-          <p:nvPr/>
-        </p:nvPicPr>
-        <p:blipFill>
-          <a:blip r:embed="rId4">
-            <a:extLst>
-              <a:ext uri="{28A0092B-C50C-407E-A947-70E740481C1C}">
-                <a14:useLocalDpi xmlns:a14="http://schemas.microsoft.com/office/drawing/2010/main" val="0"/>
-              </a:ext>
-            </a:extLst>
-          </a:blip>
-          <a:stretch>
-            <a:fillRect/>
-          </a:stretch>
-        </p:blipFill>
-        <p:spPr>
-          <a:xfrm>
-            <a:off x="7543800" y="4946796"/>
-            <a:ext cx="1447800" cy="1447800"/>
-          </a:xfrm>
-          <a:prstGeom prst="rect">
-            <a:avLst/>
-          </a:prstGeom>
-        </p:spPr>
-      </p:pic>
-      <p:sp>
-        <p:nvSpPr>
-          <p:cNvPr id="3" name="TextBox 2">
-            <a:extLst>
-              <a:ext uri="{FF2B5EF4-FFF2-40B4-BE49-F238E27FC236}">
-                <a16:creationId xmlns:a16="http://schemas.microsoft.com/office/drawing/2014/main" id="{9FF3ABFF-186A-9E9A-E2DA-7353E5AEDE82}"/>
-              </a:ext>
-            </a:extLst>
-          </p:cNvPr>
-          <p:cNvSpPr txBox="1"/>
-          <p:nvPr/>
-        </p:nvSpPr>
-        <p:spPr>
-          <a:xfrm>
-            <a:off x="6430765" y="5917365"/>
-            <a:ext cx="2643027" cy="707886"/>
-          </a:xfrm>
-          <a:prstGeom prst="rect">
-            <a:avLst/>
-          </a:prstGeom>
-          <a:noFill/>
-        </p:spPr>
-        <p:txBody>
-          <a:bodyPr wrap="square">
-            <a:spAutoFit/>
-          </a:bodyPr>
-          <a:lstStyle/>
-          <a:p>
-            <a:r>
-              <a:rPr lang="en-SG" sz="2000" dirty="0"/>
-              <a:t>Live Q&amp;A </a:t>
-            </a:r>
-          </a:p>
-          <a:p>
-            <a:r>
-              <a:rPr lang="en-SG" sz="2000" dirty="0"/>
-              <a:t>https://pollev.com/jin</a:t>
-            </a:r>
           </a:p>
         </p:txBody>
       </p:sp>
@@ -10574,17 +10350,17 @@
               <a:t>F</a:t>
             </a:r>
             <a:r>
-              <a:rPr dirty="0"/>
+              <a:rPr sz="1200" dirty="0"/>
               <a:t> - </a:t>
             </a:r>
             <a:fld id="{F7EC234A-9094-4BB8-9EA4-75ECDA8A365B}" type="slidenum">
-              <a:rPr smtClean="0"/>
+              <a:rPr sz="1200" smtClean="0"/>
               <a:pPr>
                 <a:defRPr/>
               </a:pPr>
               <a:t>10</a:t>
             </a:fld>
-            <a:endParaRPr dirty="0"/>
+            <a:endParaRPr sz="1200" dirty="0"/>
           </a:p>
         </p:txBody>
       </p:sp>
@@ -10832,37 +10608,6 @@
           </a:extLst>
         </p:spPr>
       </p:pic>
-      <p:sp>
-        <p:nvSpPr>
-          <p:cNvPr id="2" name="Footer Placeholder 1">
-            <a:extLst>
-              <a:ext uri="{FF2B5EF4-FFF2-40B4-BE49-F238E27FC236}">
-                <a16:creationId xmlns:a16="http://schemas.microsoft.com/office/drawing/2014/main" id="{A2437676-9C4F-9E0F-4510-25E912AB022D}"/>
-              </a:ext>
-            </a:extLst>
-          </p:cNvPr>
-          <p:cNvSpPr>
-            <a:spLocks noGrp="1"/>
-          </p:cNvSpPr>
-          <p:nvPr>
-            <p:ph type="ftr" sz="quarter" idx="11"/>
-          </p:nvPr>
-        </p:nvSpPr>
-        <p:spPr/>
-        <p:txBody>
-          <a:bodyPr/>
-          <a:lstStyle/>
-          <a:p>
-            <a:pPr algn="l">
-              <a:defRPr/>
-            </a:pPr>
-            <a:r>
-              <a:rPr lang="en-US"/>
-              <a:t>CS1010 (AY2023/24 Semester 2)</a:t>
-            </a:r>
-          </a:p>
-        </p:txBody>
-      </p:sp>
     </p:spTree>
     <p:extLst>
       <p:ext uri="{BB962C8B-B14F-4D97-AF65-F5344CB8AC3E}">
@@ -11317,37 +11062,6 @@
           </a:p>
         </p:txBody>
       </p:sp>
-      <p:sp>
-        <p:nvSpPr>
-          <p:cNvPr id="2" name="Footer Placeholder 1">
-            <a:extLst>
-              <a:ext uri="{FF2B5EF4-FFF2-40B4-BE49-F238E27FC236}">
-                <a16:creationId xmlns:a16="http://schemas.microsoft.com/office/drawing/2014/main" id="{DF323454-DE3E-435C-F29E-95B25BA230AE}"/>
-              </a:ext>
-            </a:extLst>
-          </p:cNvPr>
-          <p:cNvSpPr>
-            <a:spLocks noGrp="1"/>
-          </p:cNvSpPr>
-          <p:nvPr>
-            <p:ph type="ftr" sz="quarter" idx="11"/>
-          </p:nvPr>
-        </p:nvSpPr>
-        <p:spPr/>
-        <p:txBody>
-          <a:bodyPr/>
-          <a:lstStyle/>
-          <a:p>
-            <a:pPr algn="l">
-              <a:defRPr/>
-            </a:pPr>
-            <a:r>
-              <a:rPr lang="en-US"/>
-              <a:t>CS1010 (AY2023/24 Semester 2)</a:t>
-            </a:r>
-          </a:p>
-        </p:txBody>
-      </p:sp>
     </p:spTree>
     <p:extLst>
       <p:ext uri="{BB962C8B-B14F-4D97-AF65-F5344CB8AC3E}">
@@ -11383,6 +11097,41 @@
       </p:grpSpPr>
       <p:sp>
         <p:nvSpPr>
+          <p:cNvPr id="43" name="Slide Number Placeholder 42"/>
+          <p:cNvSpPr>
+            <a:spLocks noGrp="1"/>
+          </p:cNvSpPr>
+          <p:nvPr>
+            <p:ph type="sldNum" sz="quarter" idx="12"/>
+          </p:nvPr>
+        </p:nvSpPr>
+        <p:spPr/>
+        <p:txBody>
+          <a:bodyPr>
+            <a:normAutofit/>
+          </a:bodyPr>
+          <a:lstStyle/>
+          <a:p>
+            <a:pPr>
+              <a:defRPr/>
+            </a:pPr>
+            <a:r>
+              <a:rPr lang="en-US" dirty="0"/>
+              <a:t>F - </a:t>
+            </a:r>
+            <a:fld id="{F7EC234A-9094-4BB8-9EA4-75ECDA8A365B}" type="slidenum">
+              <a:rPr lang="en-US"/>
+              <a:pPr>
+                <a:defRPr/>
+              </a:pPr>
+              <a:t>12</a:t>
+            </a:fld>
+            <a:endParaRPr lang="en-US" dirty="0"/>
+          </a:p>
+        </p:txBody>
+      </p:sp>
+      <p:sp>
+        <p:nvSpPr>
           <p:cNvPr id="6" name="[Date Placeholder 3]"/>
           <p:cNvSpPr>
             <a:spLocks noGrp="1"/>
@@ -11473,87 +11222,6 @@
                 <a:srgbClr val="0000FF"/>
               </a:solidFill>
             </a:endParaRPr>
-          </a:p>
-        </p:txBody>
-      </p:sp>
-      <p:sp>
-        <p:nvSpPr>
-          <p:cNvPr id="2" name="Slide Number Placeholder 6">
-            <a:extLst>
-              <a:ext uri="{FF2B5EF4-FFF2-40B4-BE49-F238E27FC236}">
-                <a16:creationId xmlns:a16="http://schemas.microsoft.com/office/drawing/2014/main" id="{6172AC33-6572-4278-0EAA-FB83F57774A9}"/>
-              </a:ext>
-            </a:extLst>
-          </p:cNvPr>
-          <p:cNvSpPr>
-            <a:spLocks noGrp="1"/>
-          </p:cNvSpPr>
-          <p:nvPr>
-            <p:ph type="sldNum" sz="quarter" idx="12"/>
-          </p:nvPr>
-        </p:nvSpPr>
-        <p:spPr>
-          <a:xfrm>
-            <a:off x="7620000" y="18288"/>
-            <a:ext cx="1066800" cy="329184"/>
-          </a:xfrm>
-        </p:spPr>
-        <p:txBody>
-          <a:bodyPr>
-            <a:normAutofit/>
-          </a:bodyPr>
-          <a:lstStyle/>
-          <a:p>
-            <a:pPr>
-              <a:defRPr/>
-            </a:pPr>
-            <a:r>
-              <a:rPr lang="en-US" dirty="0"/>
-              <a:t>F</a:t>
-            </a:r>
-            <a:r>
-              <a:rPr sz="1200" dirty="0"/>
-              <a:t> - </a:t>
-            </a:r>
-            <a:fld id="{F7EC234A-9094-4BB8-9EA4-75ECDA8A365B}" type="slidenum">
-              <a:rPr sz="1200" smtClean="0"/>
-              <a:pPr>
-                <a:defRPr/>
-              </a:pPr>
-              <a:t>12</a:t>
-            </a:fld>
-            <a:endParaRPr sz="1200" dirty="0"/>
-          </a:p>
-        </p:txBody>
-      </p:sp>
-      <p:sp>
-        <p:nvSpPr>
-          <p:cNvPr id="3" name="Footer Placeholder 2">
-            <a:extLst>
-              <a:ext uri="{FF2B5EF4-FFF2-40B4-BE49-F238E27FC236}">
-                <a16:creationId xmlns:a16="http://schemas.microsoft.com/office/drawing/2014/main" id="{88FF872F-8723-3D89-E113-AB7BB2672ACF}"/>
-              </a:ext>
-            </a:extLst>
-          </p:cNvPr>
-          <p:cNvSpPr>
-            <a:spLocks noGrp="1"/>
-          </p:cNvSpPr>
-          <p:nvPr>
-            <p:ph type="ftr" sz="quarter" idx="11"/>
-          </p:nvPr>
-        </p:nvSpPr>
-        <p:spPr/>
-        <p:txBody>
-          <a:bodyPr/>
-          <a:lstStyle/>
-          <a:p>
-            <a:pPr algn="l">
-              <a:defRPr/>
-            </a:pPr>
-            <a:r>
-              <a:rPr lang="en-US"/>
-              <a:t>CS1010 (AY2023/24 Semester 2)</a:t>
-            </a:r>
           </a:p>
         </p:txBody>
       </p:sp>
@@ -11758,40 +11426,8 @@
               <a:defRPr/>
             </a:pPr>
             <a:r>
-              <a:rPr lang="en-US"/>
+              <a:rPr lang="en-US" dirty="0"/>
               <a:t>© NUS</a:t>
-            </a:r>
-            <a:endParaRPr lang="en-US" dirty="0"/>
-          </a:p>
-        </p:txBody>
-      </p:sp>
-      <p:sp>
-        <p:nvSpPr>
-          <p:cNvPr id="2" name="Footer Placeholder 1">
-            <a:extLst>
-              <a:ext uri="{FF2B5EF4-FFF2-40B4-BE49-F238E27FC236}">
-                <a16:creationId xmlns:a16="http://schemas.microsoft.com/office/drawing/2014/main" id="{655DCDF6-31F8-DF16-621E-3099026B61FA}"/>
-              </a:ext>
-            </a:extLst>
-          </p:cNvPr>
-          <p:cNvSpPr>
-            <a:spLocks noGrp="1"/>
-          </p:cNvSpPr>
-          <p:nvPr>
-            <p:ph type="ftr" sz="quarter" idx="11"/>
-          </p:nvPr>
-        </p:nvSpPr>
-        <p:spPr/>
-        <p:txBody>
-          <a:bodyPr/>
-          <a:lstStyle/>
-          <a:p>
-            <a:pPr algn="l">
-              <a:defRPr/>
-            </a:pPr>
-            <a:r>
-              <a:rPr lang="en-US"/>
-              <a:t>CS1010 (AY2023/24 Semester 2)</a:t>
             </a:r>
           </a:p>
         </p:txBody>
@@ -11970,7 +11606,7 @@
             </a:pPr>
             <a:r>
               <a:rPr lang="en-US" sz="2800" dirty="0"/>
-              <a:t>Date: 29 April 2021 (Thursday)</a:t>
+              <a:t>Date: 30 April (Tuesday)</a:t>
             </a:r>
           </a:p>
           <a:p>
@@ -11991,7 +11627,7 @@
             </a:pPr>
             <a:r>
               <a:rPr lang="en-US" sz="2800" dirty="0"/>
-              <a:t>Time: 9am to 11am</a:t>
+              <a:t>Time: 1-3pm</a:t>
             </a:r>
           </a:p>
           <a:p>
@@ -12030,7 +11666,7 @@
             </a:pPr>
             <a:r>
               <a:rPr lang="en-US" sz="2800" dirty="0"/>
-              <a:t>Format: Face-to-face</a:t>
+              <a:t>Format: F2f – Hardcopy (Pen and Paper)</a:t>
             </a:r>
           </a:p>
           <a:p>
@@ -12051,7 +11687,7 @@
             </a:pPr>
             <a:r>
               <a:rPr lang="en-US" sz="2800" dirty="0"/>
-              <a:t>Venue: LT15</a:t>
+              <a:t>Venue: MPSH4</a:t>
             </a:r>
           </a:p>
           <a:p>
@@ -12111,7 +11747,7 @@
             </a:pPr>
             <a:r>
               <a:rPr lang="en-US" sz="2400" dirty="0"/>
-              <a:t>You can refer to printed/written notes</a:t>
+              <a:t>But only printed/written materials allowed</a:t>
             </a:r>
           </a:p>
           <a:p>
@@ -12172,37 +11808,6 @@
             <a:r>
               <a:rPr lang="en-US" sz="2400" dirty="0"/>
               <a:t>Although you do not need one</a:t>
-            </a:r>
-          </a:p>
-        </p:txBody>
-      </p:sp>
-      <p:sp>
-        <p:nvSpPr>
-          <p:cNvPr id="2" name="Footer Placeholder 1">
-            <a:extLst>
-              <a:ext uri="{FF2B5EF4-FFF2-40B4-BE49-F238E27FC236}">
-                <a16:creationId xmlns:a16="http://schemas.microsoft.com/office/drawing/2014/main" id="{2F55BE47-9090-A931-610E-CD47176E945B}"/>
-              </a:ext>
-            </a:extLst>
-          </p:cNvPr>
-          <p:cNvSpPr>
-            <a:spLocks noGrp="1"/>
-          </p:cNvSpPr>
-          <p:nvPr>
-            <p:ph type="ftr" sz="quarter" idx="11"/>
-          </p:nvPr>
-        </p:nvSpPr>
-        <p:spPr/>
-        <p:txBody>
-          <a:bodyPr/>
-          <a:lstStyle/>
-          <a:p>
-            <a:pPr algn="l">
-              <a:defRPr/>
-            </a:pPr>
-            <a:r>
-              <a:rPr lang="en-US"/>
-              <a:t>CS1010 (AY2023/24 Semester 2)</a:t>
             </a:r>
           </a:p>
         </p:txBody>
@@ -12402,49 +12007,7 @@
             </a:pPr>
             <a:r>
               <a:rPr lang="en-US" sz="2400" dirty="0"/>
-              <a:t>Units 1-29</a:t>
-            </a:r>
-          </a:p>
-          <a:p>
-            <a:pPr marL="621983" lvl="1" indent="-347663">
-              <a:spcBef>
-                <a:spcPts val="600"/>
-              </a:spcBef>
-              <a:buClr>
-                <a:schemeClr val="tx1">
-                  <a:lumMod val="90000"/>
-                  <a:lumOff val="10000"/>
-                </a:schemeClr>
-              </a:buClr>
-              <a:buSzPct val="100000"/>
-              <a:buFont typeface="Wingdings" panose="05000000000000000000" pitchFamily="2" charset="2"/>
-              <a:buChar char="§"/>
-              <a:defRPr/>
-            </a:pPr>
-            <a:r>
-              <a:rPr lang="en-US" sz="2400" dirty="0"/>
-              <a:t>Assignments 1-9</a:t>
-            </a:r>
-          </a:p>
-          <a:p>
-            <a:pPr marL="621983" lvl="1" indent="-347663">
-              <a:spcBef>
-                <a:spcPts val="600"/>
-              </a:spcBef>
-              <a:buClr>
-                <a:schemeClr val="tx1">
-                  <a:lumMod val="90000"/>
-                  <a:lumOff val="10000"/>
-                </a:schemeClr>
-              </a:buClr>
-              <a:buSzPct val="100000"/>
-              <a:buFont typeface="Wingdings" panose="05000000000000000000" pitchFamily="2" charset="2"/>
-              <a:buChar char="§"/>
-              <a:defRPr/>
-            </a:pPr>
-            <a:r>
-              <a:rPr lang="en-US" sz="2400" dirty="0"/>
-              <a:t>Tutorials 1-11</a:t>
+              <a:t>Everything covered in the lectures, labs and course materials.</a:t>
             </a:r>
           </a:p>
           <a:p>
@@ -12566,37 +12129,6 @@
               <a:defRPr/>
             </a:pPr>
             <a:endParaRPr lang="en-US" sz="2800" dirty="0"/>
-          </a:p>
-        </p:txBody>
-      </p:sp>
-      <p:sp>
-        <p:nvSpPr>
-          <p:cNvPr id="2" name="Footer Placeholder 1">
-            <a:extLst>
-              <a:ext uri="{FF2B5EF4-FFF2-40B4-BE49-F238E27FC236}">
-                <a16:creationId xmlns:a16="http://schemas.microsoft.com/office/drawing/2014/main" id="{5B049181-347E-15AE-72B5-2D07F111AB35}"/>
-              </a:ext>
-            </a:extLst>
-          </p:cNvPr>
-          <p:cNvSpPr>
-            <a:spLocks noGrp="1"/>
-          </p:cNvSpPr>
-          <p:nvPr>
-            <p:ph type="ftr" sz="quarter" idx="11"/>
-          </p:nvPr>
-        </p:nvSpPr>
-        <p:spPr/>
-        <p:txBody>
-          <a:bodyPr/>
-          <a:lstStyle/>
-          <a:p>
-            <a:pPr algn="l">
-              <a:defRPr/>
-            </a:pPr>
-            <a:r>
-              <a:rPr lang="en-US"/>
-              <a:t>CS1010 (AY2023/24 Semester 2)</a:t>
-            </a:r>
           </a:p>
         </p:txBody>
       </p:sp>
@@ -12795,129 +12327,8 @@
             </a:pPr>
             <a:r>
               <a:rPr lang="en-US" sz="2400" dirty="0"/>
-              <a:t>Understanding of Concepts</a:t>
-            </a:r>
-          </a:p>
-          <a:p>
-            <a:pPr marL="896303" lvl="2" indent="-347663">
-              <a:spcBef>
-                <a:spcPts val="600"/>
-              </a:spcBef>
-              <a:buClr>
-                <a:schemeClr val="tx1">
-                  <a:lumMod val="90000"/>
-                  <a:lumOff val="10000"/>
-                </a:schemeClr>
-              </a:buClr>
-              <a:buSzPct val="100000"/>
-              <a:buFont typeface="Wingdings" panose="05000000000000000000" pitchFamily="2" charset="2"/>
-              <a:buChar char="§"/>
-              <a:defRPr/>
-            </a:pPr>
-            <a:endParaRPr lang="en-US" sz="2200" dirty="0"/>
-          </a:p>
-          <a:p>
-            <a:pPr marL="621983" lvl="1" indent="-347663">
-              <a:spcBef>
-                <a:spcPts val="600"/>
-              </a:spcBef>
-              <a:buClr>
-                <a:schemeClr val="tx1">
-                  <a:lumMod val="90000"/>
-                  <a:lumOff val="10000"/>
-                </a:schemeClr>
-              </a:buClr>
-              <a:buSzPct val="100000"/>
-              <a:buFont typeface="Wingdings" panose="05000000000000000000" pitchFamily="2" charset="2"/>
-              <a:buChar char="§"/>
-              <a:defRPr/>
-            </a:pPr>
-            <a:r>
-              <a:rPr lang="en-US" sz="2400" dirty="0"/>
-              <a:t>Tracing</a:t>
-            </a:r>
-          </a:p>
-          <a:p>
-            <a:pPr marL="896303" lvl="2" indent="-347663">
-              <a:spcBef>
-                <a:spcPts val="600"/>
-              </a:spcBef>
-              <a:buClr>
-                <a:schemeClr val="tx1">
-                  <a:lumMod val="90000"/>
-                  <a:lumOff val="10000"/>
-                </a:schemeClr>
-              </a:buClr>
-              <a:buSzPct val="100000"/>
-              <a:buFont typeface="Wingdings" panose="05000000000000000000" pitchFamily="2" charset="2"/>
-              <a:buChar char="§"/>
-              <a:defRPr/>
-            </a:pPr>
-            <a:r>
-              <a:rPr lang="en-US" sz="2200" dirty="0"/>
-              <a:t>Track inputs / intermediate results / outputs using tables and diagrams</a:t>
-            </a:r>
-          </a:p>
-          <a:p>
-            <a:pPr marL="896303" lvl="2" indent="-347663">
-              <a:spcBef>
-                <a:spcPts val="600"/>
-              </a:spcBef>
-              <a:buClr>
-                <a:schemeClr val="tx1">
-                  <a:lumMod val="90000"/>
-                  <a:lumOff val="10000"/>
-                </a:schemeClr>
-              </a:buClr>
-              <a:buSzPct val="100000"/>
-              <a:buFont typeface="Wingdings" panose="05000000000000000000" pitchFamily="2" charset="2"/>
-              <a:buChar char="§"/>
-              <a:defRPr/>
-            </a:pPr>
-            <a:endParaRPr lang="en-US" sz="2200" dirty="0"/>
-          </a:p>
-          <a:p>
-            <a:pPr marL="621983" lvl="1" indent="-347663">
-              <a:spcBef>
-                <a:spcPts val="600"/>
-              </a:spcBef>
-              <a:buClr>
-                <a:schemeClr val="tx1">
-                  <a:lumMod val="90000"/>
-                  <a:lumOff val="10000"/>
-                </a:schemeClr>
-              </a:buClr>
-              <a:buSzPct val="100000"/>
-              <a:buFont typeface="Wingdings" panose="05000000000000000000" pitchFamily="2" charset="2"/>
-              <a:buChar char="§"/>
-              <a:defRPr/>
-            </a:pPr>
-            <a:r>
-              <a:rPr lang="en-US" sz="2400" dirty="0"/>
-              <a:t>Program Analysis</a:t>
-            </a:r>
-          </a:p>
-          <a:p>
-            <a:pPr marL="896303" lvl="2" indent="-347663">
-              <a:spcBef>
-                <a:spcPts val="600"/>
-              </a:spcBef>
-              <a:buClr>
-                <a:schemeClr val="tx1">
-                  <a:lumMod val="90000"/>
-                  <a:lumOff val="10000"/>
-                </a:schemeClr>
-              </a:buClr>
-              <a:buSzPct val="100000"/>
-              <a:buFont typeface="Wingdings" panose="05000000000000000000" pitchFamily="2" charset="2"/>
-              <a:buChar char="§"/>
-              <a:defRPr/>
-            </a:pPr>
-            <a:r>
-              <a:rPr lang="en-US" sz="2200" dirty="0"/>
-              <a:t>Time Complexity</a:t>
-            </a:r>
-            <a:endParaRPr lang="en-US" sz="2400" dirty="0"/>
+              <a:t>Understanding of Concepts / Algorithms / Functions</a:t>
+            </a:r>
           </a:p>
           <a:p>
             <a:pPr marL="621983" lvl="1" indent="-347663">
@@ -12937,36 +12348,83 @@
             </a:pPr>
             <a:endParaRPr lang="en-US" sz="2400" dirty="0"/>
           </a:p>
-        </p:txBody>
-      </p:sp>
-      <p:sp>
-        <p:nvSpPr>
-          <p:cNvPr id="2" name="Footer Placeholder 1">
-            <a:extLst>
-              <a:ext uri="{FF2B5EF4-FFF2-40B4-BE49-F238E27FC236}">
-                <a16:creationId xmlns:a16="http://schemas.microsoft.com/office/drawing/2014/main" id="{8246D815-82CB-AFBB-B149-54F0F8C74B7E}"/>
-              </a:ext>
-            </a:extLst>
-          </p:cNvPr>
-          <p:cNvSpPr>
-            <a:spLocks noGrp="1"/>
-          </p:cNvSpPr>
-          <p:nvPr>
-            <p:ph type="ftr" sz="quarter" idx="11"/>
-          </p:nvPr>
-        </p:nvSpPr>
-        <p:spPr/>
-        <p:txBody>
-          <a:bodyPr/>
-          <a:lstStyle/>
-          <a:p>
-            <a:pPr algn="l">
+          <a:p>
+            <a:pPr marL="621983" lvl="1" indent="-347663">
+              <a:spcBef>
+                <a:spcPts val="600"/>
+              </a:spcBef>
+              <a:buClr>
+                <a:schemeClr val="tx1">
+                  <a:lumMod val="90000"/>
+                  <a:lumOff val="10000"/>
+                </a:schemeClr>
+              </a:buClr>
+              <a:buSzPct val="100000"/>
+              <a:buFont typeface="Wingdings" panose="05000000000000000000" pitchFamily="2" charset="2"/>
+              <a:buChar char="§"/>
               <a:defRPr/>
             </a:pPr>
             <a:r>
-              <a:rPr lang="en-US"/>
-              <a:t>CS1010 (AY2023/24 Semester 2)</a:t>
-            </a:r>
+              <a:rPr lang="en-US" sz="2400" dirty="0"/>
+              <a:t>Tracing</a:t>
+            </a:r>
+          </a:p>
+          <a:p>
+            <a:pPr marL="621983" lvl="1" indent="-347663">
+              <a:spcBef>
+                <a:spcPts val="600"/>
+              </a:spcBef>
+              <a:buClr>
+                <a:schemeClr val="tx1">
+                  <a:lumMod val="90000"/>
+                  <a:lumOff val="10000"/>
+                </a:schemeClr>
+              </a:buClr>
+              <a:buSzPct val="100000"/>
+              <a:buFont typeface="Wingdings" panose="05000000000000000000" pitchFamily="2" charset="2"/>
+              <a:buChar char="§"/>
+              <a:defRPr/>
+            </a:pPr>
+            <a:endParaRPr lang="en-US" sz="2400" dirty="0"/>
+          </a:p>
+          <a:p>
+            <a:pPr marL="621983" lvl="1" indent="-347663">
+              <a:spcBef>
+                <a:spcPts val="600"/>
+              </a:spcBef>
+              <a:buClr>
+                <a:schemeClr val="tx1">
+                  <a:lumMod val="90000"/>
+                  <a:lumOff val="10000"/>
+                </a:schemeClr>
+              </a:buClr>
+              <a:buSzPct val="100000"/>
+              <a:buFont typeface="Wingdings" panose="05000000000000000000" pitchFamily="2" charset="2"/>
+              <a:buChar char="§"/>
+              <a:defRPr/>
+            </a:pPr>
+            <a:r>
+              <a:rPr lang="en-US" sz="2400" dirty="0"/>
+              <a:t>Logical Thinking</a:t>
+            </a:r>
+          </a:p>
+          <a:p>
+            <a:pPr marL="621983" lvl="1" indent="-347663">
+              <a:spcBef>
+                <a:spcPts val="600"/>
+              </a:spcBef>
+              <a:buClr>
+                <a:schemeClr val="tx1">
+                  <a:lumMod val="90000"/>
+                  <a:lumOff val="10000"/>
+                </a:schemeClr>
+              </a:buClr>
+              <a:buSzPct val="100000"/>
+              <a:buFont typeface="Wingdings" panose="05000000000000000000" pitchFamily="2" charset="2"/>
+              <a:buChar char="§"/>
+              <a:defRPr/>
+            </a:pPr>
+            <a:endParaRPr lang="en-US" sz="2400" dirty="0"/>
           </a:p>
         </p:txBody>
       </p:sp>
@@ -13169,45 +12627,6 @@
             </a:r>
           </a:p>
           <a:p>
-            <a:pPr marL="896303" lvl="2" indent="-347663">
-              <a:spcBef>
-                <a:spcPts val="600"/>
-              </a:spcBef>
-              <a:buClr>
-                <a:schemeClr val="tx1">
-                  <a:lumMod val="90000"/>
-                  <a:lumOff val="10000"/>
-                </a:schemeClr>
-              </a:buClr>
-              <a:buSzPct val="100000"/>
-              <a:buFont typeface="Wingdings" panose="05000000000000000000" pitchFamily="2" charset="2"/>
-              <a:buChar char="§"/>
-              <a:defRPr/>
-            </a:pPr>
-            <a:endParaRPr lang="en-US" sz="2200" dirty="0"/>
-          </a:p>
-          <a:p>
-            <a:pPr marL="621983" lvl="1" indent="-347663">
-              <a:spcBef>
-                <a:spcPts val="600"/>
-              </a:spcBef>
-              <a:buClr>
-                <a:schemeClr val="tx1">
-                  <a:lumMod val="90000"/>
-                  <a:lumOff val="10000"/>
-                </a:schemeClr>
-              </a:buClr>
-              <a:buSzPct val="100000"/>
-              <a:buFont typeface="Wingdings" panose="05000000000000000000" pitchFamily="2" charset="2"/>
-              <a:buChar char="§"/>
-              <a:defRPr/>
-            </a:pPr>
-            <a:r>
-              <a:rPr lang="en-US" sz="2400" dirty="0"/>
-              <a:t>Logical Thinking</a:t>
-            </a:r>
-          </a:p>
-          <a:p>
             <a:pPr marL="621983" lvl="1" indent="-347663">
               <a:spcBef>
                 <a:spcPts val="600"/>
@@ -13243,30 +12662,8 @@
             </a:pPr>
             <a:r>
               <a:rPr lang="en-US" sz="2400" dirty="0"/>
-              <a:t>Program Analysis</a:t>
-            </a:r>
-          </a:p>
-          <a:p>
-            <a:pPr marL="896303" lvl="2" indent="-347663">
-              <a:spcBef>
-                <a:spcPts val="600"/>
-              </a:spcBef>
-              <a:buClr>
-                <a:schemeClr val="tx1">
-                  <a:lumMod val="90000"/>
-                  <a:lumOff val="10000"/>
-                </a:schemeClr>
-              </a:buClr>
-              <a:buSzPct val="100000"/>
-              <a:buFont typeface="Wingdings" panose="05000000000000000000" pitchFamily="2" charset="2"/>
-              <a:buChar char="§"/>
-              <a:defRPr/>
-            </a:pPr>
-            <a:r>
-              <a:rPr lang="en-US" sz="2200" dirty="0"/>
-              <a:t>Assertion / Loop Invariant</a:t>
-            </a:r>
-            <a:endParaRPr lang="en-US" sz="2400" dirty="0"/>
+              <a:t>Logical Thinking</a:t>
+            </a:r>
           </a:p>
           <a:p>
             <a:pPr marL="621983" lvl="1" indent="-347663">
@@ -13286,36 +12683,87 @@
             </a:pPr>
             <a:endParaRPr lang="en-US" sz="2400" dirty="0"/>
           </a:p>
-        </p:txBody>
-      </p:sp>
-      <p:sp>
-        <p:nvSpPr>
-          <p:cNvPr id="2" name="Footer Placeholder 1">
-            <a:extLst>
-              <a:ext uri="{FF2B5EF4-FFF2-40B4-BE49-F238E27FC236}">
-                <a16:creationId xmlns:a16="http://schemas.microsoft.com/office/drawing/2014/main" id="{70DBDE6D-D00B-3CCF-6F5C-3E733D319165}"/>
-              </a:ext>
-            </a:extLst>
-          </p:cNvPr>
-          <p:cNvSpPr>
-            <a:spLocks noGrp="1"/>
-          </p:cNvSpPr>
-          <p:nvPr>
-            <p:ph type="ftr" sz="quarter" idx="11"/>
-          </p:nvPr>
-        </p:nvSpPr>
-        <p:spPr/>
-        <p:txBody>
-          <a:bodyPr/>
-          <a:lstStyle/>
-          <a:p>
-            <a:pPr algn="l">
+          <a:p>
+            <a:pPr marL="621983" lvl="1" indent="-347663">
+              <a:spcBef>
+                <a:spcPts val="600"/>
+              </a:spcBef>
+              <a:buClr>
+                <a:schemeClr val="tx1">
+                  <a:lumMod val="90000"/>
+                  <a:lumOff val="10000"/>
+                </a:schemeClr>
+              </a:buClr>
+              <a:buSzPct val="100000"/>
+              <a:buFont typeface="Wingdings" panose="05000000000000000000" pitchFamily="2" charset="2"/>
+              <a:buChar char="§"/>
               <a:defRPr/>
             </a:pPr>
             <a:r>
-              <a:rPr lang="en-US"/>
-              <a:t>CS1010 (AY2023/24 Semester 2)</a:t>
-            </a:r>
+              <a:rPr lang="en-US" sz="2400" dirty="0"/>
+              <a:t>Program Analysis</a:t>
+            </a:r>
+          </a:p>
+          <a:p>
+            <a:pPr marL="896303" lvl="2" indent="-347663">
+              <a:spcBef>
+                <a:spcPts val="600"/>
+              </a:spcBef>
+              <a:buClr>
+                <a:schemeClr val="tx1">
+                  <a:lumMod val="90000"/>
+                  <a:lumOff val="10000"/>
+                </a:schemeClr>
+              </a:buClr>
+              <a:buSzPct val="100000"/>
+              <a:buFont typeface="Wingdings" panose="05000000000000000000" pitchFamily="2" charset="2"/>
+              <a:buChar char="§"/>
+              <a:defRPr/>
+            </a:pPr>
+            <a:r>
+              <a:rPr lang="en-US" sz="2200" dirty="0"/>
+              <a:t>Assertion / Loop Invariant</a:t>
+            </a:r>
+          </a:p>
+          <a:p>
+            <a:pPr marL="896303" lvl="2" indent="-347663">
+              <a:spcBef>
+                <a:spcPts val="600"/>
+              </a:spcBef>
+              <a:buClr>
+                <a:schemeClr val="tx1">
+                  <a:lumMod val="90000"/>
+                  <a:lumOff val="10000"/>
+                </a:schemeClr>
+              </a:buClr>
+              <a:buSzPct val="100000"/>
+              <a:buFont typeface="Wingdings" panose="05000000000000000000" pitchFamily="2" charset="2"/>
+              <a:buChar char="§"/>
+              <a:defRPr/>
+            </a:pPr>
+            <a:r>
+              <a:rPr lang="en-US" sz="2200" dirty="0"/>
+              <a:t>Efficiency (Time Complexity)</a:t>
+            </a:r>
+            <a:endParaRPr lang="en-US" sz="2400" dirty="0"/>
+          </a:p>
+          <a:p>
+            <a:pPr marL="621983" lvl="1" indent="-347663">
+              <a:spcBef>
+                <a:spcPts val="600"/>
+              </a:spcBef>
+              <a:buClr>
+                <a:schemeClr val="tx1">
+                  <a:lumMod val="90000"/>
+                  <a:lumOff val="10000"/>
+                </a:schemeClr>
+              </a:buClr>
+              <a:buSzPct val="100000"/>
+              <a:buFont typeface="Wingdings" panose="05000000000000000000" pitchFamily="2" charset="2"/>
+              <a:buChar char="§"/>
+              <a:defRPr/>
+            </a:pPr>
+            <a:endParaRPr lang="en-US" sz="2400" dirty="0"/>
           </a:p>
         </p:txBody>
       </p:sp>
@@ -13533,48 +12981,9 @@
               <a:buChar char="§"/>
               <a:defRPr/>
             </a:pPr>
-            <a:endParaRPr lang="en-US" sz="2400" dirty="0"/>
-          </a:p>
-          <a:p>
-            <a:pPr marL="621983" lvl="1" indent="-347663">
-              <a:spcBef>
-                <a:spcPts val="600"/>
-              </a:spcBef>
-              <a:buClr>
-                <a:schemeClr val="tx1">
-                  <a:lumMod val="90000"/>
-                  <a:lumOff val="10000"/>
-                </a:schemeClr>
-              </a:buClr>
-              <a:buSzPct val="100000"/>
-              <a:buFont typeface="Wingdings" panose="05000000000000000000" pitchFamily="2" charset="2"/>
-              <a:buChar char="§"/>
-              <a:defRPr/>
-            </a:pPr>
             <a:r>
               <a:rPr lang="en-US" sz="2400" dirty="0"/>
-              <a:t>Problem Solving</a:t>
-            </a:r>
-          </a:p>
-          <a:p>
-            <a:pPr marL="621983" lvl="1" indent="-347663">
-              <a:spcBef>
-                <a:spcPts val="600"/>
-              </a:spcBef>
-              <a:buClr>
-                <a:schemeClr val="tx1">
-                  <a:lumMod val="90000"/>
-                  <a:lumOff val="10000"/>
-                </a:schemeClr>
-              </a:buClr>
-              <a:buSzPct val="100000"/>
-              <a:buFont typeface="Wingdings" panose="05000000000000000000" pitchFamily="2" charset="2"/>
-              <a:buChar char="§"/>
-              <a:defRPr/>
-            </a:pPr>
-            <a:r>
-              <a:rPr lang="en-US" sz="2400" dirty="0"/>
-              <a:t>Familiarity with C Syntax </a:t>
+              <a:t>Focusing on topics not covered in PEs</a:t>
             </a:r>
           </a:p>
           <a:p>
@@ -13613,46 +13022,8 @@
             </a:pPr>
             <a:r>
               <a:rPr lang="en-US" sz="2400" dirty="0"/>
-              <a:t>Tracing</a:t>
-            </a:r>
-          </a:p>
-          <a:p>
-            <a:pPr marL="896303" lvl="2" indent="-347663">
-              <a:spcBef>
-                <a:spcPts val="600"/>
-              </a:spcBef>
-              <a:buClr>
-                <a:schemeClr val="tx1">
-                  <a:lumMod val="90000"/>
-                  <a:lumOff val="10000"/>
-                </a:schemeClr>
-              </a:buClr>
-              <a:buSzPct val="100000"/>
-              <a:buFont typeface="Wingdings" panose="05000000000000000000" pitchFamily="2" charset="2"/>
-              <a:buChar char="§"/>
-              <a:defRPr/>
-            </a:pPr>
-            <a:r>
-              <a:rPr lang="en-US" sz="2200" dirty="0"/>
-              <a:t>Track your own code</a:t>
-            </a:r>
-          </a:p>
-          <a:p>
-            <a:pPr marL="896303" lvl="2" indent="-347663">
-              <a:spcBef>
-                <a:spcPts val="600"/>
-              </a:spcBef>
-              <a:buClr>
-                <a:schemeClr val="tx1">
-                  <a:lumMod val="90000"/>
-                  <a:lumOff val="10000"/>
-                </a:schemeClr>
-              </a:buClr>
-              <a:buSzPct val="100000"/>
-              <a:buFont typeface="Wingdings" panose="05000000000000000000" pitchFamily="2" charset="2"/>
-              <a:buChar char="§"/>
-              <a:defRPr/>
-            </a:pPr>
+              <a:t>Problem Solving</a:t>
+            </a:r>
             <a:endParaRPr lang="en-US" sz="2200" dirty="0"/>
           </a:p>
           <a:p>
@@ -13673,11 +13044,11 @@
             </a:pPr>
             <a:r>
               <a:rPr lang="en-US" sz="2400" dirty="0"/>
-              <a:t>Factors beyond Correctness</a:t>
-            </a:r>
-          </a:p>
-          <a:p>
-            <a:pPr marL="896303" lvl="2" indent="-347663">
+              <a:t>Familiarity with C Syntax </a:t>
+            </a:r>
+          </a:p>
+          <a:p>
+            <a:pPr marL="621983" lvl="1" indent="-347663">
               <a:spcBef>
                 <a:spcPts val="600"/>
               </a:spcBef>
@@ -13693,12 +13064,12 @@
               <a:defRPr/>
             </a:pPr>
             <a:r>
-              <a:rPr lang="en-US" sz="2200" dirty="0"/>
-              <a:t>Time Complexity</a:t>
-            </a:r>
-          </a:p>
-          <a:p>
-            <a:pPr marL="896303" lvl="2" indent="-347663">
+              <a:rPr lang="en-US" sz="2400" dirty="0"/>
+              <a:t>Tracing</a:t>
+            </a:r>
+          </a:p>
+          <a:p>
+            <a:pPr marL="621983" lvl="1" indent="-347663">
               <a:spcBef>
                 <a:spcPts val="600"/>
               </a:spcBef>
@@ -13714,10 +13085,9 @@
               <a:defRPr/>
             </a:pPr>
             <a:r>
-              <a:rPr lang="en-US" sz="2200" dirty="0"/>
+              <a:rPr lang="en-US" sz="2400" dirty="0"/>
               <a:t>Memory Management </a:t>
             </a:r>
-            <a:endParaRPr lang="en-US" sz="2400" dirty="0"/>
           </a:p>
           <a:p>
             <a:pPr marL="621983" lvl="1" indent="-347663">
@@ -13739,41 +13109,10 @@
           </a:p>
         </p:txBody>
       </p:sp>
-      <p:sp>
-        <p:nvSpPr>
-          <p:cNvPr id="2" name="Footer Placeholder 1">
-            <a:extLst>
-              <a:ext uri="{FF2B5EF4-FFF2-40B4-BE49-F238E27FC236}">
-                <a16:creationId xmlns:a16="http://schemas.microsoft.com/office/drawing/2014/main" id="{306AB397-C290-7DDD-C1FF-D021011CF605}"/>
-              </a:ext>
-            </a:extLst>
-          </p:cNvPr>
-          <p:cNvSpPr>
-            <a:spLocks noGrp="1"/>
-          </p:cNvSpPr>
-          <p:nvPr>
-            <p:ph type="ftr" sz="quarter" idx="11"/>
-          </p:nvPr>
-        </p:nvSpPr>
-        <p:spPr/>
-        <p:txBody>
-          <a:bodyPr/>
-          <a:lstStyle/>
-          <a:p>
-            <a:pPr algn="l">
-              <a:defRPr/>
-            </a:pPr>
-            <a:r>
-              <a:rPr lang="en-US"/>
-              <a:t>CS1010 (AY2023/24 Semester 2)</a:t>
-            </a:r>
-          </a:p>
-        </p:txBody>
-      </p:sp>
     </p:spTree>
     <p:extLst>
       <p:ext uri="{BB962C8B-B14F-4D97-AF65-F5344CB8AC3E}">
-        <p14:creationId xmlns:p14="http://schemas.microsoft.com/office/powerpoint/2010/main" val="1540855360"/>
+        <p14:creationId xmlns:p14="http://schemas.microsoft.com/office/powerpoint/2010/main" val="1485799118"/>
       </p:ext>
     </p:extLst>
   </p:cSld>
@@ -13944,13 +13283,8 @@
             </a:pPr>
             <a:r>
               <a:rPr lang="en-US" sz="2800" dirty="0"/>
-              <a:t>22 April (Thu</a:t>
-            </a:r>
-            <a:r>
-              <a:rPr lang="en-US" sz="2800"/>
-              <a:t>), 2-4pm</a:t>
-            </a:r>
-            <a:endParaRPr lang="en-US" sz="2800" dirty="0"/>
+              <a:t>23 April (Tue), 10am-12nn</a:t>
+            </a:r>
           </a:p>
           <a:p>
             <a:pPr marL="347663" indent="-347663">
@@ -13970,7 +13304,7 @@
             </a:pPr>
             <a:r>
               <a:rPr lang="en-US" sz="2800" dirty="0"/>
-              <a:t>Online</a:t>
+              <a:t>Online via Zoom</a:t>
             </a:r>
           </a:p>
           <a:p>
@@ -14010,37 +13344,6 @@
             <a:r>
               <a:rPr lang="en-US" sz="2800" dirty="0"/>
               <a:t>Past year paper + Q&amp;A</a:t>
-            </a:r>
-          </a:p>
-        </p:txBody>
-      </p:sp>
-      <p:sp>
-        <p:nvSpPr>
-          <p:cNvPr id="2" name="Footer Placeholder 1">
-            <a:extLst>
-              <a:ext uri="{FF2B5EF4-FFF2-40B4-BE49-F238E27FC236}">
-                <a16:creationId xmlns:a16="http://schemas.microsoft.com/office/drawing/2014/main" id="{33CE3413-B785-B352-FD19-B7FCC0D0AFC0}"/>
-              </a:ext>
-            </a:extLst>
-          </p:cNvPr>
-          <p:cNvSpPr>
-            <a:spLocks noGrp="1"/>
-          </p:cNvSpPr>
-          <p:nvPr>
-            <p:ph type="ftr" sz="quarter" idx="11"/>
-          </p:nvPr>
-        </p:nvSpPr>
-        <p:spPr/>
-        <p:txBody>
-          <a:bodyPr/>
-          <a:lstStyle/>
-          <a:p>
-            <a:pPr algn="l">
-              <a:defRPr/>
-            </a:pPr>
-            <a:r>
-              <a:rPr lang="en-US"/>
-              <a:t>CS1010 (AY2023/24 Semester 2)</a:t>
             </a:r>
           </a:p>
         </p:txBody>
@@ -16822,37 +16125,6 @@
           </a:p>
         </p:txBody>
       </p:sp>
-      <p:sp>
-        <p:nvSpPr>
-          <p:cNvPr id="2" name="Footer Placeholder 1">
-            <a:extLst>
-              <a:ext uri="{FF2B5EF4-FFF2-40B4-BE49-F238E27FC236}">
-                <a16:creationId xmlns:a16="http://schemas.microsoft.com/office/drawing/2014/main" id="{2E7EE4A7-A165-B2D0-E088-34C295207261}"/>
-              </a:ext>
-            </a:extLst>
-          </p:cNvPr>
-          <p:cNvSpPr>
-            <a:spLocks noGrp="1"/>
-          </p:cNvSpPr>
-          <p:nvPr>
-            <p:ph type="ftr" sz="quarter" idx="11"/>
-          </p:nvPr>
-        </p:nvSpPr>
-        <p:spPr/>
-        <p:txBody>
-          <a:bodyPr/>
-          <a:lstStyle/>
-          <a:p>
-            <a:pPr algn="l">
-              <a:defRPr/>
-            </a:pPr>
-            <a:r>
-              <a:rPr lang="en-US"/>
-              <a:t>CS1010 (AY2023/24 Semester 2)</a:t>
-            </a:r>
-          </a:p>
-        </p:txBody>
-      </p:sp>
     </p:spTree>
     <p:extLst>
       <p:ext uri="{BB962C8B-B14F-4D97-AF65-F5344CB8AC3E}">
